--- a/powerpoint/Final Presentation Caleb Ellis.pptx
+++ b/powerpoint/Final Presentation Caleb Ellis.pptx
@@ -20,18 +20,30 @@
     <p:sldId id="286" r:id="rId14"/>
     <p:sldId id="270" r:id="rId15"/>
     <p:sldId id="282" r:id="rId16"/>
-    <p:sldId id="260" r:id="rId17"/>
-    <p:sldId id="261" r:id="rId18"/>
-    <p:sldId id="271" r:id="rId19"/>
-    <p:sldId id="273" r:id="rId20"/>
-    <p:sldId id="264" r:id="rId21"/>
-    <p:sldId id="278" r:id="rId22"/>
-    <p:sldId id="263" r:id="rId23"/>
-    <p:sldId id="265" r:id="rId24"/>
-    <p:sldId id="277" r:id="rId25"/>
-    <p:sldId id="266" r:id="rId26"/>
-    <p:sldId id="267" r:id="rId27"/>
-    <p:sldId id="272" r:id="rId28"/>
+    <p:sldId id="261" r:id="rId17"/>
+    <p:sldId id="271" r:id="rId18"/>
+    <p:sldId id="288" r:id="rId19"/>
+    <p:sldId id="289" r:id="rId20"/>
+    <p:sldId id="290" r:id="rId21"/>
+    <p:sldId id="291" r:id="rId22"/>
+    <p:sldId id="292" r:id="rId23"/>
+    <p:sldId id="264" r:id="rId24"/>
+    <p:sldId id="294" r:id="rId25"/>
+    <p:sldId id="295" r:id="rId26"/>
+    <p:sldId id="278" r:id="rId27"/>
+    <p:sldId id="263" r:id="rId28"/>
+    <p:sldId id="296" r:id="rId29"/>
+    <p:sldId id="298" r:id="rId30"/>
+    <p:sldId id="299" r:id="rId31"/>
+    <p:sldId id="300" r:id="rId32"/>
+    <p:sldId id="301" r:id="rId33"/>
+    <p:sldId id="302" r:id="rId34"/>
+    <p:sldId id="265" r:id="rId35"/>
+    <p:sldId id="287" r:id="rId36"/>
+    <p:sldId id="297" r:id="rId37"/>
+    <p:sldId id="303" r:id="rId38"/>
+    <p:sldId id="267" r:id="rId39"/>
+    <p:sldId id="272" r:id="rId40"/>
   </p:sldIdLst>
   <p:sldSz cx="12192000" cy="6858000"/>
   <p:notesSz cx="6858000" cy="9144000"/>
@@ -150,6 +162,3865 @@
 </p:cmAuthorLst>
 </file>
 
+<file path=ppt/diagrams/colors1.xml><?xml version="1.0" encoding="utf-8"?>
+<dgm:colorsDef xmlns:dgm="http://schemas.openxmlformats.org/drawingml/2006/diagram" xmlns:a="http://schemas.openxmlformats.org/drawingml/2006/main" uniqueId="urn:microsoft.com/office/officeart/2005/8/colors/accent0_2">
+  <dgm:title val=""/>
+  <dgm:desc val=""/>
+  <dgm:catLst>
+    <dgm:cat type="mainScheme" pri="10200"/>
+  </dgm:catLst>
+  <dgm:styleLbl name="node0">
+    <dgm:fillClrLst meth="repeat">
+      <a:schemeClr val="lt1"/>
+    </dgm:fillClrLst>
+    <dgm:linClrLst meth="repeat">
+      <a:schemeClr val="dk2">
+        <a:shade val="80000"/>
+      </a:schemeClr>
+    </dgm:linClrLst>
+    <dgm:effectClrLst/>
+    <dgm:txLinClrLst/>
+    <dgm:txFillClrLst meth="repeat">
+      <a:schemeClr val="dk2"/>
+    </dgm:txFillClrLst>
+    <dgm:txEffectClrLst/>
+  </dgm:styleLbl>
+  <dgm:styleLbl name="node1">
+    <dgm:fillClrLst meth="repeat">
+      <a:schemeClr val="lt1"/>
+    </dgm:fillClrLst>
+    <dgm:linClrLst meth="repeat">
+      <a:schemeClr val="dk2">
+        <a:shade val="80000"/>
+      </a:schemeClr>
+    </dgm:linClrLst>
+    <dgm:effectClrLst/>
+    <dgm:txLinClrLst/>
+    <dgm:txFillClrLst meth="repeat">
+      <a:schemeClr val="dk2"/>
+    </dgm:txFillClrLst>
+    <dgm:txEffectClrLst/>
+  </dgm:styleLbl>
+  <dgm:styleLbl name="alignNode1">
+    <dgm:fillClrLst meth="repeat">
+      <a:schemeClr val="lt1"/>
+    </dgm:fillClrLst>
+    <dgm:linClrLst meth="repeat">
+      <a:schemeClr val="dk2">
+        <a:shade val="80000"/>
+      </a:schemeClr>
+    </dgm:linClrLst>
+    <dgm:effectClrLst/>
+    <dgm:txLinClrLst/>
+    <dgm:txFillClrLst meth="repeat">
+      <a:schemeClr val="dk2"/>
+    </dgm:txFillClrLst>
+    <dgm:txEffectClrLst/>
+  </dgm:styleLbl>
+  <dgm:styleLbl name="lnNode1">
+    <dgm:fillClrLst meth="repeat">
+      <a:schemeClr val="lt1"/>
+    </dgm:fillClrLst>
+    <dgm:linClrLst meth="repeat">
+      <a:schemeClr val="dk2">
+        <a:shade val="80000"/>
+      </a:schemeClr>
+    </dgm:linClrLst>
+    <dgm:effectClrLst/>
+    <dgm:txLinClrLst/>
+    <dgm:txFillClrLst meth="repeat">
+      <a:schemeClr val="dk2"/>
+    </dgm:txFillClrLst>
+    <dgm:txEffectClrLst/>
+  </dgm:styleLbl>
+  <dgm:styleLbl name="vennNode1">
+    <dgm:fillClrLst meth="repeat">
+      <a:schemeClr val="lt1">
+        <a:alpha val="50000"/>
+      </a:schemeClr>
+    </dgm:fillClrLst>
+    <dgm:linClrLst meth="repeat">
+      <a:schemeClr val="dk2">
+        <a:shade val="80000"/>
+      </a:schemeClr>
+    </dgm:linClrLst>
+    <dgm:effectClrLst/>
+    <dgm:txLinClrLst/>
+    <dgm:txFillClrLst/>
+    <dgm:txEffectClrLst/>
+  </dgm:styleLbl>
+  <dgm:styleLbl name="node2">
+    <dgm:fillClrLst meth="repeat">
+      <a:schemeClr val="lt1"/>
+    </dgm:fillClrLst>
+    <dgm:linClrLst meth="repeat">
+      <a:schemeClr val="dk2">
+        <a:shade val="80000"/>
+      </a:schemeClr>
+    </dgm:linClrLst>
+    <dgm:effectClrLst/>
+    <dgm:txLinClrLst/>
+    <dgm:txFillClrLst meth="repeat">
+      <a:schemeClr val="dk2"/>
+    </dgm:txFillClrLst>
+    <dgm:txEffectClrLst/>
+  </dgm:styleLbl>
+  <dgm:styleLbl name="node3">
+    <dgm:fillClrLst meth="repeat">
+      <a:schemeClr val="lt1"/>
+    </dgm:fillClrLst>
+    <dgm:linClrLst meth="repeat">
+      <a:schemeClr val="dk2">
+        <a:shade val="80000"/>
+      </a:schemeClr>
+    </dgm:linClrLst>
+    <dgm:effectClrLst/>
+    <dgm:txLinClrLst/>
+    <dgm:txFillClrLst meth="repeat">
+      <a:schemeClr val="dk2"/>
+    </dgm:txFillClrLst>
+    <dgm:txEffectClrLst/>
+  </dgm:styleLbl>
+  <dgm:styleLbl name="node4">
+    <dgm:fillClrLst meth="repeat">
+      <a:schemeClr val="lt1"/>
+    </dgm:fillClrLst>
+    <dgm:linClrLst meth="repeat">
+      <a:schemeClr val="dk2">
+        <a:shade val="80000"/>
+      </a:schemeClr>
+    </dgm:linClrLst>
+    <dgm:effectClrLst/>
+    <dgm:txLinClrLst/>
+    <dgm:txFillClrLst meth="repeat">
+      <a:schemeClr val="dk2"/>
+    </dgm:txFillClrLst>
+    <dgm:txEffectClrLst/>
+  </dgm:styleLbl>
+  <dgm:styleLbl name="fgImgPlace1">
+    <dgm:fillClrLst meth="repeat">
+      <a:schemeClr val="dk2">
+        <a:tint val="40000"/>
+      </a:schemeClr>
+    </dgm:fillClrLst>
+    <dgm:linClrLst meth="repeat">
+      <a:schemeClr val="dk2">
+        <a:shade val="80000"/>
+      </a:schemeClr>
+    </dgm:linClrLst>
+    <dgm:effectClrLst/>
+    <dgm:txLinClrLst/>
+    <dgm:txFillClrLst meth="repeat">
+      <a:schemeClr val="lt1"/>
+    </dgm:txFillClrLst>
+    <dgm:txEffectClrLst/>
+  </dgm:styleLbl>
+  <dgm:styleLbl name="alignImgPlace1">
+    <dgm:fillClrLst meth="repeat">
+      <a:schemeClr val="dk2">
+        <a:tint val="40000"/>
+      </a:schemeClr>
+    </dgm:fillClrLst>
+    <dgm:linClrLst meth="repeat">
+      <a:schemeClr val="dk2">
+        <a:shade val="80000"/>
+      </a:schemeClr>
+    </dgm:linClrLst>
+    <dgm:effectClrLst/>
+    <dgm:txLinClrLst/>
+    <dgm:txFillClrLst meth="repeat">
+      <a:schemeClr val="lt1"/>
+    </dgm:txFillClrLst>
+    <dgm:txEffectClrLst/>
+  </dgm:styleLbl>
+  <dgm:styleLbl name="bgImgPlace1">
+    <dgm:fillClrLst meth="repeat">
+      <a:schemeClr val="dk2">
+        <a:tint val="40000"/>
+      </a:schemeClr>
+    </dgm:fillClrLst>
+    <dgm:linClrLst meth="repeat">
+      <a:schemeClr val="dk2">
+        <a:shade val="80000"/>
+      </a:schemeClr>
+    </dgm:linClrLst>
+    <dgm:effectClrLst/>
+    <dgm:txLinClrLst/>
+    <dgm:txFillClrLst meth="repeat">
+      <a:schemeClr val="lt1"/>
+    </dgm:txFillClrLst>
+    <dgm:txEffectClrLst/>
+  </dgm:styleLbl>
+  <dgm:styleLbl name="sibTrans2D1">
+    <dgm:fillClrLst meth="repeat">
+      <a:schemeClr val="dk2">
+        <a:tint val="60000"/>
+      </a:schemeClr>
+    </dgm:fillClrLst>
+    <dgm:linClrLst meth="repeat">
+      <a:schemeClr val="dk2">
+        <a:tint val="60000"/>
+      </a:schemeClr>
+    </dgm:linClrLst>
+    <dgm:effectClrLst/>
+    <dgm:txLinClrLst/>
+    <dgm:txFillClrLst meth="repeat">
+      <a:schemeClr val="dk2"/>
+    </dgm:txFillClrLst>
+    <dgm:txEffectClrLst/>
+  </dgm:styleLbl>
+  <dgm:styleLbl name="fgSibTrans2D1">
+    <dgm:fillClrLst meth="repeat">
+      <a:schemeClr val="dk2">
+        <a:tint val="60000"/>
+      </a:schemeClr>
+    </dgm:fillClrLst>
+    <dgm:linClrLst meth="repeat">
+      <a:schemeClr val="dk2">
+        <a:tint val="60000"/>
+      </a:schemeClr>
+    </dgm:linClrLst>
+    <dgm:effectClrLst/>
+    <dgm:txLinClrLst/>
+    <dgm:txFillClrLst meth="repeat">
+      <a:schemeClr val="dk2"/>
+    </dgm:txFillClrLst>
+    <dgm:txEffectClrLst/>
+  </dgm:styleLbl>
+  <dgm:styleLbl name="bgSibTrans2D1">
+    <dgm:fillClrLst meth="repeat">
+      <a:schemeClr val="dk2">
+        <a:tint val="60000"/>
+      </a:schemeClr>
+    </dgm:fillClrLst>
+    <dgm:linClrLst meth="repeat">
+      <a:schemeClr val="dk2">
+        <a:tint val="60000"/>
+      </a:schemeClr>
+    </dgm:linClrLst>
+    <dgm:effectClrLst/>
+    <dgm:txLinClrLst/>
+    <dgm:txFillClrLst meth="repeat">
+      <a:schemeClr val="dk2"/>
+    </dgm:txFillClrLst>
+    <dgm:txEffectClrLst/>
+  </dgm:styleLbl>
+  <dgm:styleLbl name="sibTrans1D1">
+    <dgm:fillClrLst meth="repeat">
+      <a:schemeClr val="dk2"/>
+    </dgm:fillClrLst>
+    <dgm:linClrLst meth="repeat">
+      <a:schemeClr val="dk2"/>
+    </dgm:linClrLst>
+    <dgm:effectClrLst/>
+    <dgm:txLinClrLst/>
+    <dgm:txFillClrLst meth="repeat">
+      <a:schemeClr val="tx1"/>
+    </dgm:txFillClrLst>
+    <dgm:txEffectClrLst/>
+  </dgm:styleLbl>
+  <dgm:styleLbl name="callout">
+    <dgm:fillClrLst meth="repeat">
+      <a:schemeClr val="dk2"/>
+    </dgm:fillClrLst>
+    <dgm:linClrLst meth="repeat">
+      <a:schemeClr val="dk2"/>
+    </dgm:linClrLst>
+    <dgm:effectClrLst/>
+    <dgm:txLinClrLst/>
+    <dgm:txFillClrLst meth="repeat">
+      <a:schemeClr val="tx1"/>
+    </dgm:txFillClrLst>
+    <dgm:txEffectClrLst/>
+  </dgm:styleLbl>
+  <dgm:styleLbl name="asst0">
+    <dgm:fillClrLst meth="repeat">
+      <a:schemeClr val="lt1"/>
+    </dgm:fillClrLst>
+    <dgm:linClrLst meth="repeat">
+      <a:schemeClr val="dk2">
+        <a:shade val="80000"/>
+      </a:schemeClr>
+    </dgm:linClrLst>
+    <dgm:effectClrLst/>
+    <dgm:txLinClrLst/>
+    <dgm:txFillClrLst meth="repeat">
+      <a:schemeClr val="dk2"/>
+    </dgm:txFillClrLst>
+    <dgm:txEffectClrLst/>
+  </dgm:styleLbl>
+  <dgm:styleLbl name="asst1">
+    <dgm:fillClrLst meth="repeat">
+      <a:schemeClr val="lt1"/>
+    </dgm:fillClrLst>
+    <dgm:linClrLst meth="repeat">
+      <a:schemeClr val="dk2">
+        <a:shade val="80000"/>
+      </a:schemeClr>
+    </dgm:linClrLst>
+    <dgm:effectClrLst/>
+    <dgm:txLinClrLst/>
+    <dgm:txFillClrLst meth="repeat">
+      <a:schemeClr val="dk2"/>
+    </dgm:txFillClrLst>
+    <dgm:txEffectClrLst/>
+  </dgm:styleLbl>
+  <dgm:styleLbl name="asst2">
+    <dgm:fillClrLst meth="repeat">
+      <a:schemeClr val="lt1"/>
+    </dgm:fillClrLst>
+    <dgm:linClrLst meth="repeat">
+      <a:schemeClr val="dk2">
+        <a:shade val="80000"/>
+      </a:schemeClr>
+    </dgm:linClrLst>
+    <dgm:effectClrLst/>
+    <dgm:txLinClrLst/>
+    <dgm:txFillClrLst meth="repeat">
+      <a:schemeClr val="dk2"/>
+    </dgm:txFillClrLst>
+    <dgm:txEffectClrLst/>
+  </dgm:styleLbl>
+  <dgm:styleLbl name="asst3">
+    <dgm:fillClrLst meth="repeat">
+      <a:schemeClr val="lt1"/>
+    </dgm:fillClrLst>
+    <dgm:linClrLst meth="repeat">
+      <a:schemeClr val="dk2">
+        <a:shade val="80000"/>
+      </a:schemeClr>
+    </dgm:linClrLst>
+    <dgm:effectClrLst/>
+    <dgm:txLinClrLst/>
+    <dgm:txFillClrLst meth="repeat">
+      <a:schemeClr val="dk2"/>
+    </dgm:txFillClrLst>
+    <dgm:txEffectClrLst/>
+  </dgm:styleLbl>
+  <dgm:styleLbl name="asst4">
+    <dgm:fillClrLst meth="repeat">
+      <a:schemeClr val="lt1"/>
+    </dgm:fillClrLst>
+    <dgm:linClrLst meth="repeat">
+      <a:schemeClr val="dk2">
+        <a:shade val="80000"/>
+      </a:schemeClr>
+    </dgm:linClrLst>
+    <dgm:effectClrLst/>
+    <dgm:txLinClrLst/>
+    <dgm:txFillClrLst meth="repeat">
+      <a:schemeClr val="dk2"/>
+    </dgm:txFillClrLst>
+    <dgm:txEffectClrLst/>
+  </dgm:styleLbl>
+  <dgm:styleLbl name="parChTrans2D1">
+    <dgm:fillClrLst meth="repeat">
+      <a:schemeClr val="dk2">
+        <a:tint val="60000"/>
+      </a:schemeClr>
+    </dgm:fillClrLst>
+    <dgm:linClrLst meth="repeat">
+      <a:schemeClr val="dk2">
+        <a:tint val="60000"/>
+      </a:schemeClr>
+    </dgm:linClrLst>
+    <dgm:effectClrLst/>
+    <dgm:txLinClrLst/>
+    <dgm:txFillClrLst/>
+    <dgm:txEffectClrLst/>
+  </dgm:styleLbl>
+  <dgm:styleLbl name="parChTrans2D2">
+    <dgm:fillClrLst meth="repeat">
+      <a:schemeClr val="dk2"/>
+    </dgm:fillClrLst>
+    <dgm:linClrLst meth="repeat">
+      <a:schemeClr val="dk2"/>
+    </dgm:linClrLst>
+    <dgm:effectClrLst/>
+    <dgm:txLinClrLst/>
+    <dgm:txFillClrLst/>
+    <dgm:txEffectClrLst/>
+  </dgm:styleLbl>
+  <dgm:styleLbl name="parChTrans2D3">
+    <dgm:fillClrLst meth="repeat">
+      <a:schemeClr val="dk2"/>
+    </dgm:fillClrLst>
+    <dgm:linClrLst meth="repeat">
+      <a:schemeClr val="dk2"/>
+    </dgm:linClrLst>
+    <dgm:effectClrLst/>
+    <dgm:txLinClrLst/>
+    <dgm:txFillClrLst/>
+    <dgm:txEffectClrLst/>
+  </dgm:styleLbl>
+  <dgm:styleLbl name="parChTrans2D4">
+    <dgm:fillClrLst meth="repeat">
+      <a:schemeClr val="dk2"/>
+    </dgm:fillClrLst>
+    <dgm:linClrLst meth="repeat">
+      <a:schemeClr val="dk2"/>
+    </dgm:linClrLst>
+    <dgm:effectClrLst/>
+    <dgm:txLinClrLst/>
+    <dgm:txFillClrLst meth="repeat">
+      <a:schemeClr val="lt1"/>
+    </dgm:txFillClrLst>
+    <dgm:txEffectClrLst/>
+  </dgm:styleLbl>
+  <dgm:styleLbl name="parChTrans1D1">
+    <dgm:fillClrLst meth="repeat">
+      <a:schemeClr val="dk2"/>
+    </dgm:fillClrLst>
+    <dgm:linClrLst meth="repeat">
+      <a:schemeClr val="dk2">
+        <a:shade val="60000"/>
+      </a:schemeClr>
+    </dgm:linClrLst>
+    <dgm:effectClrLst/>
+    <dgm:txLinClrLst/>
+    <dgm:txFillClrLst meth="repeat">
+      <a:schemeClr val="tx1"/>
+    </dgm:txFillClrLst>
+    <dgm:txEffectClrLst/>
+  </dgm:styleLbl>
+  <dgm:styleLbl name="parChTrans1D2">
+    <dgm:fillClrLst meth="repeat">
+      <a:schemeClr val="dk2"/>
+    </dgm:fillClrLst>
+    <dgm:linClrLst meth="repeat">
+      <a:schemeClr val="dk2">
+        <a:shade val="60000"/>
+      </a:schemeClr>
+    </dgm:linClrLst>
+    <dgm:effectClrLst/>
+    <dgm:txLinClrLst/>
+    <dgm:txFillClrLst meth="repeat">
+      <a:schemeClr val="tx1"/>
+    </dgm:txFillClrLst>
+    <dgm:txEffectClrLst/>
+  </dgm:styleLbl>
+  <dgm:styleLbl name="parChTrans1D3">
+    <dgm:fillClrLst meth="repeat">
+      <a:schemeClr val="dk2"/>
+    </dgm:fillClrLst>
+    <dgm:linClrLst meth="repeat">
+      <a:schemeClr val="dk2">
+        <a:shade val="80000"/>
+      </a:schemeClr>
+    </dgm:linClrLst>
+    <dgm:effectClrLst/>
+    <dgm:txLinClrLst/>
+    <dgm:txFillClrLst meth="repeat">
+      <a:schemeClr val="tx1"/>
+    </dgm:txFillClrLst>
+    <dgm:txEffectClrLst/>
+  </dgm:styleLbl>
+  <dgm:styleLbl name="parChTrans1D4">
+    <dgm:fillClrLst meth="repeat">
+      <a:schemeClr val="dk2"/>
+    </dgm:fillClrLst>
+    <dgm:linClrLst meth="repeat">
+      <a:schemeClr val="dk2">
+        <a:shade val="80000"/>
+      </a:schemeClr>
+    </dgm:linClrLst>
+    <dgm:effectClrLst/>
+    <dgm:txLinClrLst/>
+    <dgm:txFillClrLst meth="repeat">
+      <a:schemeClr val="tx1"/>
+    </dgm:txFillClrLst>
+    <dgm:txEffectClrLst/>
+  </dgm:styleLbl>
+  <dgm:styleLbl name="fgAcc1">
+    <dgm:fillClrLst meth="repeat">
+      <a:schemeClr val="dk2">
+        <a:alpha val="90000"/>
+        <a:tint val="40000"/>
+      </a:schemeClr>
+    </dgm:fillClrLst>
+    <dgm:linClrLst meth="repeat">
+      <a:schemeClr val="dk2"/>
+    </dgm:linClrLst>
+    <dgm:effectClrLst/>
+    <dgm:txLinClrLst/>
+    <dgm:txFillClrLst meth="repeat">
+      <a:schemeClr val="dk2"/>
+    </dgm:txFillClrLst>
+    <dgm:txEffectClrLst/>
+  </dgm:styleLbl>
+  <dgm:styleLbl name="conFgAcc1">
+    <dgm:fillClrLst meth="repeat">
+      <a:schemeClr val="dk2">
+        <a:alpha val="90000"/>
+        <a:tint val="40000"/>
+      </a:schemeClr>
+    </dgm:fillClrLst>
+    <dgm:linClrLst meth="repeat">
+      <a:schemeClr val="dk2"/>
+    </dgm:linClrLst>
+    <dgm:effectClrLst/>
+    <dgm:txLinClrLst/>
+    <dgm:txFillClrLst meth="repeat">
+      <a:schemeClr val="dk2"/>
+    </dgm:txFillClrLst>
+    <dgm:txEffectClrLst/>
+  </dgm:styleLbl>
+  <dgm:styleLbl name="alignAcc1">
+    <dgm:fillClrLst meth="repeat">
+      <a:schemeClr val="dk2">
+        <a:alpha val="90000"/>
+        <a:tint val="40000"/>
+      </a:schemeClr>
+    </dgm:fillClrLst>
+    <dgm:linClrLst meth="repeat">
+      <a:schemeClr val="dk2"/>
+    </dgm:linClrLst>
+    <dgm:effectClrLst/>
+    <dgm:txLinClrLst/>
+    <dgm:txFillClrLst meth="repeat">
+      <a:schemeClr val="dk2"/>
+    </dgm:txFillClrLst>
+    <dgm:txEffectClrLst/>
+  </dgm:styleLbl>
+  <dgm:styleLbl name="trAlignAcc1">
+    <dgm:fillClrLst meth="repeat">
+      <a:schemeClr val="dk2">
+        <a:alpha val="40000"/>
+        <a:tint val="40000"/>
+      </a:schemeClr>
+    </dgm:fillClrLst>
+    <dgm:linClrLst meth="repeat">
+      <a:schemeClr val="dk2"/>
+    </dgm:linClrLst>
+    <dgm:effectClrLst/>
+    <dgm:txLinClrLst/>
+    <dgm:txFillClrLst meth="repeat">
+      <a:schemeClr val="dk2"/>
+    </dgm:txFillClrLst>
+    <dgm:txEffectClrLst/>
+  </dgm:styleLbl>
+  <dgm:styleLbl name="bgAcc1">
+    <dgm:fillClrLst meth="repeat">
+      <a:schemeClr val="dk2">
+        <a:alpha val="90000"/>
+        <a:tint val="40000"/>
+      </a:schemeClr>
+    </dgm:fillClrLst>
+    <dgm:linClrLst meth="repeat">
+      <a:schemeClr val="dk2"/>
+    </dgm:linClrLst>
+    <dgm:effectClrLst/>
+    <dgm:txLinClrLst/>
+    <dgm:txFillClrLst meth="repeat">
+      <a:schemeClr val="dk2"/>
+    </dgm:txFillClrLst>
+    <dgm:txEffectClrLst/>
+  </dgm:styleLbl>
+  <dgm:styleLbl name="solidFgAcc1">
+    <dgm:fillClrLst meth="repeat">
+      <a:schemeClr val="lt1"/>
+    </dgm:fillClrLst>
+    <dgm:linClrLst meth="repeat">
+      <a:schemeClr val="dk2"/>
+    </dgm:linClrLst>
+    <dgm:effectClrLst/>
+    <dgm:txLinClrLst/>
+    <dgm:txFillClrLst meth="repeat">
+      <a:schemeClr val="dk2"/>
+    </dgm:txFillClrLst>
+    <dgm:txEffectClrLst/>
+  </dgm:styleLbl>
+  <dgm:styleLbl name="solidAlignAcc1">
+    <dgm:fillClrLst meth="repeat">
+      <a:schemeClr val="lt1"/>
+    </dgm:fillClrLst>
+    <dgm:linClrLst meth="repeat">
+      <a:schemeClr val="dk2"/>
+    </dgm:linClrLst>
+    <dgm:effectClrLst/>
+    <dgm:txLinClrLst/>
+    <dgm:txFillClrLst meth="repeat">
+      <a:schemeClr val="dk2"/>
+    </dgm:txFillClrLst>
+    <dgm:txEffectClrLst/>
+  </dgm:styleLbl>
+  <dgm:styleLbl name="solidBgAcc1">
+    <dgm:fillClrLst meth="repeat">
+      <a:schemeClr val="lt1"/>
+    </dgm:fillClrLst>
+    <dgm:linClrLst meth="repeat">
+      <a:schemeClr val="dk2"/>
+    </dgm:linClrLst>
+    <dgm:effectClrLst/>
+    <dgm:txLinClrLst/>
+    <dgm:txFillClrLst meth="repeat">
+      <a:schemeClr val="dk2"/>
+    </dgm:txFillClrLst>
+    <dgm:txEffectClrLst/>
+  </dgm:styleLbl>
+  <dgm:styleLbl name="fgAccFollowNode1">
+    <dgm:fillClrLst meth="repeat">
+      <a:schemeClr val="lt1">
+        <a:alpha val="90000"/>
+        <a:tint val="40000"/>
+      </a:schemeClr>
+    </dgm:fillClrLst>
+    <dgm:linClrLst meth="repeat">
+      <a:schemeClr val="dk2">
+        <a:alpha val="90000"/>
+      </a:schemeClr>
+    </dgm:linClrLst>
+    <dgm:effectClrLst/>
+    <dgm:txLinClrLst/>
+    <dgm:txFillClrLst meth="repeat">
+      <a:schemeClr val="dk2"/>
+    </dgm:txFillClrLst>
+    <dgm:txEffectClrLst/>
+  </dgm:styleLbl>
+  <dgm:styleLbl name="alignAccFollowNode1">
+    <dgm:fillClrLst meth="repeat">
+      <a:schemeClr val="lt1">
+        <a:alpha val="90000"/>
+        <a:tint val="40000"/>
+      </a:schemeClr>
+    </dgm:fillClrLst>
+    <dgm:linClrLst meth="repeat">
+      <a:schemeClr val="dk2">
+        <a:alpha val="90000"/>
+      </a:schemeClr>
+    </dgm:linClrLst>
+    <dgm:effectClrLst/>
+    <dgm:txLinClrLst/>
+    <dgm:txFillClrLst meth="repeat">
+      <a:schemeClr val="dk2"/>
+    </dgm:txFillClrLst>
+    <dgm:txEffectClrLst/>
+  </dgm:styleLbl>
+  <dgm:styleLbl name="bgAccFollowNode1">
+    <dgm:fillClrLst meth="repeat">
+      <a:schemeClr val="lt1">
+        <a:alpha val="90000"/>
+        <a:tint val="40000"/>
+      </a:schemeClr>
+    </dgm:fillClrLst>
+    <dgm:linClrLst meth="repeat">
+      <a:schemeClr val="dk2">
+        <a:alpha val="90000"/>
+      </a:schemeClr>
+    </dgm:linClrLst>
+    <dgm:effectClrLst/>
+    <dgm:txLinClrLst/>
+    <dgm:txFillClrLst meth="repeat">
+      <a:schemeClr val="dk2"/>
+    </dgm:txFillClrLst>
+    <dgm:txEffectClrLst/>
+  </dgm:styleLbl>
+  <dgm:styleLbl name="fgAcc0">
+    <dgm:fillClrLst meth="repeat">
+      <a:schemeClr val="dk2">
+        <a:alpha val="90000"/>
+        <a:tint val="40000"/>
+      </a:schemeClr>
+    </dgm:fillClrLst>
+    <dgm:linClrLst meth="repeat">
+      <a:schemeClr val="dk2"/>
+    </dgm:linClrLst>
+    <dgm:effectClrLst/>
+    <dgm:txLinClrLst/>
+    <dgm:txFillClrLst meth="repeat">
+      <a:schemeClr val="dk2"/>
+    </dgm:txFillClrLst>
+    <dgm:txEffectClrLst/>
+  </dgm:styleLbl>
+  <dgm:styleLbl name="fgAcc2">
+    <dgm:fillClrLst meth="repeat">
+      <a:schemeClr val="dk2">
+        <a:alpha val="90000"/>
+        <a:tint val="40000"/>
+      </a:schemeClr>
+    </dgm:fillClrLst>
+    <dgm:linClrLst meth="repeat">
+      <a:schemeClr val="dk2"/>
+    </dgm:linClrLst>
+    <dgm:effectClrLst/>
+    <dgm:txLinClrLst/>
+    <dgm:txFillClrLst meth="repeat">
+      <a:schemeClr val="dk2"/>
+    </dgm:txFillClrLst>
+    <dgm:txEffectClrLst/>
+  </dgm:styleLbl>
+  <dgm:styleLbl name="fgAcc3">
+    <dgm:fillClrLst meth="repeat">
+      <a:schemeClr val="dk2">
+        <a:alpha val="90000"/>
+        <a:tint val="40000"/>
+      </a:schemeClr>
+    </dgm:fillClrLst>
+    <dgm:linClrLst meth="repeat">
+      <a:schemeClr val="dk2"/>
+    </dgm:linClrLst>
+    <dgm:effectClrLst/>
+    <dgm:txLinClrLst/>
+    <dgm:txFillClrLst meth="repeat">
+      <a:schemeClr val="dk2"/>
+    </dgm:txFillClrLst>
+    <dgm:txEffectClrLst/>
+  </dgm:styleLbl>
+  <dgm:styleLbl name="fgAcc4">
+    <dgm:fillClrLst meth="repeat">
+      <a:schemeClr val="dk2">
+        <a:alpha val="90000"/>
+        <a:tint val="40000"/>
+      </a:schemeClr>
+    </dgm:fillClrLst>
+    <dgm:linClrLst meth="repeat">
+      <a:schemeClr val="dk2"/>
+    </dgm:linClrLst>
+    <dgm:effectClrLst/>
+    <dgm:txLinClrLst/>
+    <dgm:txFillClrLst meth="repeat">
+      <a:schemeClr val="dk2"/>
+    </dgm:txFillClrLst>
+    <dgm:txEffectClrLst/>
+  </dgm:styleLbl>
+  <dgm:styleLbl name="bgShp">
+    <dgm:fillClrLst meth="repeat">
+      <a:schemeClr val="dk2">
+        <a:tint val="40000"/>
+      </a:schemeClr>
+    </dgm:fillClrLst>
+    <dgm:linClrLst meth="repeat">
+      <a:schemeClr val="dk2"/>
+    </dgm:linClrLst>
+    <dgm:effectClrLst/>
+    <dgm:txLinClrLst/>
+    <dgm:txFillClrLst meth="repeat">
+      <a:schemeClr val="dk1"/>
+    </dgm:txFillClrLst>
+    <dgm:txEffectClrLst/>
+  </dgm:styleLbl>
+  <dgm:styleLbl name="dkBgShp">
+    <dgm:fillClrLst meth="repeat">
+      <a:schemeClr val="dk2">
+        <a:shade val="80000"/>
+      </a:schemeClr>
+    </dgm:fillClrLst>
+    <dgm:linClrLst meth="repeat">
+      <a:schemeClr val="dk2"/>
+    </dgm:linClrLst>
+    <dgm:effectClrLst/>
+    <dgm:txLinClrLst/>
+    <dgm:txFillClrLst meth="repeat">
+      <a:schemeClr val="lt2"/>
+    </dgm:txFillClrLst>
+    <dgm:txEffectClrLst/>
+  </dgm:styleLbl>
+  <dgm:styleLbl name="trBgShp">
+    <dgm:fillClrLst meth="repeat">
+      <a:schemeClr val="dk2">
+        <a:tint val="50000"/>
+        <a:alpha val="40000"/>
+      </a:schemeClr>
+    </dgm:fillClrLst>
+    <dgm:linClrLst meth="repeat">
+      <a:schemeClr val="dk2"/>
+    </dgm:linClrLst>
+    <dgm:effectClrLst/>
+    <dgm:txLinClrLst/>
+    <dgm:txFillClrLst meth="repeat">
+      <a:schemeClr val="lt2"/>
+    </dgm:txFillClrLst>
+    <dgm:txEffectClrLst/>
+  </dgm:styleLbl>
+  <dgm:styleLbl name="fgShp">
+    <dgm:fillClrLst meth="repeat">
+      <a:schemeClr val="dk2">
+        <a:tint val="60000"/>
+      </a:schemeClr>
+    </dgm:fillClrLst>
+    <dgm:linClrLst meth="repeat">
+      <a:schemeClr val="lt1"/>
+    </dgm:linClrLst>
+    <dgm:effectClrLst/>
+    <dgm:txLinClrLst/>
+    <dgm:txFillClrLst meth="repeat">
+      <a:schemeClr val="dk2"/>
+    </dgm:txFillClrLst>
+    <dgm:txEffectClrLst/>
+  </dgm:styleLbl>
+  <dgm:styleLbl name="revTx">
+    <dgm:fillClrLst meth="repeat">
+      <a:schemeClr val="lt1">
+        <a:alpha val="0"/>
+      </a:schemeClr>
+    </dgm:fillClrLst>
+    <dgm:linClrLst meth="repeat">
+      <a:schemeClr val="dk2">
+        <a:alpha val="0"/>
+      </a:schemeClr>
+    </dgm:linClrLst>
+    <dgm:effectClrLst/>
+    <dgm:txLinClrLst/>
+    <dgm:txFillClrLst meth="repeat">
+      <a:schemeClr val="tx1"/>
+    </dgm:txFillClrLst>
+    <dgm:txEffectClrLst/>
+  </dgm:styleLbl>
+</dgm:colorsDef>
+</file>
+
+<file path=ppt/diagrams/data1.xml><?xml version="1.0" encoding="utf-8"?>
+<dgm:dataModel xmlns:dgm="http://schemas.openxmlformats.org/drawingml/2006/diagram" xmlns:a="http://schemas.openxmlformats.org/drawingml/2006/main">
+  <dgm:ptLst>
+    <dgm:pt modelId="{E93226C0-F6F3-465B-B10B-AB65738F9A5A}" type="doc">
+      <dgm:prSet loTypeId="urn:diagrams.loki3.com/BracketList" loCatId="list" qsTypeId="urn:microsoft.com/office/officeart/2005/8/quickstyle/simple1" qsCatId="simple" csTypeId="urn:microsoft.com/office/officeart/2005/8/colors/accent0_2" csCatId="mainScheme" phldr="1"/>
+      <dgm:spPr/>
+      <dgm:t>
+        <a:bodyPr/>
+        <a:lstStyle/>
+        <a:p>
+          <a:endParaRPr lang="en-US"/>
+        </a:p>
+      </dgm:t>
+    </dgm:pt>
+    <dgm:pt modelId="{67F6D62D-96DF-4B4B-8146-1466F40AB59C}">
+      <dgm:prSet phldrT="[Text]"/>
+      <dgm:spPr/>
+      <dgm:t>
+        <a:bodyPr/>
+        <a:lstStyle/>
+        <a:p>
+          <a:r>
+            <a:rPr lang="en-US" dirty="0" err="1" smtClean="0"/>
+            <a:t>CommandStructure</a:t>
+          </a:r>
+          <a:endParaRPr lang="en-US" dirty="0"/>
+        </a:p>
+      </dgm:t>
+    </dgm:pt>
+    <dgm:pt modelId="{E14B337B-60CC-4921-9F34-566AA053EEDD}" type="parTrans" cxnId="{3DAA50C0-DCBC-476F-AAE1-F5FD1839291E}">
+      <dgm:prSet/>
+      <dgm:spPr/>
+      <dgm:t>
+        <a:bodyPr/>
+        <a:lstStyle/>
+        <a:p>
+          <a:endParaRPr lang="en-US"/>
+        </a:p>
+      </dgm:t>
+    </dgm:pt>
+    <dgm:pt modelId="{F8BD9D7B-E316-4AF0-8F1C-733C7CB3B3BD}" type="sibTrans" cxnId="{3DAA50C0-DCBC-476F-AAE1-F5FD1839291E}">
+      <dgm:prSet/>
+      <dgm:spPr/>
+      <dgm:t>
+        <a:bodyPr/>
+        <a:lstStyle/>
+        <a:p>
+          <a:endParaRPr lang="en-US"/>
+        </a:p>
+      </dgm:t>
+    </dgm:pt>
+    <dgm:pt modelId="{E3956CD0-C2C9-4FB4-B6DD-E2421B033C53}">
+      <dgm:prSet phldrT="[Text]"/>
+      <dgm:spPr/>
+      <dgm:t>
+        <a:bodyPr/>
+        <a:lstStyle/>
+        <a:p>
+          <a:r>
+            <a:rPr lang="en-US" dirty="0" err="1" smtClean="0"/>
+            <a:t>CommandList.cs</a:t>
+          </a:r>
+          <a:endParaRPr lang="en-US" dirty="0"/>
+        </a:p>
+      </dgm:t>
+    </dgm:pt>
+    <dgm:pt modelId="{E3E20746-121B-4367-A959-005FF472ED63}" type="parTrans" cxnId="{0B9F5770-B057-494C-8E5F-E47D373FA829}">
+      <dgm:prSet/>
+      <dgm:spPr/>
+      <dgm:t>
+        <a:bodyPr/>
+        <a:lstStyle/>
+        <a:p>
+          <a:endParaRPr lang="en-US"/>
+        </a:p>
+      </dgm:t>
+    </dgm:pt>
+    <dgm:pt modelId="{19146C65-94BF-4E74-BE91-CC5A2B0BD8D4}" type="sibTrans" cxnId="{0B9F5770-B057-494C-8E5F-E47D373FA829}">
+      <dgm:prSet/>
+      <dgm:spPr/>
+      <dgm:t>
+        <a:bodyPr/>
+        <a:lstStyle/>
+        <a:p>
+          <a:endParaRPr lang="en-US"/>
+        </a:p>
+      </dgm:t>
+    </dgm:pt>
+    <dgm:pt modelId="{3A5D5C4C-161A-4530-BF00-620BC6FE79BD}">
+      <dgm:prSet phldrT="[Text]"/>
+      <dgm:spPr/>
+      <dgm:t>
+        <a:bodyPr/>
+        <a:lstStyle/>
+        <a:p>
+          <a:r>
+            <a:rPr lang="en-US" dirty="0" err="1" smtClean="0"/>
+            <a:t>ICommand.cs</a:t>
+          </a:r>
+          <a:endParaRPr lang="en-US" dirty="0"/>
+        </a:p>
+      </dgm:t>
+    </dgm:pt>
+    <dgm:pt modelId="{88B1F89F-02C0-4161-BF7C-B4BFED020093}" type="parTrans" cxnId="{A227A8BC-0454-47D1-B98B-2300B7DD13EE}">
+      <dgm:prSet/>
+      <dgm:spPr/>
+      <dgm:t>
+        <a:bodyPr/>
+        <a:lstStyle/>
+        <a:p>
+          <a:endParaRPr lang="en-US"/>
+        </a:p>
+      </dgm:t>
+    </dgm:pt>
+    <dgm:pt modelId="{FF1B5BAD-A6BC-4053-A397-FEB31E2AD90C}" type="sibTrans" cxnId="{A227A8BC-0454-47D1-B98B-2300B7DD13EE}">
+      <dgm:prSet/>
+      <dgm:spPr/>
+      <dgm:t>
+        <a:bodyPr/>
+        <a:lstStyle/>
+        <a:p>
+          <a:endParaRPr lang="en-US"/>
+        </a:p>
+      </dgm:t>
+    </dgm:pt>
+    <dgm:pt modelId="{3B36F81D-E37D-4EDB-8EF8-B7BA72AB8422}">
+      <dgm:prSet phldrT="[Text]"/>
+      <dgm:spPr/>
+      <dgm:t>
+        <a:bodyPr/>
+        <a:lstStyle/>
+        <a:p>
+          <a:r>
+            <a:rPr lang="en-US" dirty="0" err="1" smtClean="0"/>
+            <a:t>RunCommand.cs</a:t>
+          </a:r>
+          <a:endParaRPr lang="en-US" dirty="0"/>
+        </a:p>
+      </dgm:t>
+    </dgm:pt>
+    <dgm:pt modelId="{6498412F-CEC6-4BAF-AF50-2EB4EA03BDAF}" type="parTrans" cxnId="{A19FAC8F-E9DD-41BC-AE2D-9E9B17904359}">
+      <dgm:prSet/>
+      <dgm:spPr/>
+      <dgm:t>
+        <a:bodyPr/>
+        <a:lstStyle/>
+        <a:p>
+          <a:endParaRPr lang="en-US"/>
+        </a:p>
+      </dgm:t>
+    </dgm:pt>
+    <dgm:pt modelId="{342B2023-09E8-44B6-8494-D7342BE1258A}" type="sibTrans" cxnId="{A19FAC8F-E9DD-41BC-AE2D-9E9B17904359}">
+      <dgm:prSet/>
+      <dgm:spPr/>
+      <dgm:t>
+        <a:bodyPr/>
+        <a:lstStyle/>
+        <a:p>
+          <a:endParaRPr lang="en-US"/>
+        </a:p>
+      </dgm:t>
+    </dgm:pt>
+    <dgm:pt modelId="{01F24F97-7C28-4DCC-867B-A09A27AD87FE}">
+      <dgm:prSet phldrT="[Text]"/>
+      <dgm:spPr/>
+      <dgm:t>
+        <a:bodyPr/>
+        <a:lstStyle/>
+        <a:p>
+          <a:r>
+            <a:rPr lang="en-US" dirty="0" err="1" smtClean="0"/>
+            <a:t>FileServer.cs</a:t>
+          </a:r>
+          <a:endParaRPr lang="en-US" dirty="0"/>
+        </a:p>
+      </dgm:t>
+    </dgm:pt>
+    <dgm:pt modelId="{7FAA0DEE-697C-4F40-9654-723F62CDE80A}" type="parTrans" cxnId="{0A6B38B5-D44E-4D6A-B2FF-F742876F9A9B}">
+      <dgm:prSet/>
+      <dgm:spPr/>
+      <dgm:t>
+        <a:bodyPr/>
+        <a:lstStyle/>
+        <a:p>
+          <a:endParaRPr lang="en-US"/>
+        </a:p>
+      </dgm:t>
+    </dgm:pt>
+    <dgm:pt modelId="{22BF09BB-BBFE-463F-AA44-4CC0160A939D}" type="sibTrans" cxnId="{0A6B38B5-D44E-4D6A-B2FF-F742876F9A9B}">
+      <dgm:prSet/>
+      <dgm:spPr/>
+      <dgm:t>
+        <a:bodyPr/>
+        <a:lstStyle/>
+        <a:p>
+          <a:endParaRPr lang="en-US"/>
+        </a:p>
+      </dgm:t>
+    </dgm:pt>
+    <dgm:pt modelId="{FF27C196-E285-413B-9AB9-28CA97341FC1}">
+      <dgm:prSet phldrT="[Text]"/>
+      <dgm:spPr/>
+      <dgm:t>
+        <a:bodyPr/>
+        <a:lstStyle/>
+        <a:p>
+          <a:r>
+            <a:rPr lang="en-US" dirty="0" smtClean="0"/>
+            <a:t>Server</a:t>
+          </a:r>
+          <a:endParaRPr lang="en-US" dirty="0"/>
+        </a:p>
+      </dgm:t>
+    </dgm:pt>
+    <dgm:pt modelId="{084DD087-3262-473F-ADF2-973AE057E026}" type="parTrans" cxnId="{1C09B115-C2DC-4D85-AA10-73479D1DE2DA}">
+      <dgm:prSet/>
+      <dgm:spPr/>
+      <dgm:t>
+        <a:bodyPr/>
+        <a:lstStyle/>
+        <a:p>
+          <a:endParaRPr lang="en-US"/>
+        </a:p>
+      </dgm:t>
+    </dgm:pt>
+    <dgm:pt modelId="{BE938633-D302-48DB-9F52-9B815CBA34C3}" type="sibTrans" cxnId="{1C09B115-C2DC-4D85-AA10-73479D1DE2DA}">
+      <dgm:prSet/>
+      <dgm:spPr/>
+      <dgm:t>
+        <a:bodyPr/>
+        <a:lstStyle/>
+        <a:p>
+          <a:endParaRPr lang="en-US"/>
+        </a:p>
+      </dgm:t>
+    </dgm:pt>
+    <dgm:pt modelId="{3C6BC85A-0E88-4461-BD92-54A068884066}">
+      <dgm:prSet phldrT="[Text]"/>
+      <dgm:spPr/>
+      <dgm:t>
+        <a:bodyPr/>
+        <a:lstStyle/>
+        <a:p>
+          <a:r>
+            <a:rPr lang="en-US" dirty="0" smtClean="0"/>
+            <a:t>Commands</a:t>
+          </a:r>
+          <a:endParaRPr lang="en-US" dirty="0"/>
+        </a:p>
+      </dgm:t>
+    </dgm:pt>
+    <dgm:pt modelId="{E0D1082B-AF25-409F-BF2C-A5560FA3D844}" type="parTrans" cxnId="{6D33A25A-A707-4C6A-A5E1-C272657ED6EF}">
+      <dgm:prSet/>
+      <dgm:spPr/>
+      <dgm:t>
+        <a:bodyPr/>
+        <a:lstStyle/>
+        <a:p>
+          <a:endParaRPr lang="en-US"/>
+        </a:p>
+      </dgm:t>
+    </dgm:pt>
+    <dgm:pt modelId="{70C8E8DA-D12F-410F-814D-010E6517A410}" type="sibTrans" cxnId="{6D33A25A-A707-4C6A-A5E1-C272657ED6EF}">
+      <dgm:prSet/>
+      <dgm:spPr/>
+      <dgm:t>
+        <a:bodyPr/>
+        <a:lstStyle/>
+        <a:p>
+          <a:endParaRPr lang="en-US"/>
+        </a:p>
+      </dgm:t>
+    </dgm:pt>
+    <dgm:pt modelId="{510D7B72-3B32-46EE-9B7C-2D0946463115}">
+      <dgm:prSet phldrT="[Text]"/>
+      <dgm:spPr/>
+      <dgm:t>
+        <a:bodyPr/>
+        <a:lstStyle/>
+        <a:p>
+          <a:r>
+            <a:rPr lang="en-US" smtClean="0"/>
+            <a:t>Alias.cs</a:t>
+          </a:r>
+          <a:endParaRPr lang="en-US" dirty="0"/>
+        </a:p>
+      </dgm:t>
+    </dgm:pt>
+    <dgm:pt modelId="{86E7CAC4-A23F-4C6D-8838-042D97EC0341}" type="parTrans" cxnId="{E45AAC3E-BCE3-43F8-A706-B8749436AEA6}">
+      <dgm:prSet/>
+      <dgm:spPr/>
+      <dgm:t>
+        <a:bodyPr/>
+        <a:lstStyle/>
+        <a:p>
+          <a:endParaRPr lang="en-US"/>
+        </a:p>
+      </dgm:t>
+    </dgm:pt>
+    <dgm:pt modelId="{B1219D69-145F-4C16-A7D3-B8802F3776EA}" type="sibTrans" cxnId="{E45AAC3E-BCE3-43F8-A706-B8749436AEA6}">
+      <dgm:prSet/>
+      <dgm:spPr/>
+      <dgm:t>
+        <a:bodyPr/>
+        <a:lstStyle/>
+        <a:p>
+          <a:endParaRPr lang="en-US"/>
+        </a:p>
+      </dgm:t>
+    </dgm:pt>
+    <dgm:pt modelId="{3BC630E8-2F2B-4EAC-9259-CEF2FB714887}">
+      <dgm:prSet phldrT="[Text]"/>
+      <dgm:spPr/>
+      <dgm:t>
+        <a:bodyPr/>
+        <a:lstStyle/>
+        <a:p>
+          <a:r>
+            <a:rPr lang="en-US" dirty="0" err="1" smtClean="0"/>
+            <a:t>Create.cs</a:t>
+          </a:r>
+          <a:endParaRPr lang="en-US" dirty="0"/>
+        </a:p>
+      </dgm:t>
+    </dgm:pt>
+    <dgm:pt modelId="{69BD30E6-D245-4D6C-8504-ACF3D99E69AE}" type="parTrans" cxnId="{D676920A-1005-4154-B254-E8A8D6E866B8}">
+      <dgm:prSet/>
+      <dgm:spPr/>
+      <dgm:t>
+        <a:bodyPr/>
+        <a:lstStyle/>
+        <a:p>
+          <a:endParaRPr lang="en-US"/>
+        </a:p>
+      </dgm:t>
+    </dgm:pt>
+    <dgm:pt modelId="{94AB65FC-3E3D-4592-9956-0FF70320AFF2}" type="sibTrans" cxnId="{D676920A-1005-4154-B254-E8A8D6E866B8}">
+      <dgm:prSet/>
+      <dgm:spPr/>
+      <dgm:t>
+        <a:bodyPr/>
+        <a:lstStyle/>
+        <a:p>
+          <a:endParaRPr lang="en-US"/>
+        </a:p>
+      </dgm:t>
+    </dgm:pt>
+    <dgm:pt modelId="{C0A0F86B-8FCD-48C0-A075-BD6B0A352546}">
+      <dgm:prSet phldrT="[Text]"/>
+      <dgm:spPr/>
+      <dgm:t>
+        <a:bodyPr/>
+        <a:lstStyle/>
+        <a:p>
+          <a:r>
+            <a:rPr lang="en-US" dirty="0" smtClean="0"/>
+            <a:t>Etc.</a:t>
+          </a:r>
+          <a:endParaRPr lang="en-US" dirty="0"/>
+        </a:p>
+      </dgm:t>
+    </dgm:pt>
+    <dgm:pt modelId="{94529508-1B15-4C59-86F3-3EFFF15109B6}" type="parTrans" cxnId="{301532C1-8DB4-4D1A-B01D-743C25ED9980}">
+      <dgm:prSet/>
+      <dgm:spPr/>
+      <dgm:t>
+        <a:bodyPr/>
+        <a:lstStyle/>
+        <a:p>
+          <a:endParaRPr lang="en-US"/>
+        </a:p>
+      </dgm:t>
+    </dgm:pt>
+    <dgm:pt modelId="{87FBC928-834C-4563-89B3-B54D1DE0C604}" type="sibTrans" cxnId="{301532C1-8DB4-4D1A-B01D-743C25ED9980}">
+      <dgm:prSet/>
+      <dgm:spPr/>
+      <dgm:t>
+        <a:bodyPr/>
+        <a:lstStyle/>
+        <a:p>
+          <a:endParaRPr lang="en-US"/>
+        </a:p>
+      </dgm:t>
+    </dgm:pt>
+    <dgm:pt modelId="{376AB5D4-8A60-4B45-A745-416C63677260}">
+      <dgm:prSet phldrT="[Text]"/>
+      <dgm:spPr/>
+      <dgm:t>
+        <a:bodyPr/>
+        <a:lstStyle/>
+        <a:p>
+          <a:r>
+            <a:rPr lang="en-US" dirty="0" err="1" smtClean="0"/>
+            <a:t>Server.cs</a:t>
+          </a:r>
+          <a:endParaRPr lang="en-US" dirty="0"/>
+        </a:p>
+      </dgm:t>
+    </dgm:pt>
+    <dgm:pt modelId="{08F0EDC7-5AE5-40F5-B3C3-0D7631E91403}" type="parTrans" cxnId="{65658326-9A4D-4261-93A0-8FBE435668C6}">
+      <dgm:prSet/>
+      <dgm:spPr/>
+      <dgm:t>
+        <a:bodyPr/>
+        <a:lstStyle/>
+        <a:p>
+          <a:endParaRPr lang="en-US"/>
+        </a:p>
+      </dgm:t>
+    </dgm:pt>
+    <dgm:pt modelId="{3280BCFC-99AD-45AF-A889-8C2F49D117C4}" type="sibTrans" cxnId="{65658326-9A4D-4261-93A0-8FBE435668C6}">
+      <dgm:prSet/>
+      <dgm:spPr/>
+      <dgm:t>
+        <a:bodyPr/>
+        <a:lstStyle/>
+        <a:p>
+          <a:endParaRPr lang="en-US"/>
+        </a:p>
+      </dgm:t>
+    </dgm:pt>
+    <dgm:pt modelId="{C97A5B04-B5EF-4CA3-AAA6-962E7FABBE86}">
+      <dgm:prSet phldrT="[Text]"/>
+      <dgm:spPr/>
+      <dgm:t>
+        <a:bodyPr/>
+        <a:lstStyle/>
+        <a:p>
+          <a:r>
+            <a:rPr lang="en-US" dirty="0" err="1" smtClean="0"/>
+            <a:t>ServerInit.cs</a:t>
+          </a:r>
+          <a:endParaRPr lang="en-US" dirty="0"/>
+        </a:p>
+      </dgm:t>
+    </dgm:pt>
+    <dgm:pt modelId="{93E5301B-4268-4DC0-8030-F16A8BBE931E}" type="parTrans" cxnId="{E124F90B-EAD0-4098-B923-243088B55030}">
+      <dgm:prSet/>
+      <dgm:spPr/>
+      <dgm:t>
+        <a:bodyPr/>
+        <a:lstStyle/>
+        <a:p>
+          <a:endParaRPr lang="en-US"/>
+        </a:p>
+      </dgm:t>
+    </dgm:pt>
+    <dgm:pt modelId="{A9F3F79F-6E8B-4B27-8DB0-93A9E602A262}" type="sibTrans" cxnId="{E124F90B-EAD0-4098-B923-243088B55030}">
+      <dgm:prSet/>
+      <dgm:spPr/>
+      <dgm:t>
+        <a:bodyPr/>
+        <a:lstStyle/>
+        <a:p>
+          <a:endParaRPr lang="en-US"/>
+        </a:p>
+      </dgm:t>
+    </dgm:pt>
+    <dgm:pt modelId="{9C264D1F-9339-43BE-96FD-78107A761F7A}">
+      <dgm:prSet phldrT="[Text]"/>
+      <dgm:spPr/>
+      <dgm:t>
+        <a:bodyPr/>
+        <a:lstStyle/>
+        <a:p>
+          <a:r>
+            <a:rPr lang="en-US" dirty="0" err="1" smtClean="0"/>
+            <a:t>ServerList.cs</a:t>
+          </a:r>
+          <a:endParaRPr lang="en-US" dirty="0"/>
+        </a:p>
+      </dgm:t>
+    </dgm:pt>
+    <dgm:pt modelId="{09280BF3-7047-490D-BEE5-28A06C8C389C}" type="parTrans" cxnId="{A9E1906C-6A3A-481B-A058-6B98622AB954}">
+      <dgm:prSet/>
+      <dgm:spPr/>
+      <dgm:t>
+        <a:bodyPr/>
+        <a:lstStyle/>
+        <a:p>
+          <a:endParaRPr lang="en-US"/>
+        </a:p>
+      </dgm:t>
+    </dgm:pt>
+    <dgm:pt modelId="{75C7B33B-8CC2-48D1-8DB5-EEFA57E4664E}" type="sibTrans" cxnId="{A9E1906C-6A3A-481B-A058-6B98622AB954}">
+      <dgm:prSet/>
+      <dgm:spPr/>
+      <dgm:t>
+        <a:bodyPr/>
+        <a:lstStyle/>
+        <a:p>
+          <a:endParaRPr lang="en-US"/>
+        </a:p>
+      </dgm:t>
+    </dgm:pt>
+    <dgm:pt modelId="{D6A874E7-F0CA-4717-8F7A-39176C49589C}">
+      <dgm:prSet phldrT="[Text]"/>
+      <dgm:spPr/>
+      <dgm:t>
+        <a:bodyPr/>
+        <a:lstStyle/>
+        <a:p>
+          <a:r>
+            <a:rPr lang="en-US" dirty="0" err="1" smtClean="0"/>
+            <a:t>TimeStamp.cs</a:t>
+          </a:r>
+          <a:endParaRPr lang="en-US" dirty="0"/>
+        </a:p>
+      </dgm:t>
+    </dgm:pt>
+    <dgm:pt modelId="{2FF10B88-F5EA-4F41-B55A-16DC43E7C311}" type="parTrans" cxnId="{07B99BF1-E67D-409E-AFE4-BD17001D4143}">
+      <dgm:prSet/>
+      <dgm:spPr/>
+      <dgm:t>
+        <a:bodyPr/>
+        <a:lstStyle/>
+        <a:p>
+          <a:endParaRPr lang="en-US"/>
+        </a:p>
+      </dgm:t>
+    </dgm:pt>
+    <dgm:pt modelId="{4D61C7B0-EE6D-453E-A4B8-AF9C86BBA580}" type="sibTrans" cxnId="{07B99BF1-E67D-409E-AFE4-BD17001D4143}">
+      <dgm:prSet/>
+      <dgm:spPr/>
+      <dgm:t>
+        <a:bodyPr/>
+        <a:lstStyle/>
+        <a:p>
+          <a:endParaRPr lang="en-US"/>
+        </a:p>
+      </dgm:t>
+    </dgm:pt>
+    <dgm:pt modelId="{F4162ACB-AC9A-450B-88B6-ABD34352B010}">
+      <dgm:prSet phldrT="[Text]"/>
+      <dgm:spPr/>
+      <dgm:t>
+        <a:bodyPr/>
+        <a:lstStyle/>
+        <a:p>
+          <a:r>
+            <a:rPr lang="en-US" dirty="0" smtClean="0"/>
+            <a:t>Tools</a:t>
+          </a:r>
+          <a:endParaRPr lang="en-US" dirty="0"/>
+        </a:p>
+      </dgm:t>
+    </dgm:pt>
+    <dgm:pt modelId="{36C6CC96-A31D-459B-AE65-3AC4764F40BF}" type="parTrans" cxnId="{475A9442-022C-4B34-8078-5C63BA6FBC08}">
+      <dgm:prSet/>
+      <dgm:spPr/>
+      <dgm:t>
+        <a:bodyPr/>
+        <a:lstStyle/>
+        <a:p>
+          <a:endParaRPr lang="en-US"/>
+        </a:p>
+      </dgm:t>
+    </dgm:pt>
+    <dgm:pt modelId="{79F2EB2B-84D2-4AD8-886E-E36FE1184E95}" type="sibTrans" cxnId="{475A9442-022C-4B34-8078-5C63BA6FBC08}">
+      <dgm:prSet/>
+      <dgm:spPr/>
+      <dgm:t>
+        <a:bodyPr/>
+        <a:lstStyle/>
+        <a:p>
+          <a:endParaRPr lang="en-US"/>
+        </a:p>
+      </dgm:t>
+    </dgm:pt>
+    <dgm:pt modelId="{C05422E6-87DC-453D-B29C-38B2BE256611}">
+      <dgm:prSet phldrT="[Text]"/>
+      <dgm:spPr/>
+      <dgm:t>
+        <a:bodyPr/>
+        <a:lstStyle/>
+        <a:p>
+          <a:r>
+            <a:rPr lang="en-US" dirty="0" err="1" smtClean="0"/>
+            <a:t>IO.cs</a:t>
+          </a:r>
+          <a:endParaRPr lang="en-US" dirty="0"/>
+        </a:p>
+      </dgm:t>
+    </dgm:pt>
+    <dgm:pt modelId="{C5CE1613-4B38-4F89-B1AF-3670B0C8C55F}" type="parTrans" cxnId="{90F72D9F-FEBD-4093-B6AC-69E3D25B839D}">
+      <dgm:prSet/>
+      <dgm:spPr/>
+      <dgm:t>
+        <a:bodyPr/>
+        <a:lstStyle/>
+        <a:p>
+          <a:endParaRPr lang="en-US"/>
+        </a:p>
+      </dgm:t>
+    </dgm:pt>
+    <dgm:pt modelId="{8FE78794-331A-4BAE-93B9-F38E25ECAD86}" type="sibTrans" cxnId="{90F72D9F-FEBD-4093-B6AC-69E3D25B839D}">
+      <dgm:prSet/>
+      <dgm:spPr/>
+      <dgm:t>
+        <a:bodyPr/>
+        <a:lstStyle/>
+        <a:p>
+          <a:endParaRPr lang="en-US"/>
+        </a:p>
+      </dgm:t>
+    </dgm:pt>
+    <dgm:pt modelId="{0E631303-D4F9-44E2-98B6-6BBDD6D7DE11}">
+      <dgm:prSet phldrT="[Text]"/>
+      <dgm:spPr/>
+      <dgm:t>
+        <a:bodyPr/>
+        <a:lstStyle/>
+        <a:p>
+          <a:r>
+            <a:rPr lang="en-US" dirty="0" err="1" smtClean="0"/>
+            <a:t>Net.cs</a:t>
+          </a:r>
+          <a:endParaRPr lang="en-US" dirty="0"/>
+        </a:p>
+      </dgm:t>
+    </dgm:pt>
+    <dgm:pt modelId="{18737E45-20A1-40F5-A916-6E43125B0C1C}" type="parTrans" cxnId="{9C56A61C-F0D3-4E75-9EAB-9369CCDF4495}">
+      <dgm:prSet/>
+      <dgm:spPr/>
+      <dgm:t>
+        <a:bodyPr/>
+        <a:lstStyle/>
+        <a:p>
+          <a:endParaRPr lang="en-US"/>
+        </a:p>
+      </dgm:t>
+    </dgm:pt>
+    <dgm:pt modelId="{924D289A-CBFE-48D1-8041-FF734E0B4C11}" type="sibTrans" cxnId="{9C56A61C-F0D3-4E75-9EAB-9369CCDF4495}">
+      <dgm:prSet/>
+      <dgm:spPr/>
+      <dgm:t>
+        <a:bodyPr/>
+        <a:lstStyle/>
+        <a:p>
+          <a:endParaRPr lang="en-US"/>
+        </a:p>
+      </dgm:t>
+    </dgm:pt>
+    <dgm:pt modelId="{0C434591-6A45-4758-9095-F491F06CAFEA}">
+      <dgm:prSet phldrT="[Text]"/>
+      <dgm:spPr/>
+      <dgm:t>
+        <a:bodyPr/>
+        <a:lstStyle/>
+        <a:p>
+          <a:r>
+            <a:rPr lang="en-US" dirty="0" err="1" smtClean="0"/>
+            <a:t>Program.cs</a:t>
+          </a:r>
+          <a:endParaRPr lang="en-US" dirty="0"/>
+        </a:p>
+      </dgm:t>
+    </dgm:pt>
+    <dgm:pt modelId="{A5661C0C-FD3B-4C61-AF13-C9C6B7A649F4}" type="parTrans" cxnId="{A76F2142-86F2-456E-801E-F65D115D7671}">
+      <dgm:prSet/>
+      <dgm:spPr/>
+      <dgm:t>
+        <a:bodyPr/>
+        <a:lstStyle/>
+        <a:p>
+          <a:endParaRPr lang="en-US"/>
+        </a:p>
+      </dgm:t>
+    </dgm:pt>
+    <dgm:pt modelId="{1F2D3DBB-28AF-479E-BEA8-60297E52569C}" type="sibTrans" cxnId="{A76F2142-86F2-456E-801E-F65D115D7671}">
+      <dgm:prSet/>
+      <dgm:spPr/>
+      <dgm:t>
+        <a:bodyPr/>
+        <a:lstStyle/>
+        <a:p>
+          <a:endParaRPr lang="en-US"/>
+        </a:p>
+      </dgm:t>
+    </dgm:pt>
+    <dgm:pt modelId="{5A8D1CB7-AF7E-4523-9F35-AE3335E8331C}">
+      <dgm:prSet phldrT="[Text]"/>
+      <dgm:spPr/>
+      <dgm:t>
+        <a:bodyPr/>
+        <a:lstStyle/>
+        <a:p>
+          <a:r>
+            <a:rPr lang="en-US" dirty="0" err="1" smtClean="0"/>
+            <a:t>ServerType.cs</a:t>
+          </a:r>
+          <a:endParaRPr lang="en-US" dirty="0"/>
+        </a:p>
+      </dgm:t>
+    </dgm:pt>
+    <dgm:pt modelId="{8E519C99-D94E-4F4F-87B4-272C42F1B0CC}" type="parTrans" cxnId="{00CB6D9D-4D10-4B51-8A76-218EE06BDE20}">
+      <dgm:prSet/>
+      <dgm:spPr/>
+      <dgm:t>
+        <a:bodyPr/>
+        <a:lstStyle/>
+        <a:p>
+          <a:endParaRPr lang="en-US"/>
+        </a:p>
+      </dgm:t>
+    </dgm:pt>
+    <dgm:pt modelId="{DDE4F9F6-BC8A-43B6-A0EE-A87810908276}" type="sibTrans" cxnId="{00CB6D9D-4D10-4B51-8A76-218EE06BDE20}">
+      <dgm:prSet/>
+      <dgm:spPr/>
+      <dgm:t>
+        <a:bodyPr/>
+        <a:lstStyle/>
+        <a:p>
+          <a:endParaRPr lang="en-US"/>
+        </a:p>
+      </dgm:t>
+    </dgm:pt>
+    <dgm:pt modelId="{0DD1E4C5-4815-4E37-8C3B-A92BCE7C5B73}" type="pres">
+      <dgm:prSet presAssocID="{E93226C0-F6F3-465B-B10B-AB65738F9A5A}" presName="Name0" presStyleCnt="0">
+        <dgm:presLayoutVars>
+          <dgm:dir/>
+          <dgm:animLvl val="lvl"/>
+          <dgm:resizeHandles val="exact"/>
+        </dgm:presLayoutVars>
+      </dgm:prSet>
+      <dgm:spPr/>
+    </dgm:pt>
+    <dgm:pt modelId="{003DE3D0-26FF-4EC4-957B-4EF49D289A2D}" type="pres">
+      <dgm:prSet presAssocID="{67F6D62D-96DF-4B4B-8146-1466F40AB59C}" presName="linNode" presStyleCnt="0"/>
+      <dgm:spPr/>
+    </dgm:pt>
+    <dgm:pt modelId="{B478A6F5-11C5-4AE9-96E7-7FBEBCD1B3DC}" type="pres">
+      <dgm:prSet presAssocID="{67F6D62D-96DF-4B4B-8146-1466F40AB59C}" presName="parTx" presStyleLbl="revTx" presStyleIdx="0" presStyleCnt="4">
+        <dgm:presLayoutVars>
+          <dgm:chMax val="1"/>
+          <dgm:bulletEnabled val="1"/>
+        </dgm:presLayoutVars>
+      </dgm:prSet>
+      <dgm:spPr/>
+    </dgm:pt>
+    <dgm:pt modelId="{8FD26216-9BD5-4929-B556-7496432FF9AE}" type="pres">
+      <dgm:prSet presAssocID="{67F6D62D-96DF-4B4B-8146-1466F40AB59C}" presName="bracket" presStyleLbl="parChTrans1D1" presStyleIdx="0" presStyleCnt="4"/>
+      <dgm:spPr>
+        <a:ln>
+          <a:solidFill>
+            <a:schemeClr val="tx1"/>
+          </a:solidFill>
+        </a:ln>
+      </dgm:spPr>
+    </dgm:pt>
+    <dgm:pt modelId="{FF9C433D-4A6C-4D07-A92E-3B50DC1F3BB8}" type="pres">
+      <dgm:prSet presAssocID="{67F6D62D-96DF-4B4B-8146-1466F40AB59C}" presName="spH" presStyleCnt="0"/>
+      <dgm:spPr/>
+    </dgm:pt>
+    <dgm:pt modelId="{4A3D6460-C857-4397-B5F0-E5B98E5FF4F2}" type="pres">
+      <dgm:prSet presAssocID="{67F6D62D-96DF-4B4B-8146-1466F40AB59C}" presName="desTx" presStyleLbl="node1" presStyleIdx="0" presStyleCnt="3">
+        <dgm:presLayoutVars>
+          <dgm:bulletEnabled val="1"/>
+        </dgm:presLayoutVars>
+      </dgm:prSet>
+      <dgm:spPr/>
+    </dgm:pt>
+    <dgm:pt modelId="{C9F1CE8E-88B3-44F0-AAE2-B5D752F6B181}" type="pres">
+      <dgm:prSet presAssocID="{F8BD9D7B-E316-4AF0-8F1C-733C7CB3B3BD}" presName="spV" presStyleCnt="0"/>
+      <dgm:spPr/>
+    </dgm:pt>
+    <dgm:pt modelId="{EA8D197F-CCD5-4D43-8460-E091D75B764C}" type="pres">
+      <dgm:prSet presAssocID="{FF27C196-E285-413B-9AB9-28CA97341FC1}" presName="linNode" presStyleCnt="0"/>
+      <dgm:spPr/>
+    </dgm:pt>
+    <dgm:pt modelId="{85CE675C-44F7-4C8A-99CC-BD41ACDC3494}" type="pres">
+      <dgm:prSet presAssocID="{FF27C196-E285-413B-9AB9-28CA97341FC1}" presName="parTx" presStyleLbl="revTx" presStyleIdx="1" presStyleCnt="4">
+        <dgm:presLayoutVars>
+          <dgm:chMax val="1"/>
+          <dgm:bulletEnabled val="1"/>
+        </dgm:presLayoutVars>
+      </dgm:prSet>
+      <dgm:spPr/>
+    </dgm:pt>
+    <dgm:pt modelId="{D1729B1B-A471-48D0-9890-CD8A0E24F426}" type="pres">
+      <dgm:prSet presAssocID="{FF27C196-E285-413B-9AB9-28CA97341FC1}" presName="bracket" presStyleLbl="parChTrans1D1" presStyleIdx="1" presStyleCnt="4"/>
+      <dgm:spPr>
+        <a:ln>
+          <a:solidFill>
+            <a:schemeClr val="tx1"/>
+          </a:solidFill>
+        </a:ln>
+      </dgm:spPr>
+    </dgm:pt>
+    <dgm:pt modelId="{B496E7F6-677C-4DAA-BF42-53FAEF3B8234}" type="pres">
+      <dgm:prSet presAssocID="{FF27C196-E285-413B-9AB9-28CA97341FC1}" presName="spH" presStyleCnt="0"/>
+      <dgm:spPr/>
+    </dgm:pt>
+    <dgm:pt modelId="{3AA88674-1C8F-4C20-8EDB-181FF232D7A8}" type="pres">
+      <dgm:prSet presAssocID="{FF27C196-E285-413B-9AB9-28CA97341FC1}" presName="desTx" presStyleLbl="node1" presStyleIdx="1" presStyleCnt="3">
+        <dgm:presLayoutVars>
+          <dgm:bulletEnabled val="1"/>
+        </dgm:presLayoutVars>
+      </dgm:prSet>
+      <dgm:spPr/>
+    </dgm:pt>
+    <dgm:pt modelId="{56E8F55E-E745-4FFB-918D-B24378FE3B0F}" type="pres">
+      <dgm:prSet presAssocID="{BE938633-D302-48DB-9F52-9B815CBA34C3}" presName="spV" presStyleCnt="0"/>
+      <dgm:spPr/>
+    </dgm:pt>
+    <dgm:pt modelId="{A46C8640-8BD9-4D9E-BAFA-D1471F86D449}" type="pres">
+      <dgm:prSet presAssocID="{F4162ACB-AC9A-450B-88B6-ABD34352B010}" presName="linNode" presStyleCnt="0"/>
+      <dgm:spPr/>
+    </dgm:pt>
+    <dgm:pt modelId="{C52F0724-BEED-4CBF-810D-830C4325D1A7}" type="pres">
+      <dgm:prSet presAssocID="{F4162ACB-AC9A-450B-88B6-ABD34352B010}" presName="parTx" presStyleLbl="revTx" presStyleIdx="2" presStyleCnt="4">
+        <dgm:presLayoutVars>
+          <dgm:chMax val="1"/>
+          <dgm:bulletEnabled val="1"/>
+        </dgm:presLayoutVars>
+      </dgm:prSet>
+      <dgm:spPr/>
+    </dgm:pt>
+    <dgm:pt modelId="{C53536F7-0D9F-4535-992B-FBA9627E259B}" type="pres">
+      <dgm:prSet presAssocID="{F4162ACB-AC9A-450B-88B6-ABD34352B010}" presName="bracket" presStyleLbl="parChTrans1D1" presStyleIdx="2" presStyleCnt="4"/>
+      <dgm:spPr>
+        <a:ln>
+          <a:solidFill>
+            <a:schemeClr val="tx1"/>
+          </a:solidFill>
+        </a:ln>
+      </dgm:spPr>
+    </dgm:pt>
+    <dgm:pt modelId="{EC7FDB5B-59EC-46EF-880C-37E79BDF6B43}" type="pres">
+      <dgm:prSet presAssocID="{F4162ACB-AC9A-450B-88B6-ABD34352B010}" presName="spH" presStyleCnt="0"/>
+      <dgm:spPr/>
+    </dgm:pt>
+    <dgm:pt modelId="{BD21C608-A37D-4137-8CC3-5E51F2DD86F1}" type="pres">
+      <dgm:prSet presAssocID="{F4162ACB-AC9A-450B-88B6-ABD34352B010}" presName="desTx" presStyleLbl="node1" presStyleIdx="2" presStyleCnt="3">
+        <dgm:presLayoutVars>
+          <dgm:bulletEnabled val="1"/>
+        </dgm:presLayoutVars>
+      </dgm:prSet>
+      <dgm:spPr/>
+    </dgm:pt>
+    <dgm:pt modelId="{955E3581-7433-4653-97C4-F31A2BCE403A}" type="pres">
+      <dgm:prSet presAssocID="{79F2EB2B-84D2-4AD8-886E-E36FE1184E95}" presName="spV" presStyleCnt="0"/>
+      <dgm:spPr/>
+    </dgm:pt>
+    <dgm:pt modelId="{D5002972-4293-4901-8ED7-FA4A398C266C}" type="pres">
+      <dgm:prSet presAssocID="{0C434591-6A45-4758-9095-F491F06CAFEA}" presName="linNode" presStyleCnt="0"/>
+      <dgm:spPr/>
+    </dgm:pt>
+    <dgm:pt modelId="{B981DB2B-EC17-4179-B239-E4C303E9334B}" type="pres">
+      <dgm:prSet presAssocID="{0C434591-6A45-4758-9095-F491F06CAFEA}" presName="parTx" presStyleLbl="revTx" presStyleIdx="3" presStyleCnt="4">
+        <dgm:presLayoutVars>
+          <dgm:chMax val="1"/>
+          <dgm:bulletEnabled val="1"/>
+        </dgm:presLayoutVars>
+      </dgm:prSet>
+      <dgm:spPr/>
+    </dgm:pt>
+    <dgm:pt modelId="{45E8E0D6-3C8C-47D1-8657-1D515775D474}" type="pres">
+      <dgm:prSet presAssocID="{0C434591-6A45-4758-9095-F491F06CAFEA}" presName="bracket" presStyleLbl="parChTrans1D1" presStyleIdx="3" presStyleCnt="4"/>
+      <dgm:spPr>
+        <a:ln>
+          <a:noFill/>
+        </a:ln>
+      </dgm:spPr>
+    </dgm:pt>
+    <dgm:pt modelId="{D564558B-E0B3-4481-9398-19C7D28E41E0}" type="pres">
+      <dgm:prSet presAssocID="{0C434591-6A45-4758-9095-F491F06CAFEA}" presName="spH" presStyleCnt="0"/>
+      <dgm:spPr/>
+    </dgm:pt>
+  </dgm:ptLst>
+  <dgm:cxnLst>
+    <dgm:cxn modelId="{475A9442-022C-4B34-8078-5C63BA6FBC08}" srcId="{E93226C0-F6F3-465B-B10B-AB65738F9A5A}" destId="{F4162ACB-AC9A-450B-88B6-ABD34352B010}" srcOrd="2" destOrd="0" parTransId="{36C6CC96-A31D-459B-AE65-3AC4764F40BF}" sibTransId="{79F2EB2B-84D2-4AD8-886E-E36FE1184E95}"/>
+    <dgm:cxn modelId="{2D732513-7E8A-460E-A649-7B29EABF42B8}" type="presOf" srcId="{C05422E6-87DC-453D-B29C-38B2BE256611}" destId="{BD21C608-A37D-4137-8CC3-5E51F2DD86F1}" srcOrd="0" destOrd="0" presId="urn:diagrams.loki3.com/BracketList"/>
+    <dgm:cxn modelId="{0A6B38B5-D44E-4D6A-B2FF-F742876F9A9B}" srcId="{FF27C196-E285-413B-9AB9-28CA97341FC1}" destId="{01F24F97-7C28-4DCC-867B-A09A27AD87FE}" srcOrd="0" destOrd="0" parTransId="{7FAA0DEE-697C-4F40-9654-723F62CDE80A}" sibTransId="{22BF09BB-BBFE-463F-AA44-4CC0160A939D}"/>
+    <dgm:cxn modelId="{E45AAC3E-BCE3-43F8-A706-B8749436AEA6}" srcId="{3C6BC85A-0E88-4461-BD92-54A068884066}" destId="{510D7B72-3B32-46EE-9B7C-2D0946463115}" srcOrd="0" destOrd="0" parTransId="{86E7CAC4-A23F-4C6D-8838-042D97EC0341}" sibTransId="{B1219D69-145F-4C16-A7D3-B8802F3776EA}"/>
+    <dgm:cxn modelId="{A76F2142-86F2-456E-801E-F65D115D7671}" srcId="{E93226C0-F6F3-465B-B10B-AB65738F9A5A}" destId="{0C434591-6A45-4758-9095-F491F06CAFEA}" srcOrd="3" destOrd="0" parTransId="{A5661C0C-FD3B-4C61-AF13-C9C6B7A649F4}" sibTransId="{1F2D3DBB-28AF-479E-BEA8-60297E52569C}"/>
+    <dgm:cxn modelId="{65658326-9A4D-4261-93A0-8FBE435668C6}" srcId="{FF27C196-E285-413B-9AB9-28CA97341FC1}" destId="{376AB5D4-8A60-4B45-A745-416C63677260}" srcOrd="1" destOrd="0" parTransId="{08F0EDC7-5AE5-40F5-B3C3-0D7631E91403}" sibTransId="{3280BCFC-99AD-45AF-A889-8C2F49D117C4}"/>
+    <dgm:cxn modelId="{D676920A-1005-4154-B254-E8A8D6E866B8}" srcId="{3C6BC85A-0E88-4461-BD92-54A068884066}" destId="{3BC630E8-2F2B-4EAC-9259-CEF2FB714887}" srcOrd="1" destOrd="0" parTransId="{69BD30E6-D245-4D6C-8504-ACF3D99E69AE}" sibTransId="{94AB65FC-3E3D-4592-9956-0FF70320AFF2}"/>
+    <dgm:cxn modelId="{0B760706-D141-4CBF-9AFE-21B92B9569F0}" type="presOf" srcId="{D6A874E7-F0CA-4717-8F7A-39176C49589C}" destId="{3AA88674-1C8F-4C20-8EDB-181FF232D7A8}" srcOrd="0" destOrd="5" presId="urn:diagrams.loki3.com/BracketList"/>
+    <dgm:cxn modelId="{27AB28A3-A29A-43E7-B8A1-CA7490EEB10F}" type="presOf" srcId="{510D7B72-3B32-46EE-9B7C-2D0946463115}" destId="{4A3D6460-C857-4397-B5F0-E5B98E5FF4F2}" srcOrd="0" destOrd="1" presId="urn:diagrams.loki3.com/BracketList"/>
+    <dgm:cxn modelId="{E3FB11F7-F28E-4852-9301-EF19881097B8}" type="presOf" srcId="{0E631303-D4F9-44E2-98B6-6BBDD6D7DE11}" destId="{BD21C608-A37D-4137-8CC3-5E51F2DD86F1}" srcOrd="0" destOrd="1" presId="urn:diagrams.loki3.com/BracketList"/>
+    <dgm:cxn modelId="{89143F33-9514-4367-AC14-37C5D329436B}" type="presOf" srcId="{E3956CD0-C2C9-4FB4-B6DD-E2421B033C53}" destId="{4A3D6460-C857-4397-B5F0-E5B98E5FF4F2}" srcOrd="0" destOrd="4" presId="urn:diagrams.loki3.com/BracketList"/>
+    <dgm:cxn modelId="{3DAA50C0-DCBC-476F-AAE1-F5FD1839291E}" srcId="{E93226C0-F6F3-465B-B10B-AB65738F9A5A}" destId="{67F6D62D-96DF-4B4B-8146-1466F40AB59C}" srcOrd="0" destOrd="0" parTransId="{E14B337B-60CC-4921-9F34-566AA053EEDD}" sibTransId="{F8BD9D7B-E316-4AF0-8F1C-733C7CB3B3BD}"/>
+    <dgm:cxn modelId="{0B9F5770-B057-494C-8E5F-E47D373FA829}" srcId="{67F6D62D-96DF-4B4B-8146-1466F40AB59C}" destId="{E3956CD0-C2C9-4FB4-B6DD-E2421B033C53}" srcOrd="1" destOrd="0" parTransId="{E3E20746-121B-4367-A959-005FF472ED63}" sibTransId="{19146C65-94BF-4E74-BE91-CC5A2B0BD8D4}"/>
+    <dgm:cxn modelId="{6D33A25A-A707-4C6A-A5E1-C272657ED6EF}" srcId="{67F6D62D-96DF-4B4B-8146-1466F40AB59C}" destId="{3C6BC85A-0E88-4461-BD92-54A068884066}" srcOrd="0" destOrd="0" parTransId="{E0D1082B-AF25-409F-BF2C-A5560FA3D844}" sibTransId="{70C8E8DA-D12F-410F-814D-010E6517A410}"/>
+    <dgm:cxn modelId="{56B2FACB-8062-4898-A9F4-B6E8449B5C17}" type="presOf" srcId="{3C6BC85A-0E88-4461-BD92-54A068884066}" destId="{4A3D6460-C857-4397-B5F0-E5B98E5FF4F2}" srcOrd="0" destOrd="0" presId="urn:diagrams.loki3.com/BracketList"/>
+    <dgm:cxn modelId="{00CB6D9D-4D10-4B51-8A76-218EE06BDE20}" srcId="{FF27C196-E285-413B-9AB9-28CA97341FC1}" destId="{5A8D1CB7-AF7E-4523-9F35-AE3335E8331C}" srcOrd="2" destOrd="0" parTransId="{8E519C99-D94E-4F4F-87B4-272C42F1B0CC}" sibTransId="{DDE4F9F6-BC8A-43B6-A0EE-A87810908276}"/>
+    <dgm:cxn modelId="{CBB87ABC-B67D-49A8-B50B-2E76B9E41E4C}" type="presOf" srcId="{C97A5B04-B5EF-4CA3-AAA6-962E7FABBE86}" destId="{3AA88674-1C8F-4C20-8EDB-181FF232D7A8}" srcOrd="0" destOrd="3" presId="urn:diagrams.loki3.com/BracketList"/>
+    <dgm:cxn modelId="{07B99BF1-E67D-409E-AFE4-BD17001D4143}" srcId="{FF27C196-E285-413B-9AB9-28CA97341FC1}" destId="{D6A874E7-F0CA-4717-8F7A-39176C49589C}" srcOrd="5" destOrd="0" parTransId="{2FF10B88-F5EA-4F41-B55A-16DC43E7C311}" sibTransId="{4D61C7B0-EE6D-453E-A4B8-AF9C86BBA580}"/>
+    <dgm:cxn modelId="{16167397-8B52-410F-A8A8-A60F8A306F05}" type="presOf" srcId="{3A5D5C4C-161A-4530-BF00-620BC6FE79BD}" destId="{4A3D6460-C857-4397-B5F0-E5B98E5FF4F2}" srcOrd="0" destOrd="5" presId="urn:diagrams.loki3.com/BracketList"/>
+    <dgm:cxn modelId="{E124F90B-EAD0-4098-B923-243088B55030}" srcId="{FF27C196-E285-413B-9AB9-28CA97341FC1}" destId="{C97A5B04-B5EF-4CA3-AAA6-962E7FABBE86}" srcOrd="3" destOrd="0" parTransId="{93E5301B-4268-4DC0-8030-F16A8BBE931E}" sibTransId="{A9F3F79F-6E8B-4B27-8DB0-93A9E602A262}"/>
+    <dgm:cxn modelId="{90F72D9F-FEBD-4093-B6AC-69E3D25B839D}" srcId="{F4162ACB-AC9A-450B-88B6-ABD34352B010}" destId="{C05422E6-87DC-453D-B29C-38B2BE256611}" srcOrd="0" destOrd="0" parTransId="{C5CE1613-4B38-4F89-B1AF-3670B0C8C55F}" sibTransId="{8FE78794-331A-4BAE-93B9-F38E25ECAD86}"/>
+    <dgm:cxn modelId="{1CC0ABD8-BF45-4C4E-8DCE-27B88630A5B5}" type="presOf" srcId="{5A8D1CB7-AF7E-4523-9F35-AE3335E8331C}" destId="{3AA88674-1C8F-4C20-8EDB-181FF232D7A8}" srcOrd="0" destOrd="2" presId="urn:diagrams.loki3.com/BracketList"/>
+    <dgm:cxn modelId="{BF8E17FE-601D-4F6C-BADB-31BAAB65B7AA}" type="presOf" srcId="{376AB5D4-8A60-4B45-A745-416C63677260}" destId="{3AA88674-1C8F-4C20-8EDB-181FF232D7A8}" srcOrd="0" destOrd="1" presId="urn:diagrams.loki3.com/BracketList"/>
+    <dgm:cxn modelId="{A227A8BC-0454-47D1-B98B-2300B7DD13EE}" srcId="{67F6D62D-96DF-4B4B-8146-1466F40AB59C}" destId="{3A5D5C4C-161A-4530-BF00-620BC6FE79BD}" srcOrd="2" destOrd="0" parTransId="{88B1F89F-02C0-4161-BF7C-B4BFED020093}" sibTransId="{FF1B5BAD-A6BC-4053-A397-FEB31E2AD90C}"/>
+    <dgm:cxn modelId="{3AD8F7AA-041E-4D18-8B48-56EFB8469580}" type="presOf" srcId="{C0A0F86B-8FCD-48C0-A075-BD6B0A352546}" destId="{4A3D6460-C857-4397-B5F0-E5B98E5FF4F2}" srcOrd="0" destOrd="3" presId="urn:diagrams.loki3.com/BracketList"/>
+    <dgm:cxn modelId="{301532C1-8DB4-4D1A-B01D-743C25ED9980}" srcId="{3C6BC85A-0E88-4461-BD92-54A068884066}" destId="{C0A0F86B-8FCD-48C0-A075-BD6B0A352546}" srcOrd="2" destOrd="0" parTransId="{94529508-1B15-4C59-86F3-3EFFF15109B6}" sibTransId="{87FBC928-834C-4563-89B3-B54D1DE0C604}"/>
+    <dgm:cxn modelId="{8CABBFE3-7D6C-4164-8332-A43B45740EC9}" type="presOf" srcId="{9C264D1F-9339-43BE-96FD-78107A761F7A}" destId="{3AA88674-1C8F-4C20-8EDB-181FF232D7A8}" srcOrd="0" destOrd="4" presId="urn:diagrams.loki3.com/BracketList"/>
+    <dgm:cxn modelId="{9C56A61C-F0D3-4E75-9EAB-9369CCDF4495}" srcId="{F4162ACB-AC9A-450B-88B6-ABD34352B010}" destId="{0E631303-D4F9-44E2-98B6-6BBDD6D7DE11}" srcOrd="1" destOrd="0" parTransId="{18737E45-20A1-40F5-A916-6E43125B0C1C}" sibTransId="{924D289A-CBFE-48D1-8041-FF734E0B4C11}"/>
+    <dgm:cxn modelId="{8C0391CD-B488-465E-BDC6-E85C975C4F08}" type="presOf" srcId="{F4162ACB-AC9A-450B-88B6-ABD34352B010}" destId="{C52F0724-BEED-4CBF-810D-830C4325D1A7}" srcOrd="0" destOrd="0" presId="urn:diagrams.loki3.com/BracketList"/>
+    <dgm:cxn modelId="{A19FAC8F-E9DD-41BC-AE2D-9E9B17904359}" srcId="{67F6D62D-96DF-4B4B-8146-1466F40AB59C}" destId="{3B36F81D-E37D-4EDB-8EF8-B7BA72AB8422}" srcOrd="3" destOrd="0" parTransId="{6498412F-CEC6-4BAF-AF50-2EB4EA03BDAF}" sibTransId="{342B2023-09E8-44B6-8494-D7342BE1258A}"/>
+    <dgm:cxn modelId="{B0310819-267B-4DC5-85B6-F4A2394CF41C}" type="presOf" srcId="{0C434591-6A45-4758-9095-F491F06CAFEA}" destId="{B981DB2B-EC17-4179-B239-E4C303E9334B}" srcOrd="0" destOrd="0" presId="urn:diagrams.loki3.com/BracketList"/>
+    <dgm:cxn modelId="{182A0B5C-2B5D-41A0-B6A5-B92293288B5C}" type="presOf" srcId="{3BC630E8-2F2B-4EAC-9259-CEF2FB714887}" destId="{4A3D6460-C857-4397-B5F0-E5B98E5FF4F2}" srcOrd="0" destOrd="2" presId="urn:diagrams.loki3.com/BracketList"/>
+    <dgm:cxn modelId="{1C09B115-C2DC-4D85-AA10-73479D1DE2DA}" srcId="{E93226C0-F6F3-465B-B10B-AB65738F9A5A}" destId="{FF27C196-E285-413B-9AB9-28CA97341FC1}" srcOrd="1" destOrd="0" parTransId="{084DD087-3262-473F-ADF2-973AE057E026}" sibTransId="{BE938633-D302-48DB-9F52-9B815CBA34C3}"/>
+    <dgm:cxn modelId="{D2DB87D4-41F6-4392-828E-51A68DADA111}" type="presOf" srcId="{67F6D62D-96DF-4B4B-8146-1466F40AB59C}" destId="{B478A6F5-11C5-4AE9-96E7-7FBEBCD1B3DC}" srcOrd="0" destOrd="0" presId="urn:diagrams.loki3.com/BracketList"/>
+    <dgm:cxn modelId="{169C1471-4AB4-491A-A3D9-3E0CDB5F73EF}" type="presOf" srcId="{E93226C0-F6F3-465B-B10B-AB65738F9A5A}" destId="{0DD1E4C5-4815-4E37-8C3B-A92BCE7C5B73}" srcOrd="0" destOrd="0" presId="urn:diagrams.loki3.com/BracketList"/>
+    <dgm:cxn modelId="{A9E1906C-6A3A-481B-A058-6B98622AB954}" srcId="{FF27C196-E285-413B-9AB9-28CA97341FC1}" destId="{9C264D1F-9339-43BE-96FD-78107A761F7A}" srcOrd="4" destOrd="0" parTransId="{09280BF3-7047-490D-BEE5-28A06C8C389C}" sibTransId="{75C7B33B-8CC2-48D1-8DB5-EEFA57E4664E}"/>
+    <dgm:cxn modelId="{97B2C265-18E2-415C-8E3C-9DB3382074A0}" type="presOf" srcId="{3B36F81D-E37D-4EDB-8EF8-B7BA72AB8422}" destId="{4A3D6460-C857-4397-B5F0-E5B98E5FF4F2}" srcOrd="0" destOrd="6" presId="urn:diagrams.loki3.com/BracketList"/>
+    <dgm:cxn modelId="{A8BFE39F-9745-410E-AC16-FFB995CFA5FC}" type="presOf" srcId="{01F24F97-7C28-4DCC-867B-A09A27AD87FE}" destId="{3AA88674-1C8F-4C20-8EDB-181FF232D7A8}" srcOrd="0" destOrd="0" presId="urn:diagrams.loki3.com/BracketList"/>
+    <dgm:cxn modelId="{B35B3FB3-7555-4274-B832-C40632CA4809}" type="presOf" srcId="{FF27C196-E285-413B-9AB9-28CA97341FC1}" destId="{85CE675C-44F7-4C8A-99CC-BD41ACDC3494}" srcOrd="0" destOrd="0" presId="urn:diagrams.loki3.com/BracketList"/>
+    <dgm:cxn modelId="{96C97B14-E77C-435E-AAFF-A84136BBD6BE}" type="presParOf" srcId="{0DD1E4C5-4815-4E37-8C3B-A92BCE7C5B73}" destId="{003DE3D0-26FF-4EC4-957B-4EF49D289A2D}" srcOrd="0" destOrd="0" presId="urn:diagrams.loki3.com/BracketList"/>
+    <dgm:cxn modelId="{C6DF11C9-25E0-47F3-96AC-95DB5C531310}" type="presParOf" srcId="{003DE3D0-26FF-4EC4-957B-4EF49D289A2D}" destId="{B478A6F5-11C5-4AE9-96E7-7FBEBCD1B3DC}" srcOrd="0" destOrd="0" presId="urn:diagrams.loki3.com/BracketList"/>
+    <dgm:cxn modelId="{11637FB6-BD0D-4DE9-93E1-9D2E6D018617}" type="presParOf" srcId="{003DE3D0-26FF-4EC4-957B-4EF49D289A2D}" destId="{8FD26216-9BD5-4929-B556-7496432FF9AE}" srcOrd="1" destOrd="0" presId="urn:diagrams.loki3.com/BracketList"/>
+    <dgm:cxn modelId="{2A8C343E-DAB3-45C1-9BE8-7959C77B1AF2}" type="presParOf" srcId="{003DE3D0-26FF-4EC4-957B-4EF49D289A2D}" destId="{FF9C433D-4A6C-4D07-A92E-3B50DC1F3BB8}" srcOrd="2" destOrd="0" presId="urn:diagrams.loki3.com/BracketList"/>
+    <dgm:cxn modelId="{6D3CB511-780D-4E80-9A5E-199487783AAD}" type="presParOf" srcId="{003DE3D0-26FF-4EC4-957B-4EF49D289A2D}" destId="{4A3D6460-C857-4397-B5F0-E5B98E5FF4F2}" srcOrd="3" destOrd="0" presId="urn:diagrams.loki3.com/BracketList"/>
+    <dgm:cxn modelId="{7F8C93EC-C8A4-427D-96B2-3AD34686F8B9}" type="presParOf" srcId="{0DD1E4C5-4815-4E37-8C3B-A92BCE7C5B73}" destId="{C9F1CE8E-88B3-44F0-AAE2-B5D752F6B181}" srcOrd="1" destOrd="0" presId="urn:diagrams.loki3.com/BracketList"/>
+    <dgm:cxn modelId="{12987795-4556-4863-B287-B2E1D0DDED7E}" type="presParOf" srcId="{0DD1E4C5-4815-4E37-8C3B-A92BCE7C5B73}" destId="{EA8D197F-CCD5-4D43-8460-E091D75B764C}" srcOrd="2" destOrd="0" presId="urn:diagrams.loki3.com/BracketList"/>
+    <dgm:cxn modelId="{341A2034-18D7-4A54-91F8-F6D758709755}" type="presParOf" srcId="{EA8D197F-CCD5-4D43-8460-E091D75B764C}" destId="{85CE675C-44F7-4C8A-99CC-BD41ACDC3494}" srcOrd="0" destOrd="0" presId="urn:diagrams.loki3.com/BracketList"/>
+    <dgm:cxn modelId="{24E650B3-3378-41F2-A1D6-6AFA5A53735B}" type="presParOf" srcId="{EA8D197F-CCD5-4D43-8460-E091D75B764C}" destId="{D1729B1B-A471-48D0-9890-CD8A0E24F426}" srcOrd="1" destOrd="0" presId="urn:diagrams.loki3.com/BracketList"/>
+    <dgm:cxn modelId="{02E87846-C03B-4543-A00F-23F38BD55D8F}" type="presParOf" srcId="{EA8D197F-CCD5-4D43-8460-E091D75B764C}" destId="{B496E7F6-677C-4DAA-BF42-53FAEF3B8234}" srcOrd="2" destOrd="0" presId="urn:diagrams.loki3.com/BracketList"/>
+    <dgm:cxn modelId="{4F43FAB4-CDF6-4AA9-A4D7-E5448F9897E3}" type="presParOf" srcId="{EA8D197F-CCD5-4D43-8460-E091D75B764C}" destId="{3AA88674-1C8F-4C20-8EDB-181FF232D7A8}" srcOrd="3" destOrd="0" presId="urn:diagrams.loki3.com/BracketList"/>
+    <dgm:cxn modelId="{29D93AD4-F642-472E-AE37-0ED06A8A30CF}" type="presParOf" srcId="{0DD1E4C5-4815-4E37-8C3B-A92BCE7C5B73}" destId="{56E8F55E-E745-4FFB-918D-B24378FE3B0F}" srcOrd="3" destOrd="0" presId="urn:diagrams.loki3.com/BracketList"/>
+    <dgm:cxn modelId="{A10CA729-B99B-4F96-9D94-FC60DB11DCC7}" type="presParOf" srcId="{0DD1E4C5-4815-4E37-8C3B-A92BCE7C5B73}" destId="{A46C8640-8BD9-4D9E-BAFA-D1471F86D449}" srcOrd="4" destOrd="0" presId="urn:diagrams.loki3.com/BracketList"/>
+    <dgm:cxn modelId="{AEFB0DC8-852B-4C97-8103-50DB8BC67FC1}" type="presParOf" srcId="{A46C8640-8BD9-4D9E-BAFA-D1471F86D449}" destId="{C52F0724-BEED-4CBF-810D-830C4325D1A7}" srcOrd="0" destOrd="0" presId="urn:diagrams.loki3.com/BracketList"/>
+    <dgm:cxn modelId="{3C264A2A-CD78-461A-B6E9-125DA1F83B96}" type="presParOf" srcId="{A46C8640-8BD9-4D9E-BAFA-D1471F86D449}" destId="{C53536F7-0D9F-4535-992B-FBA9627E259B}" srcOrd="1" destOrd="0" presId="urn:diagrams.loki3.com/BracketList"/>
+    <dgm:cxn modelId="{21B218B9-CA61-4AB5-96AA-7D1DE88B43AD}" type="presParOf" srcId="{A46C8640-8BD9-4D9E-BAFA-D1471F86D449}" destId="{EC7FDB5B-59EC-46EF-880C-37E79BDF6B43}" srcOrd="2" destOrd="0" presId="urn:diagrams.loki3.com/BracketList"/>
+    <dgm:cxn modelId="{90DFE29C-BF3F-44EC-A5E2-045A0FF16D8C}" type="presParOf" srcId="{A46C8640-8BD9-4D9E-BAFA-D1471F86D449}" destId="{BD21C608-A37D-4137-8CC3-5E51F2DD86F1}" srcOrd="3" destOrd="0" presId="urn:diagrams.loki3.com/BracketList"/>
+    <dgm:cxn modelId="{06F49599-D3E4-42F2-8114-57C4D5B19042}" type="presParOf" srcId="{0DD1E4C5-4815-4E37-8C3B-A92BCE7C5B73}" destId="{955E3581-7433-4653-97C4-F31A2BCE403A}" srcOrd="5" destOrd="0" presId="urn:diagrams.loki3.com/BracketList"/>
+    <dgm:cxn modelId="{4F09D1AE-B580-47C5-BA54-AE9F05E58739}" type="presParOf" srcId="{0DD1E4C5-4815-4E37-8C3B-A92BCE7C5B73}" destId="{D5002972-4293-4901-8ED7-FA4A398C266C}" srcOrd="6" destOrd="0" presId="urn:diagrams.loki3.com/BracketList"/>
+    <dgm:cxn modelId="{D7B61EE3-3F6C-47CC-9399-201A4F8E78C1}" type="presParOf" srcId="{D5002972-4293-4901-8ED7-FA4A398C266C}" destId="{B981DB2B-EC17-4179-B239-E4C303E9334B}" srcOrd="0" destOrd="0" presId="urn:diagrams.loki3.com/BracketList"/>
+    <dgm:cxn modelId="{1D988B6B-61B2-4DAD-9040-E292EB031227}" type="presParOf" srcId="{D5002972-4293-4901-8ED7-FA4A398C266C}" destId="{45E8E0D6-3C8C-47D1-8657-1D515775D474}" srcOrd="1" destOrd="0" presId="urn:diagrams.loki3.com/BracketList"/>
+    <dgm:cxn modelId="{1ACF365E-D427-4508-8F7E-D6CFBE410822}" type="presParOf" srcId="{D5002972-4293-4901-8ED7-FA4A398C266C}" destId="{D564558B-E0B3-4481-9398-19C7D28E41E0}" srcOrd="2" destOrd="0" presId="urn:diagrams.loki3.com/BracketList"/>
+  </dgm:cxnLst>
+  <dgm:bg/>
+  <dgm:whole/>
+  <dgm:extLst>
+    <a:ext uri="http://schemas.microsoft.com/office/drawing/2008/diagram">
+      <dsp:dataModelExt xmlns:dsp="http://schemas.microsoft.com/office/drawing/2008/diagram" relId="rId6" minVer="http://schemas.openxmlformats.org/drawingml/2006/diagram"/>
+    </a:ext>
+    <a:ext uri="{C62137D5-CB1D-491B-B009-E17868A290BF}">
+      <dgm14:recolorImg xmlns:dgm14="http://schemas.microsoft.com/office/drawing/2010/diagram" val="1"/>
+    </a:ext>
+  </dgm:extLst>
+</dgm:dataModel>
+</file>
+
+<file path=ppt/diagrams/drawing1.xml><?xml version="1.0" encoding="utf-8"?>
+<dsp:drawing xmlns:dgm="http://schemas.openxmlformats.org/drawingml/2006/diagram" xmlns:dsp="http://schemas.microsoft.com/office/drawing/2008/diagram" xmlns:a="http://schemas.openxmlformats.org/drawingml/2006/main">
+  <dsp:spTree>
+    <dsp:nvGrpSpPr>
+      <dsp:cNvPr id="0" name=""/>
+      <dsp:cNvGrpSpPr/>
+    </dsp:nvGrpSpPr>
+    <dsp:grpSpPr/>
+    <dsp:sp modelId="{B478A6F5-11C5-4AE9-96E7-7FBEBCD1B3DC}">
+      <dsp:nvSpPr>
+        <dsp:cNvPr id="0" name=""/>
+        <dsp:cNvSpPr/>
+      </dsp:nvSpPr>
+      <dsp:spPr>
+        <a:xfrm>
+          <a:off x="0" y="754449"/>
+          <a:ext cx="2443552" cy="277200"/>
+        </a:xfrm>
+        <a:prstGeom prst="rect">
+          <a:avLst/>
+        </a:prstGeom>
+        <a:noFill/>
+        <a:ln>
+          <a:noFill/>
+        </a:ln>
+        <a:effectLst/>
+      </dsp:spPr>
+      <dsp:style>
+        <a:lnRef idx="0">
+          <a:scrgbClr r="0" g="0" b="0"/>
+        </a:lnRef>
+        <a:fillRef idx="0">
+          <a:scrgbClr r="0" g="0" b="0"/>
+        </a:fillRef>
+        <a:effectRef idx="0">
+          <a:scrgbClr r="0" g="0" b="0"/>
+        </a:effectRef>
+        <a:fontRef idx="minor"/>
+      </dsp:style>
+      <dsp:txBody>
+        <a:bodyPr spcFirstLastPara="0" vert="horz" wrap="square" lIns="99568" tIns="35560" rIns="99568" bIns="35560" numCol="1" spcCol="1270" anchor="ctr" anchorCtr="0">
+          <a:noAutofit/>
+        </a:bodyPr>
+        <a:lstStyle/>
+        <a:p>
+          <a:pPr lvl="0" algn="r" defTabSz="622300">
+            <a:lnSpc>
+              <a:spcPct val="90000"/>
+            </a:lnSpc>
+            <a:spcBef>
+              <a:spcPct val="0"/>
+            </a:spcBef>
+            <a:spcAft>
+              <a:spcPct val="35000"/>
+            </a:spcAft>
+          </a:pPr>
+          <a:r>
+            <a:rPr lang="en-US" sz="1400" kern="1200" dirty="0" err="1" smtClean="0"/>
+            <a:t>CommandStructure</a:t>
+          </a:r>
+          <a:endParaRPr lang="en-US" sz="1400" kern="1200" dirty="0"/>
+        </a:p>
+      </dsp:txBody>
+      <dsp:txXfrm>
+        <a:off x="0" y="754449"/>
+        <a:ext cx="2443552" cy="277200"/>
+      </dsp:txXfrm>
+    </dsp:sp>
+    <dsp:sp modelId="{8FD26216-9BD5-4929-B556-7496432FF9AE}">
+      <dsp:nvSpPr>
+        <dsp:cNvPr id="0" name=""/>
+        <dsp:cNvSpPr/>
+      </dsp:nvSpPr>
+      <dsp:spPr>
+        <a:xfrm>
+          <a:off x="2443552" y="44124"/>
+          <a:ext cx="488710" cy="1697850"/>
+        </a:xfrm>
+        <a:prstGeom prst="leftBrace">
+          <a:avLst>
+            <a:gd name="adj1" fmla="val 35000"/>
+            <a:gd name="adj2" fmla="val 50000"/>
+          </a:avLst>
+        </a:prstGeom>
+        <a:noFill/>
+        <a:ln w="55000" cap="flat" cmpd="thickThin" algn="ctr">
+          <a:solidFill>
+            <a:schemeClr val="tx1"/>
+          </a:solidFill>
+          <a:prstDash val="solid"/>
+        </a:ln>
+        <a:effectLst/>
+      </dsp:spPr>
+      <dsp:style>
+        <a:lnRef idx="2">
+          <a:scrgbClr r="0" g="0" b="0"/>
+        </a:lnRef>
+        <a:fillRef idx="0">
+          <a:scrgbClr r="0" g="0" b="0"/>
+        </a:fillRef>
+        <a:effectRef idx="0">
+          <a:scrgbClr r="0" g="0" b="0"/>
+        </a:effectRef>
+        <a:fontRef idx="minor"/>
+      </dsp:style>
+    </dsp:sp>
+    <dsp:sp modelId="{4A3D6460-C857-4397-B5F0-E5B98E5FF4F2}">
+      <dsp:nvSpPr>
+        <dsp:cNvPr id="0" name=""/>
+        <dsp:cNvSpPr/>
+      </dsp:nvSpPr>
+      <dsp:spPr>
+        <a:xfrm>
+          <a:off x="3127746" y="44124"/>
+          <a:ext cx="6646461" cy="1697850"/>
+        </a:xfrm>
+        <a:prstGeom prst="rect">
+          <a:avLst/>
+        </a:prstGeom>
+        <a:solidFill>
+          <a:schemeClr val="lt1">
+            <a:hueOff val="0"/>
+            <a:satOff val="0"/>
+            <a:lumOff val="0"/>
+            <a:alphaOff val="0"/>
+          </a:schemeClr>
+        </a:solidFill>
+        <a:ln w="55000" cap="flat" cmpd="thickThin" algn="ctr">
+          <a:solidFill>
+            <a:schemeClr val="dk2">
+              <a:shade val="80000"/>
+              <a:hueOff val="0"/>
+              <a:satOff val="0"/>
+              <a:lumOff val="0"/>
+              <a:alphaOff val="0"/>
+            </a:schemeClr>
+          </a:solidFill>
+          <a:prstDash val="solid"/>
+        </a:ln>
+        <a:effectLst/>
+      </dsp:spPr>
+      <dsp:style>
+        <a:lnRef idx="2">
+          <a:scrgbClr r="0" g="0" b="0"/>
+        </a:lnRef>
+        <a:fillRef idx="1">
+          <a:scrgbClr r="0" g="0" b="0"/>
+        </a:fillRef>
+        <a:effectRef idx="0">
+          <a:scrgbClr r="0" g="0" b="0"/>
+        </a:effectRef>
+        <a:fontRef idx="minor">
+          <a:schemeClr val="lt1"/>
+        </a:fontRef>
+      </dsp:style>
+      <dsp:txBody>
+        <a:bodyPr spcFirstLastPara="0" vert="horz" wrap="square" lIns="53340" tIns="53340" rIns="53340" bIns="53340" numCol="1" spcCol="1270" anchor="ctr" anchorCtr="0">
+          <a:noAutofit/>
+        </a:bodyPr>
+        <a:lstStyle/>
+        <a:p>
+          <a:pPr marL="114300" lvl="1" indent="-114300" algn="l" defTabSz="622300">
+            <a:lnSpc>
+              <a:spcPct val="90000"/>
+            </a:lnSpc>
+            <a:spcBef>
+              <a:spcPct val="0"/>
+            </a:spcBef>
+            <a:spcAft>
+              <a:spcPct val="15000"/>
+            </a:spcAft>
+            <a:buChar char="••"/>
+          </a:pPr>
+          <a:r>
+            <a:rPr lang="en-US" sz="1400" kern="1200" dirty="0" smtClean="0"/>
+            <a:t>Commands</a:t>
+          </a:r>
+          <a:endParaRPr lang="en-US" sz="1400" kern="1200" dirty="0"/>
+        </a:p>
+        <a:p>
+          <a:pPr marL="228600" lvl="2" indent="-114300" algn="l" defTabSz="622300">
+            <a:lnSpc>
+              <a:spcPct val="90000"/>
+            </a:lnSpc>
+            <a:spcBef>
+              <a:spcPct val="0"/>
+            </a:spcBef>
+            <a:spcAft>
+              <a:spcPct val="15000"/>
+            </a:spcAft>
+            <a:buChar char="••"/>
+          </a:pPr>
+          <a:r>
+            <a:rPr lang="en-US" sz="1400" kern="1200" smtClean="0"/>
+            <a:t>Alias.cs</a:t>
+          </a:r>
+          <a:endParaRPr lang="en-US" sz="1400" kern="1200" dirty="0"/>
+        </a:p>
+        <a:p>
+          <a:pPr marL="228600" lvl="2" indent="-114300" algn="l" defTabSz="622300">
+            <a:lnSpc>
+              <a:spcPct val="90000"/>
+            </a:lnSpc>
+            <a:spcBef>
+              <a:spcPct val="0"/>
+            </a:spcBef>
+            <a:spcAft>
+              <a:spcPct val="15000"/>
+            </a:spcAft>
+            <a:buChar char="••"/>
+          </a:pPr>
+          <a:r>
+            <a:rPr lang="en-US" sz="1400" kern="1200" dirty="0" err="1" smtClean="0"/>
+            <a:t>Create.cs</a:t>
+          </a:r>
+          <a:endParaRPr lang="en-US" sz="1400" kern="1200" dirty="0"/>
+        </a:p>
+        <a:p>
+          <a:pPr marL="228600" lvl="2" indent="-114300" algn="l" defTabSz="622300">
+            <a:lnSpc>
+              <a:spcPct val="90000"/>
+            </a:lnSpc>
+            <a:spcBef>
+              <a:spcPct val="0"/>
+            </a:spcBef>
+            <a:spcAft>
+              <a:spcPct val="15000"/>
+            </a:spcAft>
+            <a:buChar char="••"/>
+          </a:pPr>
+          <a:r>
+            <a:rPr lang="en-US" sz="1400" kern="1200" dirty="0" smtClean="0"/>
+            <a:t>Etc.</a:t>
+          </a:r>
+          <a:endParaRPr lang="en-US" sz="1400" kern="1200" dirty="0"/>
+        </a:p>
+        <a:p>
+          <a:pPr marL="114300" lvl="1" indent="-114300" algn="l" defTabSz="622300">
+            <a:lnSpc>
+              <a:spcPct val="90000"/>
+            </a:lnSpc>
+            <a:spcBef>
+              <a:spcPct val="0"/>
+            </a:spcBef>
+            <a:spcAft>
+              <a:spcPct val="15000"/>
+            </a:spcAft>
+            <a:buChar char="••"/>
+          </a:pPr>
+          <a:r>
+            <a:rPr lang="en-US" sz="1400" kern="1200" dirty="0" err="1" smtClean="0"/>
+            <a:t>CommandList.cs</a:t>
+          </a:r>
+          <a:endParaRPr lang="en-US" sz="1400" kern="1200" dirty="0"/>
+        </a:p>
+        <a:p>
+          <a:pPr marL="114300" lvl="1" indent="-114300" algn="l" defTabSz="622300">
+            <a:lnSpc>
+              <a:spcPct val="90000"/>
+            </a:lnSpc>
+            <a:spcBef>
+              <a:spcPct val="0"/>
+            </a:spcBef>
+            <a:spcAft>
+              <a:spcPct val="15000"/>
+            </a:spcAft>
+            <a:buChar char="••"/>
+          </a:pPr>
+          <a:r>
+            <a:rPr lang="en-US" sz="1400" kern="1200" dirty="0" err="1" smtClean="0"/>
+            <a:t>ICommand.cs</a:t>
+          </a:r>
+          <a:endParaRPr lang="en-US" sz="1400" kern="1200" dirty="0"/>
+        </a:p>
+        <a:p>
+          <a:pPr marL="114300" lvl="1" indent="-114300" algn="l" defTabSz="622300">
+            <a:lnSpc>
+              <a:spcPct val="90000"/>
+            </a:lnSpc>
+            <a:spcBef>
+              <a:spcPct val="0"/>
+            </a:spcBef>
+            <a:spcAft>
+              <a:spcPct val="15000"/>
+            </a:spcAft>
+            <a:buChar char="••"/>
+          </a:pPr>
+          <a:r>
+            <a:rPr lang="en-US" sz="1400" kern="1200" dirty="0" err="1" smtClean="0"/>
+            <a:t>RunCommand.cs</a:t>
+          </a:r>
+          <a:endParaRPr lang="en-US" sz="1400" kern="1200" dirty="0"/>
+        </a:p>
+      </dsp:txBody>
+      <dsp:txXfrm>
+        <a:off x="3127746" y="44124"/>
+        <a:ext cx="6646461" cy="1697850"/>
+      </dsp:txXfrm>
+    </dsp:sp>
+    <dsp:sp modelId="{85CE675C-44F7-4C8A-99CC-BD41ACDC3494}">
+      <dsp:nvSpPr>
+        <dsp:cNvPr id="0" name=""/>
+        <dsp:cNvSpPr/>
+      </dsp:nvSpPr>
+      <dsp:spPr>
+        <a:xfrm>
+          <a:off x="0" y="2381425"/>
+          <a:ext cx="2443552" cy="277200"/>
+        </a:xfrm>
+        <a:prstGeom prst="rect">
+          <a:avLst/>
+        </a:prstGeom>
+        <a:noFill/>
+        <a:ln>
+          <a:noFill/>
+        </a:ln>
+        <a:effectLst/>
+      </dsp:spPr>
+      <dsp:style>
+        <a:lnRef idx="0">
+          <a:scrgbClr r="0" g="0" b="0"/>
+        </a:lnRef>
+        <a:fillRef idx="0">
+          <a:scrgbClr r="0" g="0" b="0"/>
+        </a:fillRef>
+        <a:effectRef idx="0">
+          <a:scrgbClr r="0" g="0" b="0"/>
+        </a:effectRef>
+        <a:fontRef idx="minor"/>
+      </dsp:style>
+      <dsp:txBody>
+        <a:bodyPr spcFirstLastPara="0" vert="horz" wrap="square" lIns="99568" tIns="35560" rIns="99568" bIns="35560" numCol="1" spcCol="1270" anchor="ctr" anchorCtr="0">
+          <a:noAutofit/>
+        </a:bodyPr>
+        <a:lstStyle/>
+        <a:p>
+          <a:pPr lvl="0" algn="r" defTabSz="622300">
+            <a:lnSpc>
+              <a:spcPct val="90000"/>
+            </a:lnSpc>
+            <a:spcBef>
+              <a:spcPct val="0"/>
+            </a:spcBef>
+            <a:spcAft>
+              <a:spcPct val="35000"/>
+            </a:spcAft>
+          </a:pPr>
+          <a:r>
+            <a:rPr lang="en-US" sz="1400" kern="1200" dirty="0" smtClean="0"/>
+            <a:t>Server</a:t>
+          </a:r>
+          <a:endParaRPr lang="en-US" sz="1400" kern="1200" dirty="0"/>
+        </a:p>
+      </dsp:txBody>
+      <dsp:txXfrm>
+        <a:off x="0" y="2381425"/>
+        <a:ext cx="2443552" cy="277200"/>
+      </dsp:txXfrm>
+    </dsp:sp>
+    <dsp:sp modelId="{D1729B1B-A471-48D0-9890-CD8A0E24F426}">
+      <dsp:nvSpPr>
+        <dsp:cNvPr id="0" name=""/>
+        <dsp:cNvSpPr/>
+      </dsp:nvSpPr>
+      <dsp:spPr>
+        <a:xfrm>
+          <a:off x="2443552" y="1792374"/>
+          <a:ext cx="488710" cy="1455300"/>
+        </a:xfrm>
+        <a:prstGeom prst="leftBrace">
+          <a:avLst>
+            <a:gd name="adj1" fmla="val 35000"/>
+            <a:gd name="adj2" fmla="val 50000"/>
+          </a:avLst>
+        </a:prstGeom>
+        <a:noFill/>
+        <a:ln w="55000" cap="flat" cmpd="thickThin" algn="ctr">
+          <a:solidFill>
+            <a:schemeClr val="tx1"/>
+          </a:solidFill>
+          <a:prstDash val="solid"/>
+        </a:ln>
+        <a:effectLst/>
+      </dsp:spPr>
+      <dsp:style>
+        <a:lnRef idx="2">
+          <a:scrgbClr r="0" g="0" b="0"/>
+        </a:lnRef>
+        <a:fillRef idx="0">
+          <a:scrgbClr r="0" g="0" b="0"/>
+        </a:fillRef>
+        <a:effectRef idx="0">
+          <a:scrgbClr r="0" g="0" b="0"/>
+        </a:effectRef>
+        <a:fontRef idx="minor"/>
+      </dsp:style>
+    </dsp:sp>
+    <dsp:sp modelId="{3AA88674-1C8F-4C20-8EDB-181FF232D7A8}">
+      <dsp:nvSpPr>
+        <dsp:cNvPr id="0" name=""/>
+        <dsp:cNvSpPr/>
+      </dsp:nvSpPr>
+      <dsp:spPr>
+        <a:xfrm>
+          <a:off x="3127746" y="1792374"/>
+          <a:ext cx="6646461" cy="1455300"/>
+        </a:xfrm>
+        <a:prstGeom prst="rect">
+          <a:avLst/>
+        </a:prstGeom>
+        <a:solidFill>
+          <a:schemeClr val="lt1">
+            <a:hueOff val="0"/>
+            <a:satOff val="0"/>
+            <a:lumOff val="0"/>
+            <a:alphaOff val="0"/>
+          </a:schemeClr>
+        </a:solidFill>
+        <a:ln w="55000" cap="flat" cmpd="thickThin" algn="ctr">
+          <a:solidFill>
+            <a:schemeClr val="dk2">
+              <a:shade val="80000"/>
+              <a:hueOff val="0"/>
+              <a:satOff val="0"/>
+              <a:lumOff val="0"/>
+              <a:alphaOff val="0"/>
+            </a:schemeClr>
+          </a:solidFill>
+          <a:prstDash val="solid"/>
+        </a:ln>
+        <a:effectLst/>
+      </dsp:spPr>
+      <dsp:style>
+        <a:lnRef idx="2">
+          <a:scrgbClr r="0" g="0" b="0"/>
+        </a:lnRef>
+        <a:fillRef idx="1">
+          <a:scrgbClr r="0" g="0" b="0"/>
+        </a:fillRef>
+        <a:effectRef idx="0">
+          <a:scrgbClr r="0" g="0" b="0"/>
+        </a:effectRef>
+        <a:fontRef idx="minor">
+          <a:schemeClr val="lt1"/>
+        </a:fontRef>
+      </dsp:style>
+      <dsp:txBody>
+        <a:bodyPr spcFirstLastPara="0" vert="horz" wrap="square" lIns="53340" tIns="53340" rIns="53340" bIns="53340" numCol="1" spcCol="1270" anchor="ctr" anchorCtr="0">
+          <a:noAutofit/>
+        </a:bodyPr>
+        <a:lstStyle/>
+        <a:p>
+          <a:pPr marL="114300" lvl="1" indent="-114300" algn="l" defTabSz="622300">
+            <a:lnSpc>
+              <a:spcPct val="90000"/>
+            </a:lnSpc>
+            <a:spcBef>
+              <a:spcPct val="0"/>
+            </a:spcBef>
+            <a:spcAft>
+              <a:spcPct val="15000"/>
+            </a:spcAft>
+            <a:buChar char="••"/>
+          </a:pPr>
+          <a:r>
+            <a:rPr lang="en-US" sz="1400" kern="1200" dirty="0" err="1" smtClean="0"/>
+            <a:t>FileServer.cs</a:t>
+          </a:r>
+          <a:endParaRPr lang="en-US" sz="1400" kern="1200" dirty="0"/>
+        </a:p>
+        <a:p>
+          <a:pPr marL="114300" lvl="1" indent="-114300" algn="l" defTabSz="622300">
+            <a:lnSpc>
+              <a:spcPct val="90000"/>
+            </a:lnSpc>
+            <a:spcBef>
+              <a:spcPct val="0"/>
+            </a:spcBef>
+            <a:spcAft>
+              <a:spcPct val="15000"/>
+            </a:spcAft>
+            <a:buChar char="••"/>
+          </a:pPr>
+          <a:r>
+            <a:rPr lang="en-US" sz="1400" kern="1200" dirty="0" err="1" smtClean="0"/>
+            <a:t>Server.cs</a:t>
+          </a:r>
+          <a:endParaRPr lang="en-US" sz="1400" kern="1200" dirty="0"/>
+        </a:p>
+        <a:p>
+          <a:pPr marL="114300" lvl="1" indent="-114300" algn="l" defTabSz="622300">
+            <a:lnSpc>
+              <a:spcPct val="90000"/>
+            </a:lnSpc>
+            <a:spcBef>
+              <a:spcPct val="0"/>
+            </a:spcBef>
+            <a:spcAft>
+              <a:spcPct val="15000"/>
+            </a:spcAft>
+            <a:buChar char="••"/>
+          </a:pPr>
+          <a:r>
+            <a:rPr lang="en-US" sz="1400" kern="1200" dirty="0" err="1" smtClean="0"/>
+            <a:t>ServerType.cs</a:t>
+          </a:r>
+          <a:endParaRPr lang="en-US" sz="1400" kern="1200" dirty="0"/>
+        </a:p>
+        <a:p>
+          <a:pPr marL="114300" lvl="1" indent="-114300" algn="l" defTabSz="622300">
+            <a:lnSpc>
+              <a:spcPct val="90000"/>
+            </a:lnSpc>
+            <a:spcBef>
+              <a:spcPct val="0"/>
+            </a:spcBef>
+            <a:spcAft>
+              <a:spcPct val="15000"/>
+            </a:spcAft>
+            <a:buChar char="••"/>
+          </a:pPr>
+          <a:r>
+            <a:rPr lang="en-US" sz="1400" kern="1200" dirty="0" err="1" smtClean="0"/>
+            <a:t>ServerInit.cs</a:t>
+          </a:r>
+          <a:endParaRPr lang="en-US" sz="1400" kern="1200" dirty="0"/>
+        </a:p>
+        <a:p>
+          <a:pPr marL="114300" lvl="1" indent="-114300" algn="l" defTabSz="622300">
+            <a:lnSpc>
+              <a:spcPct val="90000"/>
+            </a:lnSpc>
+            <a:spcBef>
+              <a:spcPct val="0"/>
+            </a:spcBef>
+            <a:spcAft>
+              <a:spcPct val="15000"/>
+            </a:spcAft>
+            <a:buChar char="••"/>
+          </a:pPr>
+          <a:r>
+            <a:rPr lang="en-US" sz="1400" kern="1200" dirty="0" err="1" smtClean="0"/>
+            <a:t>ServerList.cs</a:t>
+          </a:r>
+          <a:endParaRPr lang="en-US" sz="1400" kern="1200" dirty="0"/>
+        </a:p>
+        <a:p>
+          <a:pPr marL="114300" lvl="1" indent="-114300" algn="l" defTabSz="622300">
+            <a:lnSpc>
+              <a:spcPct val="90000"/>
+            </a:lnSpc>
+            <a:spcBef>
+              <a:spcPct val="0"/>
+            </a:spcBef>
+            <a:spcAft>
+              <a:spcPct val="15000"/>
+            </a:spcAft>
+            <a:buChar char="••"/>
+          </a:pPr>
+          <a:r>
+            <a:rPr lang="en-US" sz="1400" kern="1200" dirty="0" err="1" smtClean="0"/>
+            <a:t>TimeStamp.cs</a:t>
+          </a:r>
+          <a:endParaRPr lang="en-US" sz="1400" kern="1200" dirty="0"/>
+        </a:p>
+      </dsp:txBody>
+      <dsp:txXfrm>
+        <a:off x="3127746" y="1792374"/>
+        <a:ext cx="6646461" cy="1455300"/>
+      </dsp:txXfrm>
+    </dsp:sp>
+    <dsp:sp modelId="{C52F0724-BEED-4CBF-810D-830C4325D1A7}">
+      <dsp:nvSpPr>
+        <dsp:cNvPr id="0" name=""/>
+        <dsp:cNvSpPr/>
+      </dsp:nvSpPr>
+      <dsp:spPr>
+        <a:xfrm>
+          <a:off x="0" y="3428012"/>
+          <a:ext cx="2445940" cy="277200"/>
+        </a:xfrm>
+        <a:prstGeom prst="rect">
+          <a:avLst/>
+        </a:prstGeom>
+        <a:noFill/>
+        <a:ln>
+          <a:noFill/>
+        </a:ln>
+        <a:effectLst/>
+      </dsp:spPr>
+      <dsp:style>
+        <a:lnRef idx="0">
+          <a:scrgbClr r="0" g="0" b="0"/>
+        </a:lnRef>
+        <a:fillRef idx="0">
+          <a:scrgbClr r="0" g="0" b="0"/>
+        </a:fillRef>
+        <a:effectRef idx="0">
+          <a:scrgbClr r="0" g="0" b="0"/>
+        </a:effectRef>
+        <a:fontRef idx="minor"/>
+      </dsp:style>
+      <dsp:txBody>
+        <a:bodyPr spcFirstLastPara="0" vert="horz" wrap="square" lIns="99568" tIns="35560" rIns="99568" bIns="35560" numCol="1" spcCol="1270" anchor="ctr" anchorCtr="0">
+          <a:noAutofit/>
+        </a:bodyPr>
+        <a:lstStyle/>
+        <a:p>
+          <a:pPr lvl="0" algn="r" defTabSz="622300">
+            <a:lnSpc>
+              <a:spcPct val="90000"/>
+            </a:lnSpc>
+            <a:spcBef>
+              <a:spcPct val="0"/>
+            </a:spcBef>
+            <a:spcAft>
+              <a:spcPct val="35000"/>
+            </a:spcAft>
+          </a:pPr>
+          <a:r>
+            <a:rPr lang="en-US" sz="1400" kern="1200" dirty="0" smtClean="0"/>
+            <a:t>Tools</a:t>
+          </a:r>
+          <a:endParaRPr lang="en-US" sz="1400" kern="1200" dirty="0"/>
+        </a:p>
+      </dsp:txBody>
+      <dsp:txXfrm>
+        <a:off x="0" y="3428012"/>
+        <a:ext cx="2445940" cy="277200"/>
+      </dsp:txXfrm>
+    </dsp:sp>
+    <dsp:sp modelId="{C53536F7-0D9F-4535-992B-FBA9627E259B}">
+      <dsp:nvSpPr>
+        <dsp:cNvPr id="0" name=""/>
+        <dsp:cNvSpPr/>
+      </dsp:nvSpPr>
+      <dsp:spPr>
+        <a:xfrm>
+          <a:off x="2445940" y="3298075"/>
+          <a:ext cx="489188" cy="537075"/>
+        </a:xfrm>
+        <a:prstGeom prst="leftBrace">
+          <a:avLst>
+            <a:gd name="adj1" fmla="val 35000"/>
+            <a:gd name="adj2" fmla="val 50000"/>
+          </a:avLst>
+        </a:prstGeom>
+        <a:noFill/>
+        <a:ln w="55000" cap="flat" cmpd="thickThin" algn="ctr">
+          <a:solidFill>
+            <a:schemeClr val="tx1"/>
+          </a:solidFill>
+          <a:prstDash val="solid"/>
+        </a:ln>
+        <a:effectLst/>
+      </dsp:spPr>
+      <dsp:style>
+        <a:lnRef idx="2">
+          <a:scrgbClr r="0" g="0" b="0"/>
+        </a:lnRef>
+        <a:fillRef idx="0">
+          <a:scrgbClr r="0" g="0" b="0"/>
+        </a:fillRef>
+        <a:effectRef idx="0">
+          <a:scrgbClr r="0" g="0" b="0"/>
+        </a:effectRef>
+        <a:fontRef idx="minor"/>
+      </dsp:style>
+    </dsp:sp>
+    <dsp:sp modelId="{BD21C608-A37D-4137-8CC3-5E51F2DD86F1}">
+      <dsp:nvSpPr>
+        <dsp:cNvPr id="0" name=""/>
+        <dsp:cNvSpPr/>
+      </dsp:nvSpPr>
+      <dsp:spPr>
+        <a:xfrm>
+          <a:off x="3130804" y="3298075"/>
+          <a:ext cx="6652958" cy="537075"/>
+        </a:xfrm>
+        <a:prstGeom prst="rect">
+          <a:avLst/>
+        </a:prstGeom>
+        <a:solidFill>
+          <a:schemeClr val="lt1">
+            <a:hueOff val="0"/>
+            <a:satOff val="0"/>
+            <a:lumOff val="0"/>
+            <a:alphaOff val="0"/>
+          </a:schemeClr>
+        </a:solidFill>
+        <a:ln w="55000" cap="flat" cmpd="thickThin" algn="ctr">
+          <a:solidFill>
+            <a:schemeClr val="dk2">
+              <a:shade val="80000"/>
+              <a:hueOff val="0"/>
+              <a:satOff val="0"/>
+              <a:lumOff val="0"/>
+              <a:alphaOff val="0"/>
+            </a:schemeClr>
+          </a:solidFill>
+          <a:prstDash val="solid"/>
+        </a:ln>
+        <a:effectLst/>
+      </dsp:spPr>
+      <dsp:style>
+        <a:lnRef idx="2">
+          <a:scrgbClr r="0" g="0" b="0"/>
+        </a:lnRef>
+        <a:fillRef idx="1">
+          <a:scrgbClr r="0" g="0" b="0"/>
+        </a:fillRef>
+        <a:effectRef idx="0">
+          <a:scrgbClr r="0" g="0" b="0"/>
+        </a:effectRef>
+        <a:fontRef idx="minor">
+          <a:schemeClr val="lt1"/>
+        </a:fontRef>
+      </dsp:style>
+      <dsp:txBody>
+        <a:bodyPr spcFirstLastPara="0" vert="horz" wrap="square" lIns="53340" tIns="53340" rIns="53340" bIns="53340" numCol="1" spcCol="1270" anchor="ctr" anchorCtr="0">
+          <a:noAutofit/>
+        </a:bodyPr>
+        <a:lstStyle/>
+        <a:p>
+          <a:pPr marL="114300" lvl="1" indent="-114300" algn="l" defTabSz="622300">
+            <a:lnSpc>
+              <a:spcPct val="90000"/>
+            </a:lnSpc>
+            <a:spcBef>
+              <a:spcPct val="0"/>
+            </a:spcBef>
+            <a:spcAft>
+              <a:spcPct val="15000"/>
+            </a:spcAft>
+            <a:buChar char="••"/>
+          </a:pPr>
+          <a:r>
+            <a:rPr lang="en-US" sz="1400" kern="1200" dirty="0" err="1" smtClean="0"/>
+            <a:t>IO.cs</a:t>
+          </a:r>
+          <a:endParaRPr lang="en-US" sz="1400" kern="1200" dirty="0"/>
+        </a:p>
+        <a:p>
+          <a:pPr marL="114300" lvl="1" indent="-114300" algn="l" defTabSz="622300">
+            <a:lnSpc>
+              <a:spcPct val="90000"/>
+            </a:lnSpc>
+            <a:spcBef>
+              <a:spcPct val="0"/>
+            </a:spcBef>
+            <a:spcAft>
+              <a:spcPct val="15000"/>
+            </a:spcAft>
+            <a:buChar char="••"/>
+          </a:pPr>
+          <a:r>
+            <a:rPr lang="en-US" sz="1400" kern="1200" dirty="0" err="1" smtClean="0"/>
+            <a:t>Net.cs</a:t>
+          </a:r>
+          <a:endParaRPr lang="en-US" sz="1400" kern="1200" dirty="0"/>
+        </a:p>
+      </dsp:txBody>
+      <dsp:txXfrm>
+        <a:off x="3130804" y="3298075"/>
+        <a:ext cx="6652958" cy="537075"/>
+      </dsp:txXfrm>
+    </dsp:sp>
+    <dsp:sp modelId="{B981DB2B-EC17-4179-B239-E4C303E9334B}">
+      <dsp:nvSpPr>
+        <dsp:cNvPr id="0" name=""/>
+        <dsp:cNvSpPr/>
+      </dsp:nvSpPr>
+      <dsp:spPr>
+        <a:xfrm>
+          <a:off x="0" y="3885550"/>
+          <a:ext cx="2445940" cy="277200"/>
+        </a:xfrm>
+        <a:prstGeom prst="rect">
+          <a:avLst/>
+        </a:prstGeom>
+        <a:noFill/>
+        <a:ln>
+          <a:noFill/>
+        </a:ln>
+        <a:effectLst/>
+      </dsp:spPr>
+      <dsp:style>
+        <a:lnRef idx="0">
+          <a:scrgbClr r="0" g="0" b="0"/>
+        </a:lnRef>
+        <a:fillRef idx="0">
+          <a:scrgbClr r="0" g="0" b="0"/>
+        </a:fillRef>
+        <a:effectRef idx="0">
+          <a:scrgbClr r="0" g="0" b="0"/>
+        </a:effectRef>
+        <a:fontRef idx="minor"/>
+      </dsp:style>
+      <dsp:txBody>
+        <a:bodyPr spcFirstLastPara="0" vert="horz" wrap="square" lIns="99568" tIns="35560" rIns="99568" bIns="35560" numCol="1" spcCol="1270" anchor="ctr" anchorCtr="0">
+          <a:noAutofit/>
+        </a:bodyPr>
+        <a:lstStyle/>
+        <a:p>
+          <a:pPr lvl="0" algn="r" defTabSz="622300">
+            <a:lnSpc>
+              <a:spcPct val="90000"/>
+            </a:lnSpc>
+            <a:spcBef>
+              <a:spcPct val="0"/>
+            </a:spcBef>
+            <a:spcAft>
+              <a:spcPct val="35000"/>
+            </a:spcAft>
+          </a:pPr>
+          <a:r>
+            <a:rPr lang="en-US" sz="1400" kern="1200" dirty="0" err="1" smtClean="0"/>
+            <a:t>Program.cs</a:t>
+          </a:r>
+          <a:endParaRPr lang="en-US" sz="1400" kern="1200" dirty="0"/>
+        </a:p>
+      </dsp:txBody>
+      <dsp:txXfrm>
+        <a:off x="0" y="3885550"/>
+        <a:ext cx="2445940" cy="277200"/>
+      </dsp:txXfrm>
+    </dsp:sp>
+    <dsp:sp modelId="{45E8E0D6-3C8C-47D1-8657-1D515775D474}">
+      <dsp:nvSpPr>
+        <dsp:cNvPr id="0" name=""/>
+        <dsp:cNvSpPr/>
+      </dsp:nvSpPr>
+      <dsp:spPr>
+        <a:xfrm>
+          <a:off x="2445940" y="3885550"/>
+          <a:ext cx="489188" cy="277200"/>
+        </a:xfrm>
+        <a:prstGeom prst="leftBrace">
+          <a:avLst>
+            <a:gd name="adj1" fmla="val 35000"/>
+            <a:gd name="adj2" fmla="val 50000"/>
+          </a:avLst>
+        </a:prstGeom>
+        <a:noFill/>
+        <a:ln w="55000" cap="flat" cmpd="thickThin" algn="ctr">
+          <a:noFill/>
+          <a:prstDash val="solid"/>
+        </a:ln>
+        <a:effectLst/>
+      </dsp:spPr>
+      <dsp:style>
+        <a:lnRef idx="2">
+          <a:scrgbClr r="0" g="0" b="0"/>
+        </a:lnRef>
+        <a:fillRef idx="0">
+          <a:scrgbClr r="0" g="0" b="0"/>
+        </a:fillRef>
+        <a:effectRef idx="0">
+          <a:scrgbClr r="0" g="0" b="0"/>
+        </a:effectRef>
+        <a:fontRef idx="minor"/>
+      </dsp:style>
+    </dsp:sp>
+  </dsp:spTree>
+</dsp:drawing>
+</file>
+
+<file path=ppt/diagrams/layout1.xml><?xml version="1.0" encoding="utf-8"?>
+<dgm:layoutDef xmlns:dgm="http://schemas.openxmlformats.org/drawingml/2006/diagram" xmlns:a="http://schemas.openxmlformats.org/drawingml/2006/main" uniqueId="urn:diagrams.loki3.com/BracketList">
+  <dgm:title val="Vertical Bracket List"/>
+  <dgm:desc val="Use to show grouped blocks of information.  Works well with large amounts of Level 2 text."/>
+  <dgm:catLst>
+    <dgm:cat type="list" pri="4110"/>
+    <dgm:cat type="officeonline" pri="3000"/>
+  </dgm:catLst>
+  <dgm:sampData>
+    <dgm:dataModel>
+      <dgm:ptLst>
+        <dgm:pt modelId="0" type="doc"/>
+        <dgm:pt modelId="1">
+          <dgm:prSet phldr="1"/>
+        </dgm:pt>
+        <dgm:pt modelId="11">
+          <dgm:prSet phldr="1"/>
+        </dgm:pt>
+        <dgm:pt modelId="2">
+          <dgm:prSet phldr="1"/>
+        </dgm:pt>
+        <dgm:pt modelId="21">
+          <dgm:prSet phldr="1"/>
+        </dgm:pt>
+      </dgm:ptLst>
+      <dgm:cxnLst>
+        <dgm:cxn modelId="3" srcId="0" destId="1" srcOrd="0" destOrd="0"/>
+        <dgm:cxn modelId="4" srcId="1" destId="11" srcOrd="0" destOrd="0"/>
+        <dgm:cxn modelId="5" srcId="0" destId="2" srcOrd="0" destOrd="0"/>
+        <dgm:cxn modelId="6" srcId="2" destId="21" srcOrd="0" destOrd="0"/>
+      </dgm:cxnLst>
+      <dgm:bg/>
+      <dgm:whole/>
+    </dgm:dataModel>
+  </dgm:sampData>
+  <dgm:styleData useDef="1">
+    <dgm:dataModel>
+      <dgm:ptLst/>
+      <dgm:bg/>
+      <dgm:whole/>
+    </dgm:dataModel>
+  </dgm:styleData>
+  <dgm:clrData useDef="1">
+    <dgm:dataModel>
+      <dgm:ptLst/>
+      <dgm:bg/>
+      <dgm:whole/>
+    </dgm:dataModel>
+  </dgm:clrData>
+  <dgm:layoutNode name="Name0">
+    <dgm:varLst>
+      <dgm:dir/>
+      <dgm:animLvl val="lvl"/>
+      <dgm:resizeHandles val="exact"/>
+    </dgm:varLst>
+    <dgm:choose name="Name1">
+      <dgm:if name="Name2" func="var" arg="dir" op="equ" val="norm">
+        <dgm:alg type="lin">
+          <dgm:param type="linDir" val="fromT"/>
+          <dgm:param type="nodeHorzAlign" val="l"/>
+        </dgm:alg>
+      </dgm:if>
+      <dgm:else name="Name3">
+        <dgm:alg type="lin">
+          <dgm:param type="linDir" val="fromT"/>
+          <dgm:param type="nodeHorzAlign" val="r"/>
+        </dgm:alg>
+      </dgm:else>
+    </dgm:choose>
+    <dgm:shape xmlns:r="http://schemas.openxmlformats.org/officeDocument/2006/relationships" r:blip="">
+      <dgm:adjLst/>
+    </dgm:shape>
+    <dgm:presOf/>
+    <dgm:constrLst>
+      <dgm:constr type="h" for="ch" forName="linNode" refType="h"/>
+      <dgm:constr type="w" for="ch" forName="linNode" refType="w"/>
+      <dgm:constr type="h" for="ch" forName="spV" refType="primFontSz" refFor="des" refForName="parTx" fact="0.1"/>
+      <dgm:constr type="primFontSz" for="des" forName="parTx" val="65"/>
+      <dgm:constr type="primFontSz" for="des" forName="desTx" refType="primFontSz" refFor="des" refForName="parTx"/>
+      <dgm:constr type="h" for="des" forName="parTx" refType="primFontSz" refFor="des" refForName="parTx" fact="0.55"/>
+      <dgm:constr type="h" for="des" forName="bracket" refType="primFontSz" refFor="des" refForName="parTx" fact="0.55"/>
+      <dgm:constr type="h" for="des" forName="desTx" refType="primFontSz" refFor="des" refForName="parTx" fact="0.55"/>
+    </dgm:constrLst>
+    <dgm:ruleLst>
+      <dgm:rule type="primFontSz" for="des" forName="parTx" val="5" fact="NaN" max="NaN"/>
+    </dgm:ruleLst>
+    <dgm:forEach name="Name4" axis="ch" ptType="node">
+      <dgm:layoutNode name="linNode">
+        <dgm:choose name="Name5">
+          <dgm:if name="Name6" func="var" arg="dir" op="equ" val="norm">
+            <dgm:alg type="lin">
+              <dgm:param type="linDir" val="fromL"/>
+            </dgm:alg>
+          </dgm:if>
+          <dgm:else name="Name7">
+            <dgm:alg type="lin">
+              <dgm:param type="linDir" val="fromR"/>
+            </dgm:alg>
+          </dgm:else>
+        </dgm:choose>
+        <dgm:shape xmlns:r="http://schemas.openxmlformats.org/officeDocument/2006/relationships" r:blip="">
+          <dgm:adjLst/>
+        </dgm:shape>
+        <dgm:presOf/>
+        <dgm:constrLst>
+          <dgm:constr type="w" for="ch" forName="parTx" refType="w" fact="0.25"/>
+          <dgm:constr type="w" for="ch" forName="bracket" refType="w" fact="0.05"/>
+          <dgm:constr type="w" for="ch" forName="spH" refType="w" fact="0.02"/>
+          <dgm:constr type="w" for="ch" forName="desTx" refType="w" fact="0.68"/>
+          <dgm:constr type="h" for="ch" forName="bracket" refType="h" refFor="ch" refForName="desTx" op="gte"/>
+          <dgm:constr type="h" for="ch" forName="bracket" refType="h" refFor="ch" refForName="parTx" op="gte"/>
+          <dgm:constr type="h" for="ch" forName="desTx" refType="h" refFor="ch" refForName="parTx" op="gte"/>
+        </dgm:constrLst>
+        <dgm:ruleLst/>
+        <dgm:layoutNode name="parTx" styleLbl="revTx">
+          <dgm:varLst>
+            <dgm:chMax val="1"/>
+            <dgm:bulletEnabled val="1"/>
+          </dgm:varLst>
+          <dgm:choose name="Name8">
+            <dgm:if name="Name9" func="var" arg="dir" op="equ" val="norm">
+              <dgm:alg type="tx">
+                <dgm:param type="parTxLTRAlign" val="r"/>
+              </dgm:alg>
+            </dgm:if>
+            <dgm:else name="Name10">
+              <dgm:alg type="tx">
+                <dgm:param type="parTxLTRAlign" val="l"/>
+              </dgm:alg>
+            </dgm:else>
+          </dgm:choose>
+          <dgm:shape xmlns:r="http://schemas.openxmlformats.org/officeDocument/2006/relationships" type="rect" r:blip="">
+            <dgm:adjLst/>
+          </dgm:shape>
+          <dgm:presOf axis="self" ptType="node"/>
+          <dgm:constrLst>
+            <dgm:constr type="tMarg" refType="primFontSz" fact="0.2"/>
+            <dgm:constr type="bMarg" refType="primFontSz" fact="0.2"/>
+          </dgm:constrLst>
+          <dgm:ruleLst>
+            <dgm:rule type="h" val="INF" fact="NaN" max="NaN"/>
+          </dgm:ruleLst>
+        </dgm:layoutNode>
+        <dgm:layoutNode name="bracket" styleLbl="parChTrans1D1">
+          <dgm:alg type="sp"/>
+          <dgm:choose name="Name11">
+            <dgm:if name="Name12" func="var" arg="dir" op="equ" val="norm">
+              <dgm:shape xmlns:r="http://schemas.openxmlformats.org/officeDocument/2006/relationships" type="leftBrace" r:blip="">
+                <dgm:adjLst>
+                  <dgm:adj idx="1" val="0.35"/>
+                </dgm:adjLst>
+              </dgm:shape>
+            </dgm:if>
+            <dgm:else name="Name13">
+              <dgm:shape xmlns:r="http://schemas.openxmlformats.org/officeDocument/2006/relationships" rot="180" type="leftBrace" r:blip="">
+                <dgm:adjLst>
+                  <dgm:adj idx="1" val="0.35"/>
+                </dgm:adjLst>
+              </dgm:shape>
+            </dgm:else>
+          </dgm:choose>
+          <dgm:presOf/>
+        </dgm:layoutNode>
+        <dgm:layoutNode name="spH">
+          <dgm:alg type="sp"/>
+        </dgm:layoutNode>
+        <dgm:choose name="Name14">
+          <dgm:if name="Name15" axis="ch" ptType="node" func="cnt" op="gte" val="1">
+            <dgm:layoutNode name="desTx" styleLbl="node1">
+              <dgm:varLst>
+                <dgm:bulletEnabled val="1"/>
+              </dgm:varLst>
+              <dgm:alg type="tx">
+                <dgm:param type="stBulletLvl" val="1"/>
+                <dgm:param type="txAnchorVertCh" val="mid"/>
+              </dgm:alg>
+              <dgm:shape xmlns:r="http://schemas.openxmlformats.org/officeDocument/2006/relationships" type="rect" r:blip="">
+                <dgm:adjLst/>
+              </dgm:shape>
+              <dgm:presOf axis="des" ptType="node"/>
+              <dgm:constrLst>
+                <dgm:constr type="secFontSz" refType="primFontSz"/>
+                <dgm:constr type="tMarg" refType="primFontSz" fact="0.3"/>
+                <dgm:constr type="bMarg" refType="primFontSz" fact="0.3"/>
+                <dgm:constr type="lMarg" refType="primFontSz" fact="0.3"/>
+                <dgm:constr type="rMarg" refType="primFontSz" fact="0.3"/>
+              </dgm:constrLst>
+              <dgm:ruleLst>
+                <dgm:rule type="h" val="INF" fact="NaN" max="NaN"/>
+              </dgm:ruleLst>
+            </dgm:layoutNode>
+          </dgm:if>
+          <dgm:else name="Name16"/>
+        </dgm:choose>
+      </dgm:layoutNode>
+      <dgm:forEach name="Name17" axis="followSib" ptType="sibTrans" cnt="1">
+        <dgm:layoutNode name="spV">
+          <dgm:alg type="sp"/>
+        </dgm:layoutNode>
+      </dgm:forEach>
+    </dgm:forEach>
+  </dgm:layoutNode>
+</dgm:layoutDef>
+</file>
+
+<file path=ppt/diagrams/quickStyle1.xml><?xml version="1.0" encoding="utf-8"?>
+<dgm:styleDef xmlns:dgm="http://schemas.openxmlformats.org/drawingml/2006/diagram" xmlns:a="http://schemas.openxmlformats.org/drawingml/2006/main" uniqueId="urn:microsoft.com/office/officeart/2005/8/quickstyle/simple1">
+  <dgm:title val=""/>
+  <dgm:desc val=""/>
+  <dgm:catLst>
+    <dgm:cat type="simple" pri="10100"/>
+  </dgm:catLst>
+  <dgm:scene3d>
+    <a:camera prst="orthographicFront"/>
+    <a:lightRig rig="threePt" dir="t"/>
+  </dgm:scene3d>
+  <dgm:styleLbl name="node0">
+    <dgm:scene3d>
+      <a:camera prst="orthographicFront"/>
+      <a:lightRig rig="threePt" dir="t"/>
+    </dgm:scene3d>
+    <dgm:sp3d/>
+    <dgm:txPr/>
+    <dgm:style>
+      <a:lnRef idx="2">
+        <a:scrgbClr r="0" g="0" b="0"/>
+      </a:lnRef>
+      <a:fillRef idx="1">
+        <a:scrgbClr r="0" g="0" b="0"/>
+      </a:fillRef>
+      <a:effectRef idx="0">
+        <a:scrgbClr r="0" g="0" b="0"/>
+      </a:effectRef>
+      <a:fontRef idx="minor">
+        <a:schemeClr val="lt1"/>
+      </a:fontRef>
+    </dgm:style>
+  </dgm:styleLbl>
+  <dgm:styleLbl name="lnNode1">
+    <dgm:scene3d>
+      <a:camera prst="orthographicFront"/>
+      <a:lightRig rig="threePt" dir="t"/>
+    </dgm:scene3d>
+    <dgm:sp3d/>
+    <dgm:txPr/>
+    <dgm:style>
+      <a:lnRef idx="2">
+        <a:scrgbClr r="0" g="0" b="0"/>
+      </a:lnRef>
+      <a:fillRef idx="1">
+        <a:scrgbClr r="0" g="0" b="0"/>
+      </a:fillRef>
+      <a:effectRef idx="0">
+        <a:scrgbClr r="0" g="0" b="0"/>
+      </a:effectRef>
+      <a:fontRef idx="minor">
+        <a:schemeClr val="lt1"/>
+      </a:fontRef>
+    </dgm:style>
+  </dgm:styleLbl>
+  <dgm:styleLbl name="vennNode1">
+    <dgm:scene3d>
+      <a:camera prst="orthographicFront"/>
+      <a:lightRig rig="threePt" dir="t"/>
+    </dgm:scene3d>
+    <dgm:sp3d/>
+    <dgm:txPr/>
+    <dgm:style>
+      <a:lnRef idx="2">
+        <a:scrgbClr r="0" g="0" b="0"/>
+      </a:lnRef>
+      <a:fillRef idx="1">
+        <a:scrgbClr r="0" g="0" b="0"/>
+      </a:fillRef>
+      <a:effectRef idx="0">
+        <a:scrgbClr r="0" g="0" b="0"/>
+      </a:effectRef>
+      <a:fontRef idx="minor">
+        <a:schemeClr val="tx1"/>
+      </a:fontRef>
+    </dgm:style>
+  </dgm:styleLbl>
+  <dgm:styleLbl name="alignNode1">
+    <dgm:scene3d>
+      <a:camera prst="orthographicFront"/>
+      <a:lightRig rig="threePt" dir="t"/>
+    </dgm:scene3d>
+    <dgm:sp3d/>
+    <dgm:txPr/>
+    <dgm:style>
+      <a:lnRef idx="2">
+        <a:scrgbClr r="0" g="0" b="0"/>
+      </a:lnRef>
+      <a:fillRef idx="1">
+        <a:scrgbClr r="0" g="0" b="0"/>
+      </a:fillRef>
+      <a:effectRef idx="0">
+        <a:scrgbClr r="0" g="0" b="0"/>
+      </a:effectRef>
+      <a:fontRef idx="minor">
+        <a:schemeClr val="lt1"/>
+      </a:fontRef>
+    </dgm:style>
+  </dgm:styleLbl>
+  <dgm:styleLbl name="node1">
+    <dgm:scene3d>
+      <a:camera prst="orthographicFront"/>
+      <a:lightRig rig="threePt" dir="t"/>
+    </dgm:scene3d>
+    <dgm:sp3d/>
+    <dgm:txPr/>
+    <dgm:style>
+      <a:lnRef idx="2">
+        <a:scrgbClr r="0" g="0" b="0"/>
+      </a:lnRef>
+      <a:fillRef idx="1">
+        <a:scrgbClr r="0" g="0" b="0"/>
+      </a:fillRef>
+      <a:effectRef idx="0">
+        <a:scrgbClr r="0" g="0" b="0"/>
+      </a:effectRef>
+      <a:fontRef idx="minor">
+        <a:schemeClr val="lt1"/>
+      </a:fontRef>
+    </dgm:style>
+  </dgm:styleLbl>
+  <dgm:styleLbl name="node2">
+    <dgm:scene3d>
+      <a:camera prst="orthographicFront"/>
+      <a:lightRig rig="threePt" dir="t"/>
+    </dgm:scene3d>
+    <dgm:sp3d/>
+    <dgm:txPr/>
+    <dgm:style>
+      <a:lnRef idx="2">
+        <a:scrgbClr r="0" g="0" b="0"/>
+      </a:lnRef>
+      <a:fillRef idx="1">
+        <a:scrgbClr r="0" g="0" b="0"/>
+      </a:fillRef>
+      <a:effectRef idx="0">
+        <a:scrgbClr r="0" g="0" b="0"/>
+      </a:effectRef>
+      <a:fontRef idx="minor">
+        <a:schemeClr val="lt1"/>
+      </a:fontRef>
+    </dgm:style>
+  </dgm:styleLbl>
+  <dgm:styleLbl name="node3">
+    <dgm:scene3d>
+      <a:camera prst="orthographicFront"/>
+      <a:lightRig rig="threePt" dir="t"/>
+    </dgm:scene3d>
+    <dgm:sp3d/>
+    <dgm:txPr/>
+    <dgm:style>
+      <a:lnRef idx="2">
+        <a:scrgbClr r="0" g="0" b="0"/>
+      </a:lnRef>
+      <a:fillRef idx="1">
+        <a:scrgbClr r="0" g="0" b="0"/>
+      </a:fillRef>
+      <a:effectRef idx="0">
+        <a:scrgbClr r="0" g="0" b="0"/>
+      </a:effectRef>
+      <a:fontRef idx="minor">
+        <a:schemeClr val="lt1"/>
+      </a:fontRef>
+    </dgm:style>
+  </dgm:styleLbl>
+  <dgm:styleLbl name="node4">
+    <dgm:scene3d>
+      <a:camera prst="orthographicFront"/>
+      <a:lightRig rig="threePt" dir="t"/>
+    </dgm:scene3d>
+    <dgm:sp3d/>
+    <dgm:txPr/>
+    <dgm:style>
+      <a:lnRef idx="2">
+        <a:scrgbClr r="0" g="0" b="0"/>
+      </a:lnRef>
+      <a:fillRef idx="1">
+        <a:scrgbClr r="0" g="0" b="0"/>
+      </a:fillRef>
+      <a:effectRef idx="0">
+        <a:scrgbClr r="0" g="0" b="0"/>
+      </a:effectRef>
+      <a:fontRef idx="minor">
+        <a:schemeClr val="lt1"/>
+      </a:fontRef>
+    </dgm:style>
+  </dgm:styleLbl>
+  <dgm:styleLbl name="fgImgPlace1">
+    <dgm:scene3d>
+      <a:camera prst="orthographicFront"/>
+      <a:lightRig rig="threePt" dir="t"/>
+    </dgm:scene3d>
+    <dgm:sp3d/>
+    <dgm:txPr/>
+    <dgm:style>
+      <a:lnRef idx="2">
+        <a:scrgbClr r="0" g="0" b="0"/>
+      </a:lnRef>
+      <a:fillRef idx="1">
+        <a:scrgbClr r="0" g="0" b="0"/>
+      </a:fillRef>
+      <a:effectRef idx="0">
+        <a:scrgbClr r="0" g="0" b="0"/>
+      </a:effectRef>
+      <a:fontRef idx="minor"/>
+    </dgm:style>
+  </dgm:styleLbl>
+  <dgm:styleLbl name="alignImgPlace1">
+    <dgm:scene3d>
+      <a:camera prst="orthographicFront"/>
+      <a:lightRig rig="threePt" dir="t"/>
+    </dgm:scene3d>
+    <dgm:sp3d/>
+    <dgm:txPr/>
+    <dgm:style>
+      <a:lnRef idx="2">
+        <a:scrgbClr r="0" g="0" b="0"/>
+      </a:lnRef>
+      <a:fillRef idx="1">
+        <a:scrgbClr r="0" g="0" b="0"/>
+      </a:fillRef>
+      <a:effectRef idx="0">
+        <a:scrgbClr r="0" g="0" b="0"/>
+      </a:effectRef>
+      <a:fontRef idx="minor"/>
+    </dgm:style>
+  </dgm:styleLbl>
+  <dgm:styleLbl name="bgImgPlace1">
+    <dgm:scene3d>
+      <a:camera prst="orthographicFront"/>
+      <a:lightRig rig="threePt" dir="t"/>
+    </dgm:scene3d>
+    <dgm:sp3d/>
+    <dgm:txPr/>
+    <dgm:style>
+      <a:lnRef idx="2">
+        <a:scrgbClr r="0" g="0" b="0"/>
+      </a:lnRef>
+      <a:fillRef idx="1">
+        <a:scrgbClr r="0" g="0" b="0"/>
+      </a:fillRef>
+      <a:effectRef idx="0">
+        <a:scrgbClr r="0" g="0" b="0"/>
+      </a:effectRef>
+      <a:fontRef idx="minor"/>
+    </dgm:style>
+  </dgm:styleLbl>
+  <dgm:styleLbl name="sibTrans2D1">
+    <dgm:scene3d>
+      <a:camera prst="orthographicFront"/>
+      <a:lightRig rig="threePt" dir="t"/>
+    </dgm:scene3d>
+    <dgm:sp3d/>
+    <dgm:txPr/>
+    <dgm:style>
+      <a:lnRef idx="0">
+        <a:scrgbClr r="0" g="0" b="0"/>
+      </a:lnRef>
+      <a:fillRef idx="1">
+        <a:scrgbClr r="0" g="0" b="0"/>
+      </a:fillRef>
+      <a:effectRef idx="0">
+        <a:scrgbClr r="0" g="0" b="0"/>
+      </a:effectRef>
+      <a:fontRef idx="minor">
+        <a:schemeClr val="lt1"/>
+      </a:fontRef>
+    </dgm:style>
+  </dgm:styleLbl>
+  <dgm:styleLbl name="fgSibTrans2D1">
+    <dgm:scene3d>
+      <a:camera prst="orthographicFront"/>
+      <a:lightRig rig="threePt" dir="t"/>
+    </dgm:scene3d>
+    <dgm:sp3d/>
+    <dgm:txPr/>
+    <dgm:style>
+      <a:lnRef idx="0">
+        <a:scrgbClr r="0" g="0" b="0"/>
+      </a:lnRef>
+      <a:fillRef idx="1">
+        <a:scrgbClr r="0" g="0" b="0"/>
+      </a:fillRef>
+      <a:effectRef idx="0">
+        <a:scrgbClr r="0" g="0" b="0"/>
+      </a:effectRef>
+      <a:fontRef idx="minor">
+        <a:schemeClr val="lt1"/>
+      </a:fontRef>
+    </dgm:style>
+  </dgm:styleLbl>
+  <dgm:styleLbl name="bgSibTrans2D1">
+    <dgm:scene3d>
+      <a:camera prst="orthographicFront"/>
+      <a:lightRig rig="threePt" dir="t"/>
+    </dgm:scene3d>
+    <dgm:sp3d/>
+    <dgm:txPr/>
+    <dgm:style>
+      <a:lnRef idx="0">
+        <a:scrgbClr r="0" g="0" b="0"/>
+      </a:lnRef>
+      <a:fillRef idx="1">
+        <a:scrgbClr r="0" g="0" b="0"/>
+      </a:fillRef>
+      <a:effectRef idx="0">
+        <a:scrgbClr r="0" g="0" b="0"/>
+      </a:effectRef>
+      <a:fontRef idx="minor">
+        <a:schemeClr val="lt1"/>
+      </a:fontRef>
+    </dgm:style>
+  </dgm:styleLbl>
+  <dgm:styleLbl name="sibTrans1D1">
+    <dgm:scene3d>
+      <a:camera prst="orthographicFront"/>
+      <a:lightRig rig="threePt" dir="t"/>
+    </dgm:scene3d>
+    <dgm:sp3d/>
+    <dgm:txPr/>
+    <dgm:style>
+      <a:lnRef idx="1">
+        <a:scrgbClr r="0" g="0" b="0"/>
+      </a:lnRef>
+      <a:fillRef idx="0">
+        <a:scrgbClr r="0" g="0" b="0"/>
+      </a:fillRef>
+      <a:effectRef idx="0">
+        <a:scrgbClr r="0" g="0" b="0"/>
+      </a:effectRef>
+      <a:fontRef idx="minor"/>
+    </dgm:style>
+  </dgm:styleLbl>
+  <dgm:styleLbl name="callout">
+    <dgm:scene3d>
+      <a:camera prst="orthographicFront"/>
+      <a:lightRig rig="threePt" dir="t"/>
+    </dgm:scene3d>
+    <dgm:sp3d/>
+    <dgm:txPr/>
+    <dgm:style>
+      <a:lnRef idx="2">
+        <a:scrgbClr r="0" g="0" b="0"/>
+      </a:lnRef>
+      <a:fillRef idx="1">
+        <a:scrgbClr r="0" g="0" b="0"/>
+      </a:fillRef>
+      <a:effectRef idx="0">
+        <a:scrgbClr r="0" g="0" b="0"/>
+      </a:effectRef>
+      <a:fontRef idx="minor"/>
+    </dgm:style>
+  </dgm:styleLbl>
+  <dgm:styleLbl name="asst0">
+    <dgm:scene3d>
+      <a:camera prst="orthographicFront"/>
+      <a:lightRig rig="threePt" dir="t"/>
+    </dgm:scene3d>
+    <dgm:sp3d/>
+    <dgm:txPr/>
+    <dgm:style>
+      <a:lnRef idx="2">
+        <a:scrgbClr r="0" g="0" b="0"/>
+      </a:lnRef>
+      <a:fillRef idx="1">
+        <a:scrgbClr r="0" g="0" b="0"/>
+      </a:fillRef>
+      <a:effectRef idx="0">
+        <a:scrgbClr r="0" g="0" b="0"/>
+      </a:effectRef>
+      <a:fontRef idx="minor">
+        <a:schemeClr val="lt1"/>
+      </a:fontRef>
+    </dgm:style>
+  </dgm:styleLbl>
+  <dgm:styleLbl name="asst1">
+    <dgm:scene3d>
+      <a:camera prst="orthographicFront"/>
+      <a:lightRig rig="threePt" dir="t"/>
+    </dgm:scene3d>
+    <dgm:sp3d/>
+    <dgm:txPr/>
+    <dgm:style>
+      <a:lnRef idx="2">
+        <a:scrgbClr r="0" g="0" b="0"/>
+      </a:lnRef>
+      <a:fillRef idx="1">
+        <a:scrgbClr r="0" g="0" b="0"/>
+      </a:fillRef>
+      <a:effectRef idx="0">
+        <a:scrgbClr r="0" g="0" b="0"/>
+      </a:effectRef>
+      <a:fontRef idx="minor">
+        <a:schemeClr val="lt1"/>
+      </a:fontRef>
+    </dgm:style>
+  </dgm:styleLbl>
+  <dgm:styleLbl name="asst2">
+    <dgm:scene3d>
+      <a:camera prst="orthographicFront"/>
+      <a:lightRig rig="threePt" dir="t"/>
+    </dgm:scene3d>
+    <dgm:sp3d/>
+    <dgm:txPr/>
+    <dgm:style>
+      <a:lnRef idx="2">
+        <a:scrgbClr r="0" g="0" b="0"/>
+      </a:lnRef>
+      <a:fillRef idx="1">
+        <a:scrgbClr r="0" g="0" b="0"/>
+      </a:fillRef>
+      <a:effectRef idx="0">
+        <a:scrgbClr r="0" g="0" b="0"/>
+      </a:effectRef>
+      <a:fontRef idx="minor">
+        <a:schemeClr val="lt1"/>
+      </a:fontRef>
+    </dgm:style>
+  </dgm:styleLbl>
+  <dgm:styleLbl name="asst3">
+    <dgm:scene3d>
+      <a:camera prst="orthographicFront"/>
+      <a:lightRig rig="threePt" dir="t"/>
+    </dgm:scene3d>
+    <dgm:sp3d/>
+    <dgm:txPr/>
+    <dgm:style>
+      <a:lnRef idx="2">
+        <a:scrgbClr r="0" g="0" b="0"/>
+      </a:lnRef>
+      <a:fillRef idx="1">
+        <a:scrgbClr r="0" g="0" b="0"/>
+      </a:fillRef>
+      <a:effectRef idx="0">
+        <a:scrgbClr r="0" g="0" b="0"/>
+      </a:effectRef>
+      <a:fontRef idx="minor">
+        <a:schemeClr val="lt1"/>
+      </a:fontRef>
+    </dgm:style>
+  </dgm:styleLbl>
+  <dgm:styleLbl name="asst4">
+    <dgm:scene3d>
+      <a:camera prst="orthographicFront"/>
+      <a:lightRig rig="threePt" dir="t"/>
+    </dgm:scene3d>
+    <dgm:sp3d/>
+    <dgm:txPr/>
+    <dgm:style>
+      <a:lnRef idx="2">
+        <a:scrgbClr r="0" g="0" b="0"/>
+      </a:lnRef>
+      <a:fillRef idx="1">
+        <a:scrgbClr r="0" g="0" b="0"/>
+      </a:fillRef>
+      <a:effectRef idx="0">
+        <a:scrgbClr r="0" g="0" b="0"/>
+      </a:effectRef>
+      <a:fontRef idx="minor">
+        <a:schemeClr val="lt1"/>
+      </a:fontRef>
+    </dgm:style>
+  </dgm:styleLbl>
+  <dgm:styleLbl name="parChTrans2D1">
+    <dgm:scene3d>
+      <a:camera prst="orthographicFront"/>
+      <a:lightRig rig="threePt" dir="t"/>
+    </dgm:scene3d>
+    <dgm:sp3d/>
+    <dgm:txPr/>
+    <dgm:style>
+      <a:lnRef idx="2">
+        <a:scrgbClr r="0" g="0" b="0"/>
+      </a:lnRef>
+      <a:fillRef idx="1">
+        <a:scrgbClr r="0" g="0" b="0"/>
+      </a:fillRef>
+      <a:effectRef idx="0">
+        <a:scrgbClr r="0" g="0" b="0"/>
+      </a:effectRef>
+      <a:fontRef idx="minor">
+        <a:schemeClr val="lt1"/>
+      </a:fontRef>
+    </dgm:style>
+  </dgm:styleLbl>
+  <dgm:styleLbl name="parChTrans2D2">
+    <dgm:scene3d>
+      <a:camera prst="orthographicFront"/>
+      <a:lightRig rig="threePt" dir="t"/>
+    </dgm:scene3d>
+    <dgm:sp3d/>
+    <dgm:txPr/>
+    <dgm:style>
+      <a:lnRef idx="2">
+        <a:scrgbClr r="0" g="0" b="0"/>
+      </a:lnRef>
+      <a:fillRef idx="1">
+        <a:scrgbClr r="0" g="0" b="0"/>
+      </a:fillRef>
+      <a:effectRef idx="0">
+        <a:scrgbClr r="0" g="0" b="0"/>
+      </a:effectRef>
+      <a:fontRef idx="minor">
+        <a:schemeClr val="lt1"/>
+      </a:fontRef>
+    </dgm:style>
+  </dgm:styleLbl>
+  <dgm:styleLbl name="parChTrans2D3">
+    <dgm:scene3d>
+      <a:camera prst="orthographicFront"/>
+      <a:lightRig rig="threePt" dir="t"/>
+    </dgm:scene3d>
+    <dgm:sp3d/>
+    <dgm:txPr/>
+    <dgm:style>
+      <a:lnRef idx="2">
+        <a:scrgbClr r="0" g="0" b="0"/>
+      </a:lnRef>
+      <a:fillRef idx="1">
+        <a:scrgbClr r="0" g="0" b="0"/>
+      </a:fillRef>
+      <a:effectRef idx="0">
+        <a:scrgbClr r="0" g="0" b="0"/>
+      </a:effectRef>
+      <a:fontRef idx="minor">
+        <a:schemeClr val="lt1"/>
+      </a:fontRef>
+    </dgm:style>
+  </dgm:styleLbl>
+  <dgm:styleLbl name="parChTrans2D4">
+    <dgm:scene3d>
+      <a:camera prst="orthographicFront"/>
+      <a:lightRig rig="threePt" dir="t"/>
+    </dgm:scene3d>
+    <dgm:sp3d/>
+    <dgm:txPr/>
+    <dgm:style>
+      <a:lnRef idx="2">
+        <a:scrgbClr r="0" g="0" b="0"/>
+      </a:lnRef>
+      <a:fillRef idx="1">
+        <a:scrgbClr r="0" g="0" b="0"/>
+      </a:fillRef>
+      <a:effectRef idx="0">
+        <a:scrgbClr r="0" g="0" b="0"/>
+      </a:effectRef>
+      <a:fontRef idx="minor">
+        <a:schemeClr val="lt1"/>
+      </a:fontRef>
+    </dgm:style>
+  </dgm:styleLbl>
+  <dgm:styleLbl name="parChTrans1D1">
+    <dgm:scene3d>
+      <a:camera prst="orthographicFront"/>
+      <a:lightRig rig="threePt" dir="t"/>
+    </dgm:scene3d>
+    <dgm:sp3d/>
+    <dgm:txPr/>
+    <dgm:style>
+      <a:lnRef idx="2">
+        <a:scrgbClr r="0" g="0" b="0"/>
+      </a:lnRef>
+      <a:fillRef idx="0">
+        <a:scrgbClr r="0" g="0" b="0"/>
+      </a:fillRef>
+      <a:effectRef idx="0">
+        <a:scrgbClr r="0" g="0" b="0"/>
+      </a:effectRef>
+      <a:fontRef idx="minor"/>
+    </dgm:style>
+  </dgm:styleLbl>
+  <dgm:styleLbl name="parChTrans1D2">
+    <dgm:scene3d>
+      <a:camera prst="orthographicFront"/>
+      <a:lightRig rig="threePt" dir="t"/>
+    </dgm:scene3d>
+    <dgm:sp3d/>
+    <dgm:txPr/>
+    <dgm:style>
+      <a:lnRef idx="2">
+        <a:scrgbClr r="0" g="0" b="0"/>
+      </a:lnRef>
+      <a:fillRef idx="0">
+        <a:scrgbClr r="0" g="0" b="0"/>
+      </a:fillRef>
+      <a:effectRef idx="0">
+        <a:scrgbClr r="0" g="0" b="0"/>
+      </a:effectRef>
+      <a:fontRef idx="minor"/>
+    </dgm:style>
+  </dgm:styleLbl>
+  <dgm:styleLbl name="parChTrans1D3">
+    <dgm:scene3d>
+      <a:camera prst="orthographicFront"/>
+      <a:lightRig rig="threePt" dir="t"/>
+    </dgm:scene3d>
+    <dgm:sp3d/>
+    <dgm:txPr/>
+    <dgm:style>
+      <a:lnRef idx="2">
+        <a:scrgbClr r="0" g="0" b="0"/>
+      </a:lnRef>
+      <a:fillRef idx="0">
+        <a:scrgbClr r="0" g="0" b="0"/>
+      </a:fillRef>
+      <a:effectRef idx="0">
+        <a:scrgbClr r="0" g="0" b="0"/>
+      </a:effectRef>
+      <a:fontRef idx="minor"/>
+    </dgm:style>
+  </dgm:styleLbl>
+  <dgm:styleLbl name="parChTrans1D4">
+    <dgm:scene3d>
+      <a:camera prst="orthographicFront"/>
+      <a:lightRig rig="threePt" dir="t"/>
+    </dgm:scene3d>
+    <dgm:sp3d/>
+    <dgm:txPr/>
+    <dgm:style>
+      <a:lnRef idx="2">
+        <a:scrgbClr r="0" g="0" b="0"/>
+      </a:lnRef>
+      <a:fillRef idx="0">
+        <a:scrgbClr r="0" g="0" b="0"/>
+      </a:fillRef>
+      <a:effectRef idx="0">
+        <a:scrgbClr r="0" g="0" b="0"/>
+      </a:effectRef>
+      <a:fontRef idx="minor"/>
+    </dgm:style>
+  </dgm:styleLbl>
+  <dgm:styleLbl name="fgAcc1">
+    <dgm:scene3d>
+      <a:camera prst="orthographicFront"/>
+      <a:lightRig rig="threePt" dir="t"/>
+    </dgm:scene3d>
+    <dgm:sp3d/>
+    <dgm:txPr/>
+    <dgm:style>
+      <a:lnRef idx="2">
+        <a:scrgbClr r="0" g="0" b="0"/>
+      </a:lnRef>
+      <a:fillRef idx="1">
+        <a:scrgbClr r="0" g="0" b="0"/>
+      </a:fillRef>
+      <a:effectRef idx="0">
+        <a:scrgbClr r="0" g="0" b="0"/>
+      </a:effectRef>
+      <a:fontRef idx="minor"/>
+    </dgm:style>
+  </dgm:styleLbl>
+  <dgm:styleLbl name="conFgAcc1">
+    <dgm:scene3d>
+      <a:camera prst="orthographicFront"/>
+      <a:lightRig rig="threePt" dir="t"/>
+    </dgm:scene3d>
+    <dgm:sp3d/>
+    <dgm:txPr/>
+    <dgm:style>
+      <a:lnRef idx="2">
+        <a:scrgbClr r="0" g="0" b="0"/>
+      </a:lnRef>
+      <a:fillRef idx="1">
+        <a:scrgbClr r="0" g="0" b="0"/>
+      </a:fillRef>
+      <a:effectRef idx="0">
+        <a:scrgbClr r="0" g="0" b="0"/>
+      </a:effectRef>
+      <a:fontRef idx="minor"/>
+    </dgm:style>
+  </dgm:styleLbl>
+  <dgm:styleLbl name="alignAcc1">
+    <dgm:scene3d>
+      <a:camera prst="orthographicFront"/>
+      <a:lightRig rig="threePt" dir="t"/>
+    </dgm:scene3d>
+    <dgm:sp3d/>
+    <dgm:txPr/>
+    <dgm:style>
+      <a:lnRef idx="2">
+        <a:scrgbClr r="0" g="0" b="0"/>
+      </a:lnRef>
+      <a:fillRef idx="1">
+        <a:scrgbClr r="0" g="0" b="0"/>
+      </a:fillRef>
+      <a:effectRef idx="0">
+        <a:scrgbClr r="0" g="0" b="0"/>
+      </a:effectRef>
+      <a:fontRef idx="minor"/>
+    </dgm:style>
+  </dgm:styleLbl>
+  <dgm:styleLbl name="trAlignAcc1">
+    <dgm:scene3d>
+      <a:camera prst="orthographicFront"/>
+      <a:lightRig rig="threePt" dir="t"/>
+    </dgm:scene3d>
+    <dgm:sp3d/>
+    <dgm:txPr/>
+    <dgm:style>
+      <a:lnRef idx="1">
+        <a:scrgbClr r="0" g="0" b="0"/>
+      </a:lnRef>
+      <a:fillRef idx="1">
+        <a:scrgbClr r="0" g="0" b="0"/>
+      </a:fillRef>
+      <a:effectRef idx="0">
+        <a:scrgbClr r="0" g="0" b="0"/>
+      </a:effectRef>
+      <a:fontRef idx="minor"/>
+    </dgm:style>
+  </dgm:styleLbl>
+  <dgm:styleLbl name="bgAcc1">
+    <dgm:scene3d>
+      <a:camera prst="orthographicFront"/>
+      <a:lightRig rig="threePt" dir="t"/>
+    </dgm:scene3d>
+    <dgm:sp3d/>
+    <dgm:txPr/>
+    <dgm:style>
+      <a:lnRef idx="2">
+        <a:scrgbClr r="0" g="0" b="0"/>
+      </a:lnRef>
+      <a:fillRef idx="1">
+        <a:scrgbClr r="0" g="0" b="0"/>
+      </a:fillRef>
+      <a:effectRef idx="0">
+        <a:scrgbClr r="0" g="0" b="0"/>
+      </a:effectRef>
+      <a:fontRef idx="minor"/>
+    </dgm:style>
+  </dgm:styleLbl>
+  <dgm:styleLbl name="solidFgAcc1">
+    <dgm:scene3d>
+      <a:camera prst="orthographicFront"/>
+      <a:lightRig rig="threePt" dir="t"/>
+    </dgm:scene3d>
+    <dgm:sp3d/>
+    <dgm:txPr/>
+    <dgm:style>
+      <a:lnRef idx="2">
+        <a:scrgbClr r="0" g="0" b="0"/>
+      </a:lnRef>
+      <a:fillRef idx="1">
+        <a:scrgbClr r="0" g="0" b="0"/>
+      </a:fillRef>
+      <a:effectRef idx="0">
+        <a:scrgbClr r="0" g="0" b="0"/>
+      </a:effectRef>
+      <a:fontRef idx="minor"/>
+    </dgm:style>
+  </dgm:styleLbl>
+  <dgm:styleLbl name="solidAlignAcc1">
+    <dgm:scene3d>
+      <a:camera prst="orthographicFront"/>
+      <a:lightRig rig="threePt" dir="t"/>
+    </dgm:scene3d>
+    <dgm:sp3d/>
+    <dgm:txPr/>
+    <dgm:style>
+      <a:lnRef idx="2">
+        <a:scrgbClr r="0" g="0" b="0"/>
+      </a:lnRef>
+      <a:fillRef idx="1">
+        <a:scrgbClr r="0" g="0" b="0"/>
+      </a:fillRef>
+      <a:effectRef idx="0">
+        <a:scrgbClr r="0" g="0" b="0"/>
+      </a:effectRef>
+      <a:fontRef idx="minor"/>
+    </dgm:style>
+  </dgm:styleLbl>
+  <dgm:styleLbl name="solidBgAcc1">
+    <dgm:scene3d>
+      <a:camera prst="orthographicFront"/>
+      <a:lightRig rig="threePt" dir="t"/>
+    </dgm:scene3d>
+    <dgm:sp3d/>
+    <dgm:txPr/>
+    <dgm:style>
+      <a:lnRef idx="2">
+        <a:scrgbClr r="0" g="0" b="0"/>
+      </a:lnRef>
+      <a:fillRef idx="1">
+        <a:scrgbClr r="0" g="0" b="0"/>
+      </a:fillRef>
+      <a:effectRef idx="0">
+        <a:scrgbClr r="0" g="0" b="0"/>
+      </a:effectRef>
+      <a:fontRef idx="minor"/>
+    </dgm:style>
+  </dgm:styleLbl>
+  <dgm:styleLbl name="fgAccFollowNode1">
+    <dgm:scene3d>
+      <a:camera prst="orthographicFront"/>
+      <a:lightRig rig="threePt" dir="t"/>
+    </dgm:scene3d>
+    <dgm:sp3d/>
+    <dgm:txPr/>
+    <dgm:style>
+      <a:lnRef idx="2">
+        <a:scrgbClr r="0" g="0" b="0"/>
+      </a:lnRef>
+      <a:fillRef idx="1">
+        <a:scrgbClr r="0" g="0" b="0"/>
+      </a:fillRef>
+      <a:effectRef idx="0">
+        <a:scrgbClr r="0" g="0" b="0"/>
+      </a:effectRef>
+      <a:fontRef idx="minor"/>
+    </dgm:style>
+  </dgm:styleLbl>
+  <dgm:styleLbl name="alignAccFollowNode1">
+    <dgm:scene3d>
+      <a:camera prst="orthographicFront"/>
+      <a:lightRig rig="threePt" dir="t"/>
+    </dgm:scene3d>
+    <dgm:sp3d/>
+    <dgm:txPr/>
+    <dgm:style>
+      <a:lnRef idx="2">
+        <a:scrgbClr r="0" g="0" b="0"/>
+      </a:lnRef>
+      <a:fillRef idx="1">
+        <a:scrgbClr r="0" g="0" b="0"/>
+      </a:fillRef>
+      <a:effectRef idx="0">
+        <a:scrgbClr r="0" g="0" b="0"/>
+      </a:effectRef>
+      <a:fontRef idx="minor"/>
+    </dgm:style>
+  </dgm:styleLbl>
+  <dgm:styleLbl name="bgAccFollowNode1">
+    <dgm:scene3d>
+      <a:camera prst="orthographicFront"/>
+      <a:lightRig rig="threePt" dir="t"/>
+    </dgm:scene3d>
+    <dgm:sp3d/>
+    <dgm:txPr/>
+    <dgm:style>
+      <a:lnRef idx="2">
+        <a:scrgbClr r="0" g="0" b="0"/>
+      </a:lnRef>
+      <a:fillRef idx="1">
+        <a:scrgbClr r="0" g="0" b="0"/>
+      </a:fillRef>
+      <a:effectRef idx="0">
+        <a:scrgbClr r="0" g="0" b="0"/>
+      </a:effectRef>
+      <a:fontRef idx="minor"/>
+    </dgm:style>
+  </dgm:styleLbl>
+  <dgm:styleLbl name="fgAcc0">
+    <dgm:scene3d>
+      <a:camera prst="orthographicFront"/>
+      <a:lightRig rig="threePt" dir="t"/>
+    </dgm:scene3d>
+    <dgm:sp3d/>
+    <dgm:txPr/>
+    <dgm:style>
+      <a:lnRef idx="2">
+        <a:scrgbClr r="0" g="0" b="0"/>
+      </a:lnRef>
+      <a:fillRef idx="1">
+        <a:scrgbClr r="0" g="0" b="0"/>
+      </a:fillRef>
+      <a:effectRef idx="0">
+        <a:scrgbClr r="0" g="0" b="0"/>
+      </a:effectRef>
+      <a:fontRef idx="minor"/>
+    </dgm:style>
+  </dgm:styleLbl>
+  <dgm:styleLbl name="fgAcc2">
+    <dgm:scene3d>
+      <a:camera prst="orthographicFront"/>
+      <a:lightRig rig="threePt" dir="t"/>
+    </dgm:scene3d>
+    <dgm:sp3d/>
+    <dgm:txPr/>
+    <dgm:style>
+      <a:lnRef idx="2">
+        <a:scrgbClr r="0" g="0" b="0"/>
+      </a:lnRef>
+      <a:fillRef idx="1">
+        <a:scrgbClr r="0" g="0" b="0"/>
+      </a:fillRef>
+      <a:effectRef idx="0">
+        <a:scrgbClr r="0" g="0" b="0"/>
+      </a:effectRef>
+      <a:fontRef idx="minor"/>
+    </dgm:style>
+  </dgm:styleLbl>
+  <dgm:styleLbl name="fgAcc3">
+    <dgm:scene3d>
+      <a:camera prst="orthographicFront"/>
+      <a:lightRig rig="threePt" dir="t"/>
+    </dgm:scene3d>
+    <dgm:sp3d/>
+    <dgm:txPr/>
+    <dgm:style>
+      <a:lnRef idx="2">
+        <a:scrgbClr r="0" g="0" b="0"/>
+      </a:lnRef>
+      <a:fillRef idx="1">
+        <a:scrgbClr r="0" g="0" b="0"/>
+      </a:fillRef>
+      <a:effectRef idx="0">
+        <a:scrgbClr r="0" g="0" b="0"/>
+      </a:effectRef>
+      <a:fontRef idx="minor"/>
+    </dgm:style>
+  </dgm:styleLbl>
+  <dgm:styleLbl name="fgAcc4">
+    <dgm:scene3d>
+      <a:camera prst="orthographicFront"/>
+      <a:lightRig rig="threePt" dir="t"/>
+    </dgm:scene3d>
+    <dgm:sp3d/>
+    <dgm:txPr/>
+    <dgm:style>
+      <a:lnRef idx="2">
+        <a:scrgbClr r="0" g="0" b="0"/>
+      </a:lnRef>
+      <a:fillRef idx="1">
+        <a:scrgbClr r="0" g="0" b="0"/>
+      </a:fillRef>
+      <a:effectRef idx="0">
+        <a:scrgbClr r="0" g="0" b="0"/>
+      </a:effectRef>
+      <a:fontRef idx="minor"/>
+    </dgm:style>
+  </dgm:styleLbl>
+  <dgm:styleLbl name="bgShp">
+    <dgm:scene3d>
+      <a:camera prst="orthographicFront"/>
+      <a:lightRig rig="threePt" dir="t"/>
+    </dgm:scene3d>
+    <dgm:sp3d/>
+    <dgm:txPr/>
+    <dgm:style>
+      <a:lnRef idx="0">
+        <a:scrgbClr r="0" g="0" b="0"/>
+      </a:lnRef>
+      <a:fillRef idx="1">
+        <a:scrgbClr r="0" g="0" b="0"/>
+      </a:fillRef>
+      <a:effectRef idx="0">
+        <a:scrgbClr r="0" g="0" b="0"/>
+      </a:effectRef>
+      <a:fontRef idx="minor"/>
+    </dgm:style>
+  </dgm:styleLbl>
+  <dgm:styleLbl name="dkBgShp">
+    <dgm:scene3d>
+      <a:camera prst="orthographicFront"/>
+      <a:lightRig rig="threePt" dir="t"/>
+    </dgm:scene3d>
+    <dgm:sp3d/>
+    <dgm:txPr/>
+    <dgm:style>
+      <a:lnRef idx="0">
+        <a:scrgbClr r="0" g="0" b="0"/>
+      </a:lnRef>
+      <a:fillRef idx="1">
+        <a:scrgbClr r="0" g="0" b="0"/>
+      </a:fillRef>
+      <a:effectRef idx="0">
+        <a:scrgbClr r="0" g="0" b="0"/>
+      </a:effectRef>
+      <a:fontRef idx="minor"/>
+    </dgm:style>
+  </dgm:styleLbl>
+  <dgm:styleLbl name="trBgShp">
+    <dgm:scene3d>
+      <a:camera prst="orthographicFront"/>
+      <a:lightRig rig="threePt" dir="t"/>
+    </dgm:scene3d>
+    <dgm:sp3d/>
+    <dgm:txPr/>
+    <dgm:style>
+      <a:lnRef idx="0">
+        <a:scrgbClr r="0" g="0" b="0"/>
+      </a:lnRef>
+      <a:fillRef idx="1">
+        <a:scrgbClr r="0" g="0" b="0"/>
+      </a:fillRef>
+      <a:effectRef idx="0">
+        <a:scrgbClr r="0" g="0" b="0"/>
+      </a:effectRef>
+      <a:fontRef idx="minor"/>
+    </dgm:style>
+  </dgm:styleLbl>
+  <dgm:styleLbl name="fgShp">
+    <dgm:scene3d>
+      <a:camera prst="orthographicFront"/>
+      <a:lightRig rig="threePt" dir="t"/>
+    </dgm:scene3d>
+    <dgm:sp3d/>
+    <dgm:txPr/>
+    <dgm:style>
+      <a:lnRef idx="2">
+        <a:scrgbClr r="0" g="0" b="0"/>
+      </a:lnRef>
+      <a:fillRef idx="1">
+        <a:scrgbClr r="0" g="0" b="0"/>
+      </a:fillRef>
+      <a:effectRef idx="0">
+        <a:scrgbClr r="0" g="0" b="0"/>
+      </a:effectRef>
+      <a:fontRef idx="minor"/>
+    </dgm:style>
+  </dgm:styleLbl>
+  <dgm:styleLbl name="revTx">
+    <dgm:scene3d>
+      <a:camera prst="orthographicFront"/>
+      <a:lightRig rig="threePt" dir="t"/>
+    </dgm:scene3d>
+    <dgm:sp3d/>
+    <dgm:txPr/>
+    <dgm:style>
+      <a:lnRef idx="0">
+        <a:scrgbClr r="0" g="0" b="0"/>
+      </a:lnRef>
+      <a:fillRef idx="0">
+        <a:scrgbClr r="0" g="0" b="0"/>
+      </a:fillRef>
+      <a:effectRef idx="0">
+        <a:scrgbClr r="0" g="0" b="0"/>
+      </a:effectRef>
+      <a:fontRef idx="minor"/>
+    </dgm:style>
+  </dgm:styleLbl>
+</dgm:styleDef>
+</file>
+
 <file path=ppt/slideLayouts/slideLayout1.xml><?xml version="1.0" encoding="utf-8"?>
 <p:sldLayout xmlns:a="http://schemas.openxmlformats.org/drawingml/2006/main" xmlns:r="http://schemas.openxmlformats.org/officeDocument/2006/relationships" xmlns:p="http://schemas.openxmlformats.org/presentationml/2006/main" showMasterSp="0" type="title" preserve="1">
   <p:cSld name="Title Slide">
@@ -326,7 +4197,7 @@
           <a:p>
             <a:fld id="{2067AEE8-D48F-4071-B653-3AA4E1F29EFC}" type="datetimeFigureOut">
               <a:rPr lang="en-US" smtClean="0"/>
-              <a:t>5/4/2016</a:t>
+              <a:t>5/5/2016</a:t>
             </a:fld>
             <a:endParaRPr lang="en-US"/>
           </a:p>
@@ -501,7 +4372,7 @@
           <a:p>
             <a:fld id="{2067AEE8-D48F-4071-B653-3AA4E1F29EFC}" type="datetimeFigureOut">
               <a:rPr lang="en-US" smtClean="0"/>
-              <a:t>5/4/2016</a:t>
+              <a:t>5/5/2016</a:t>
             </a:fld>
             <a:endParaRPr lang="en-US"/>
           </a:p>
@@ -724,7 +4595,7 @@
           <a:p>
             <a:fld id="{2067AEE8-D48F-4071-B653-3AA4E1F29EFC}" type="datetimeFigureOut">
               <a:rPr lang="en-US" smtClean="0"/>
-              <a:t>5/4/2016</a:t>
+              <a:t>5/5/2016</a:t>
             </a:fld>
             <a:endParaRPr lang="en-US"/>
           </a:p>
@@ -909,7 +4780,7 @@
           <a:p>
             <a:fld id="{2067AEE8-D48F-4071-B653-3AA4E1F29EFC}" type="datetimeFigureOut">
               <a:rPr lang="en-US" smtClean="0"/>
-              <a:t>5/4/2016</a:t>
+              <a:t>5/5/2016</a:t>
             </a:fld>
             <a:endParaRPr lang="en-US"/>
           </a:p>
@@ -1210,7 +5081,7 @@
           <a:p>
             <a:fld id="{2067AEE8-D48F-4071-B653-3AA4E1F29EFC}" type="datetimeFigureOut">
               <a:rPr lang="en-US" smtClean="0"/>
-              <a:t>5/4/2016</a:t>
+              <a:t>5/5/2016</a:t>
             </a:fld>
             <a:endParaRPr lang="en-US"/>
           </a:p>
@@ -1519,7 +5390,7 @@
           <a:p>
             <a:fld id="{2067AEE8-D48F-4071-B653-3AA4E1F29EFC}" type="datetimeFigureOut">
               <a:rPr lang="en-US" smtClean="0"/>
-              <a:t>5/4/2016</a:t>
+              <a:t>5/5/2016</a:t>
             </a:fld>
             <a:endParaRPr lang="en-US"/>
           </a:p>
@@ -1946,7 +5817,7 @@
           <a:p>
             <a:fld id="{2067AEE8-D48F-4071-B653-3AA4E1F29EFC}" type="datetimeFigureOut">
               <a:rPr lang="en-US" smtClean="0"/>
-              <a:t>5/4/2016</a:t>
+              <a:t>5/5/2016</a:t>
             </a:fld>
             <a:endParaRPr lang="en-US"/>
           </a:p>
@@ -2069,7 +5940,7 @@
           <a:p>
             <a:fld id="{2067AEE8-D48F-4071-B653-3AA4E1F29EFC}" type="datetimeFigureOut">
               <a:rPr lang="en-US" smtClean="0"/>
-              <a:t>5/4/2016</a:t>
+              <a:t>5/5/2016</a:t>
             </a:fld>
             <a:endParaRPr lang="en-US"/>
           </a:p>
@@ -2164,7 +6035,7 @@
           <a:p>
             <a:fld id="{2067AEE8-D48F-4071-B653-3AA4E1F29EFC}" type="datetimeFigureOut">
               <a:rPr lang="en-US" smtClean="0"/>
-              <a:t>5/4/2016</a:t>
+              <a:t>5/5/2016</a:t>
             </a:fld>
             <a:endParaRPr lang="en-US"/>
           </a:p>
@@ -2442,7 +6313,7 @@
           <a:p>
             <a:fld id="{2067AEE8-D48F-4071-B653-3AA4E1F29EFC}" type="datetimeFigureOut">
               <a:rPr lang="en-US" smtClean="0"/>
-              <a:t>5/4/2016</a:t>
+              <a:t>5/5/2016</a:t>
             </a:fld>
             <a:endParaRPr lang="en-US"/>
           </a:p>
@@ -2712,7 +6583,7 @@
           <a:p>
             <a:fld id="{2067AEE8-D48F-4071-B653-3AA4E1F29EFC}" type="datetimeFigureOut">
               <a:rPr lang="en-US" smtClean="0"/>
-              <a:t>5/4/2016</a:t>
+              <a:t>5/5/2016</a:t>
             </a:fld>
             <a:endParaRPr lang="en-US"/>
           </a:p>
@@ -2961,7 +6832,7 @@
           <a:p>
             <a:fld id="{2067AEE8-D48F-4071-B653-3AA4E1F29EFC}" type="datetimeFigureOut">
               <a:rPr lang="en-US" smtClean="0"/>
-              <a:t>5/4/2016</a:t>
+              <a:t>5/5/2016</a:t>
             </a:fld>
             <a:endParaRPr lang="en-US"/>
           </a:p>
@@ -3736,8 +7607,13 @@
             </a:pPr>
             <a:r>
               <a:rPr lang="en-US" dirty="0" smtClean="0"/>
-              <a:t>After connecting, we can send data to the server and wait for a reply. Once we receive a reply we can parse the data that it returned and do what we need for it.</a:t>
-            </a:r>
+              <a:t>After connecting, we can send data to the server and wait for a reply. Once we receive a reply we can parse the data that it returned and do what we need for it</a:t>
+            </a:r>
+            <a:r>
+              <a:rPr lang="en-US" dirty="0" smtClean="0"/>
+              <a:t>. We don’t always have to wait for a reply though, we can keep sending or do whatever we want.</a:t>
+            </a:r>
+            <a:endParaRPr lang="en-US" dirty="0" smtClean="0"/>
           </a:p>
           <a:p>
             <a:pPr marL="0" indent="0">
@@ -4101,23 +7977,11 @@
             </a:pPr>
             <a:r>
               <a:rPr lang="en-US" dirty="0" smtClean="0"/>
-              <a:t>I used multithreading in this application so that the server </a:t>
-            </a:r>
-            <a:r>
-              <a:rPr lang="en-US" dirty="0" smtClean="0"/>
-              <a:t>can </a:t>
-            </a:r>
-            <a:r>
-              <a:rPr lang="en-US" dirty="0" smtClean="0"/>
-              <a:t>maintain multiple </a:t>
+              <a:t>I used multithreading in this application so that the server can maintain multiple </a:t>
             </a:r>
             <a:r>
               <a:rPr lang="en-US" smtClean="0"/>
-              <a:t>new </a:t>
-            </a:r>
-            <a:r>
-              <a:rPr lang="en-US" smtClean="0"/>
-              <a:t>connections.</a:t>
+              <a:t>new connections.</a:t>
             </a:r>
             <a:endParaRPr lang="en-US" dirty="0"/>
           </a:p>
@@ -4355,7 +8219,7 @@
           <a:p>
             <a:r>
               <a:rPr lang="en-US" dirty="0" smtClean="0"/>
-              <a:t>Client/server operations</a:t>
+              <a:t>modularity</a:t>
             </a:r>
             <a:endParaRPr lang="en-US" dirty="0"/>
           </a:p>
@@ -4373,17 +8237,100 @@
         </p:nvSpPr>
         <p:spPr/>
         <p:txBody>
-          <a:bodyPr/>
+          <a:bodyPr>
+            <a:normAutofit lnSpcReduction="10000"/>
+          </a:bodyPr>
           <a:lstStyle/>
           <a:p>
-            <a:endParaRPr lang="en-US"/>
+            <a:pPr marL="0" indent="0">
+              <a:buNone/>
+            </a:pPr>
+            <a:r>
+              <a:rPr lang="en-US" dirty="0" smtClean="0"/>
+              <a:t>The Project in its current state is what I would call “pseudo-modularity”. Most of its moving parts are separate and all of the components that act as a server/client can be loaded in. The main problem is that most of the different project components don’t work / don’t make sense without each other. Normally, with object oriented programming, you want to have each class separate and contrived so that don’t rely on each other, but rather work in use of each other and are able to be adapted into something else later.</a:t>
+            </a:r>
+          </a:p>
+          <a:p>
+            <a:pPr marL="0" indent="0">
+              <a:buNone/>
+            </a:pPr>
+            <a:r>
+              <a:rPr lang="en-US" dirty="0" smtClean="0"/>
+              <a:t>For example:</a:t>
+            </a:r>
+          </a:p>
+          <a:p>
+            <a:pPr marL="0" indent="0">
+              <a:buNone/>
+            </a:pPr>
+            <a:r>
+              <a:rPr lang="en-US" dirty="0" smtClean="0"/>
+              <a:t>	</a:t>
+            </a:r>
+            <a:r>
+              <a:rPr lang="en-US" dirty="0" err="1" smtClean="0"/>
+              <a:t>ServerList.cs</a:t>
+            </a:r>
+            <a:r>
+              <a:rPr lang="en-US" dirty="0" smtClean="0"/>
+              <a:t>  primary function is to manage (</a:t>
+            </a:r>
+            <a:r>
+              <a:rPr lang="en-US" dirty="0" err="1" smtClean="0"/>
+              <a:t>add,delete,list,etc</a:t>
+            </a:r>
+            <a:r>
+              <a:rPr lang="en-US" dirty="0" smtClean="0"/>
+              <a:t>.) server names and configuration file locations. But </a:t>
+            </a:r>
+            <a:r>
+              <a:rPr lang="en-US" dirty="0" err="1" smtClean="0"/>
+              <a:t>ServerList.cs</a:t>
+            </a:r>
+            <a:r>
+              <a:rPr lang="en-US" dirty="0" smtClean="0"/>
+              <a:t> needs to use instances of the class </a:t>
+            </a:r>
+            <a:r>
+              <a:rPr lang="en-US" dirty="0" err="1" smtClean="0"/>
+              <a:t>ServerInit.cs</a:t>
+            </a:r>
+            <a:r>
+              <a:rPr lang="en-US" dirty="0" smtClean="0"/>
+              <a:t> (which deals with the creation of servers) for different properties or methods. Instead it would be better if these two worked separately and the things that </a:t>
+            </a:r>
+            <a:r>
+              <a:rPr lang="en-US" dirty="0" err="1" smtClean="0"/>
+              <a:t>ServerList.cs</a:t>
+            </a:r>
+            <a:r>
+              <a:rPr lang="en-US" dirty="0" smtClean="0"/>
+              <a:t> needs to do with </a:t>
+            </a:r>
+            <a:r>
+              <a:rPr lang="en-US" dirty="0" err="1" smtClean="0"/>
+              <a:t>ServerInit.cs</a:t>
+            </a:r>
+            <a:r>
+              <a:rPr lang="en-US" dirty="0" smtClean="0"/>
+              <a:t> would be done in </a:t>
+            </a:r>
+            <a:r>
+              <a:rPr lang="en-US" dirty="0" err="1" smtClean="0"/>
+              <a:t>ServerInit.cs</a:t>
+            </a:r>
+            <a:r>
+              <a:rPr lang="en-US" dirty="0" smtClean="0"/>
+              <a:t> (and vice versa).</a:t>
+            </a:r>
+            <a:endParaRPr lang="en-US" dirty="0"/>
           </a:p>
         </p:txBody>
       </p:sp>
     </p:spTree>
     <p:extLst>
       <p:ext uri="{BB962C8B-B14F-4D97-AF65-F5344CB8AC3E}">
-        <p14:creationId xmlns:p14="http://schemas.microsoft.com/office/powerpoint/2010/main" val="3533089658"/>
+        <p14:creationId xmlns:p14="http://schemas.microsoft.com/office/powerpoint/2010/main" val="781319782"/>
       </p:ext>
     </p:extLst>
   </p:cSld>
@@ -4434,7 +8381,7 @@
           <a:p>
             <a:r>
               <a:rPr lang="en-US" dirty="0" smtClean="0"/>
-              <a:t>modularity</a:t>
+              <a:t>Command system</a:t>
             </a:r>
             <a:endParaRPr lang="en-US" dirty="0"/>
           </a:p>
@@ -4455,14 +8402,74 @@
           <a:bodyPr/>
           <a:lstStyle/>
           <a:p>
-            <a:endParaRPr lang="en-US"/>
+            <a:pPr marL="0" indent="0">
+              <a:buNone/>
+            </a:pPr>
+            <a:r>
+              <a:rPr lang="en-US" dirty="0" smtClean="0"/>
+              <a:t>Each command is represented by a class and implements the Interface named </a:t>
+            </a:r>
+            <a:r>
+              <a:rPr lang="en-US" dirty="0" err="1" smtClean="0"/>
+              <a:t>ICommand.cs</a:t>
+            </a:r>
+            <a:endParaRPr lang="en-US" dirty="0" smtClean="0"/>
+          </a:p>
+          <a:p>
+            <a:pPr marL="0" indent="0">
+              <a:buNone/>
+            </a:pPr>
+            <a:endParaRPr lang="en-US" dirty="0"/>
+          </a:p>
+          <a:p>
+            <a:pPr marL="0" indent="0">
+              <a:buNone/>
+            </a:pPr>
+            <a:r>
+              <a:rPr lang="en-US" dirty="0" smtClean="0"/>
+              <a:t>An interface defines a guideline classes that inherit it so that they implement and include the members of that interface</a:t>
+            </a:r>
+            <a:r>
+              <a:rPr lang="en-US" dirty="0"/>
+              <a:t>.</a:t>
+            </a:r>
+            <a:r>
+              <a:rPr lang="en-US" dirty="0" smtClean="0"/>
+              <a:t> </a:t>
+            </a:r>
+            <a:r>
+              <a:rPr lang="en-US" dirty="0"/>
+              <a:t>They're </a:t>
+            </a:r>
+            <a:r>
+              <a:rPr lang="en-US" dirty="0" smtClean="0"/>
+              <a:t>good for </a:t>
+            </a:r>
+            <a:r>
+              <a:rPr lang="en-US" dirty="0"/>
+              <a:t>putting together </a:t>
+            </a:r>
+            <a:r>
+              <a:rPr lang="en-US" dirty="0" smtClean="0"/>
+              <a:t>plug-n-play classes and grouping like classes. Classes can also be constructed from interfaces so I can use its interfaces as a argument to a method and pass in any class that implements that interface.</a:t>
+            </a:r>
+          </a:p>
+          <a:p>
+            <a:pPr marL="0" indent="0">
+              <a:buNone/>
+            </a:pPr>
+            <a:r>
+              <a:rPr lang="en-US" dirty="0" smtClean="0"/>
+              <a:t>Currently, I am only using this Interface as a guideline for my classes but I would like to use them to dynamically access commands.</a:t>
+            </a:r>
+            <a:endParaRPr lang="en-US" dirty="0"/>
           </a:p>
         </p:txBody>
       </p:sp>
     </p:spTree>
     <p:extLst>
       <p:ext uri="{BB962C8B-B14F-4D97-AF65-F5344CB8AC3E}">
-        <p14:creationId xmlns:p14="http://schemas.microsoft.com/office/powerpoint/2010/main" val="781319782"/>
+        <p14:creationId xmlns:p14="http://schemas.microsoft.com/office/powerpoint/2010/main" val="2693009038"/>
       </p:ext>
     </p:extLst>
   </p:cSld>
@@ -4512,36 +8519,46 @@
           <a:lstStyle/>
           <a:p>
             <a:r>
-              <a:rPr lang="en-US" dirty="0" smtClean="0"/>
-              <a:t>Command system</a:t>
+              <a:rPr lang="en-US" dirty="0" err="1" smtClean="0"/>
+              <a:t>Icommand.cs</a:t>
             </a:r>
             <a:endParaRPr lang="en-US" dirty="0"/>
           </a:p>
         </p:txBody>
       </p:sp>
-      <p:sp>
-        <p:nvSpPr>
-          <p:cNvPr id="3" name="Content Placeholder 2"/>
-          <p:cNvSpPr>
-            <a:spLocks noGrp="1"/>
-          </p:cNvSpPr>
+      <p:pic>
+        <p:nvPicPr>
+          <p:cNvPr id="4" name="Content Placeholder 3"/>
+          <p:cNvPicPr>
+            <a:picLocks noGrp="1" noChangeAspect="1"/>
+          </p:cNvPicPr>
           <p:nvPr>
             <p:ph idx="1"/>
           </p:nvPr>
-        </p:nvSpPr>
-        <p:spPr/>
-        <p:txBody>
-          <a:bodyPr/>
-          <a:lstStyle/>
-          <a:p>
-            <a:endParaRPr lang="en-US"/>
-          </a:p>
-        </p:txBody>
-      </p:sp>
+        </p:nvPicPr>
+        <p:blipFill>
+          <a:blip r:embed="rId2">
+            <a:extLst>
+              <a:ext uri="{28A0092B-C50C-407E-A947-70E740481C1C}">
+                <a14:useLocalDpi xmlns:a14="http://schemas.microsoft.com/office/drawing/2010/main" val="0"/>
+              </a:ext>
+            </a:extLst>
+          </a:blip>
+          <a:stretch>
+            <a:fillRect/>
+          </a:stretch>
+        </p:blipFill>
+        <p:spPr>
+          <a:xfrm>
+            <a:off x="1001943" y="2328619"/>
+            <a:ext cx="8078327" cy="3496163"/>
+          </a:xfrm>
+        </p:spPr>
+      </p:pic>
     </p:spTree>
     <p:extLst>
       <p:ext uri="{BB962C8B-B14F-4D97-AF65-F5344CB8AC3E}">
-        <p14:creationId xmlns:p14="http://schemas.microsoft.com/office/powerpoint/2010/main" val="2693009038"/>
+        <p14:creationId xmlns:p14="http://schemas.microsoft.com/office/powerpoint/2010/main" val="3446929223"/>
       </p:ext>
     </p:extLst>
   </p:cSld>
@@ -4592,7 +8609,7 @@
           <a:p>
             <a:r>
               <a:rPr lang="en-US" dirty="0" smtClean="0"/>
-              <a:t>Server commands</a:t>
+              <a:t>commands</a:t>
             </a:r>
             <a:endParaRPr lang="en-US" dirty="0"/>
           </a:p>
@@ -4610,17 +8627,156 @@
         </p:nvSpPr>
         <p:spPr/>
         <p:txBody>
-          <a:bodyPr/>
+          <a:bodyPr>
+            <a:normAutofit fontScale="85000" lnSpcReduction="20000"/>
+          </a:bodyPr>
           <a:lstStyle/>
           <a:p>
+            <a:pPr marL="0" indent="0">
+              <a:buNone/>
+            </a:pPr>
+            <a:r>
+              <a:rPr lang="en-US" dirty="0" smtClean="0"/>
+              <a:t>The server includes the following commands:</a:t>
+            </a:r>
+          </a:p>
+          <a:p>
+            <a:pPr marL="0" indent="0">
+              <a:buNone/>
+            </a:pPr>
+            <a:r>
+              <a:rPr lang="en-US" dirty="0"/>
+              <a:t>c</a:t>
+            </a:r>
+            <a:r>
+              <a:rPr lang="en-US" dirty="0" smtClean="0"/>
+              <a:t>lear - Clears the buffer of any text. : Alias = </a:t>
+            </a:r>
+            <a:r>
+              <a:rPr lang="en-US" dirty="0" err="1" smtClean="0"/>
+              <a:t>cls</a:t>
+            </a:r>
+            <a:endParaRPr lang="en-US" dirty="0" smtClean="0"/>
+          </a:p>
+          <a:p>
+            <a:pPr marL="0" indent="0">
+              <a:buNone/>
+            </a:pPr>
+            <a:r>
+              <a:rPr lang="en-US" dirty="0" smtClean="0"/>
+              <a:t>create - starts the creation dialog for a new server : Alias = None</a:t>
+            </a:r>
+          </a:p>
+          <a:p>
+            <a:pPr marL="0" indent="0">
+              <a:buNone/>
+            </a:pPr>
+            <a:r>
+              <a:rPr lang="en-US" dirty="0"/>
+              <a:t>d</a:t>
+            </a:r>
+            <a:r>
+              <a:rPr lang="en-US" dirty="0" smtClean="0"/>
+              <a:t>elete -  deletes a server by name : Alias = </a:t>
+            </a:r>
+            <a:r>
+              <a:rPr lang="en-US" dirty="0" err="1" smtClean="0"/>
+              <a:t>rm</a:t>
+            </a:r>
+            <a:endParaRPr lang="en-US" dirty="0" smtClean="0"/>
+          </a:p>
+          <a:p>
+            <a:pPr marL="0" indent="0">
+              <a:buNone/>
+            </a:pPr>
+            <a:r>
+              <a:rPr lang="en-US" dirty="0" smtClean="0"/>
+              <a:t>exit - closes out of the application : Alias = None</a:t>
+            </a:r>
             <a:endParaRPr lang="en-US" dirty="0"/>
+          </a:p>
+          <a:p>
+            <a:pPr marL="0" indent="0">
+              <a:buNone/>
+            </a:pPr>
+            <a:r>
+              <a:rPr lang="en-US" dirty="0"/>
+              <a:t>h</a:t>
+            </a:r>
+            <a:r>
+              <a:rPr lang="en-US" dirty="0" smtClean="0"/>
+              <a:t>elp - displays info about commands : Alias = None</a:t>
+            </a:r>
+          </a:p>
+          <a:p>
+            <a:pPr marL="0" indent="0">
+              <a:buNone/>
+            </a:pPr>
+            <a:r>
+              <a:rPr lang="en-US" dirty="0" smtClean="0"/>
+              <a:t>ping - does a simple to a specified address : Alias = None</a:t>
+            </a:r>
+          </a:p>
+          <a:p>
+            <a:pPr marL="0" indent="0">
+              <a:buNone/>
+            </a:pPr>
+            <a:r>
+              <a:rPr lang="en-US" dirty="0" err="1" smtClean="0"/>
+              <a:t>Slist</a:t>
+            </a:r>
+            <a:r>
+              <a:rPr lang="en-US" dirty="0"/>
+              <a:t> </a:t>
+            </a:r>
+            <a:r>
+              <a:rPr lang="en-US" dirty="0" smtClean="0"/>
+              <a:t>– show a list of servers being used : Alias = ls</a:t>
+            </a:r>
+          </a:p>
+          <a:p>
+            <a:pPr marL="0" indent="0">
+              <a:buNone/>
+            </a:pPr>
+            <a:r>
+              <a:rPr lang="en-US" dirty="0"/>
+              <a:t>s</a:t>
+            </a:r>
+            <a:r>
+              <a:rPr lang="en-US" dirty="0" smtClean="0"/>
+              <a:t>tart – starts a server by name : Alias = None</a:t>
+            </a:r>
+          </a:p>
+          <a:p>
+            <a:pPr marL="0" indent="0">
+              <a:buNone/>
+            </a:pPr>
+            <a:r>
+              <a:rPr lang="en-US" dirty="0" smtClean="0"/>
+              <a:t>View – Show the configuration of the server : Alias = None</a:t>
+            </a:r>
+          </a:p>
+          <a:p>
+            <a:pPr marL="0" indent="0">
+              <a:buNone/>
+            </a:pPr>
+            <a:r>
+              <a:rPr lang="en-US" dirty="0" smtClean="0"/>
+              <a:t>Alias – Show all alias’s : Alias = None</a:t>
+            </a:r>
+          </a:p>
+          <a:p>
+            <a:pPr marL="0" indent="0">
+              <a:buNone/>
+            </a:pPr>
+            <a:endParaRPr lang="en-US" dirty="0" smtClean="0"/>
           </a:p>
         </p:txBody>
       </p:sp>
     </p:spTree>
     <p:extLst>
       <p:ext uri="{BB962C8B-B14F-4D97-AF65-F5344CB8AC3E}">
-        <p14:creationId xmlns:p14="http://schemas.microsoft.com/office/powerpoint/2010/main" val="2669686132"/>
+        <p14:creationId xmlns:p14="http://schemas.microsoft.com/office/powerpoint/2010/main" val="411340321"/>
       </p:ext>
     </p:extLst>
   </p:cSld>
@@ -4729,6 +8885,12 @@
               <a:rPr lang="en-US" dirty="0" smtClean="0"/>
               <a:t>The project is still in a primordial state, therefore server applications are executed by plugging what could be regarded as server modules. I am in the process of optimizing it. </a:t>
             </a:r>
+            <a:endParaRPr lang="en-US" dirty="0" smtClean="0"/>
+          </a:p>
+          <a:p>
+            <a:pPr marL="0" indent="0">
+              <a:buNone/>
+            </a:pPr>
             <a:endParaRPr lang="en-US" dirty="0"/>
           </a:p>
         </p:txBody>
@@ -4780,14 +8942,19 @@
             <p:ph type="title"/>
           </p:nvPr>
         </p:nvSpPr>
-        <p:spPr/>
+        <p:spPr>
+          <a:xfrm>
+            <a:off x="1202919" y="284176"/>
+            <a:ext cx="9784080" cy="1508760"/>
+          </a:xfrm>
+        </p:spPr>
         <p:txBody>
           <a:bodyPr/>
           <a:lstStyle/>
           <a:p>
             <a:r>
               <a:rPr lang="en-US" dirty="0" smtClean="0"/>
-              <a:t>Example: Chat client/server</a:t>
+              <a:t>Command Explanations</a:t>
             </a:r>
             <a:endParaRPr lang="en-US" dirty="0"/>
           </a:p>
@@ -4808,14 +8975,46 @@
           <a:bodyPr/>
           <a:lstStyle/>
           <a:p>
-            <a:endParaRPr lang="en-US"/>
+            <a:pPr marL="0" indent="0">
+              <a:buNone/>
+            </a:pPr>
+            <a:r>
+              <a:rPr lang="en-US" dirty="0" smtClean="0"/>
+              <a:t>I wanted to create a system where someone could create and save server settings and access them later. Most of the other commands are supplements to that idea (</a:t>
+            </a:r>
+            <a:r>
+              <a:rPr lang="en-US" dirty="0" err="1" smtClean="0"/>
+              <a:t>slist</a:t>
+            </a:r>
+            <a:r>
+              <a:rPr lang="en-US" dirty="0" smtClean="0"/>
+              <a:t> so I can view the servers I’m working with, view to look at the configurations)</a:t>
+            </a:r>
+          </a:p>
+          <a:p>
+            <a:pPr marL="0" indent="0">
+              <a:buNone/>
+            </a:pPr>
+            <a:r>
+              <a:rPr lang="en-US" dirty="0" smtClean="0"/>
+              <a:t>While I was going along I decide to make several commands to help myself, like alias and ping. I just wanted to be able to use the ping command in program itself so I re-</a:t>
+            </a:r>
+            <a:r>
+              <a:rPr lang="en-US" dirty="0" err="1" smtClean="0"/>
+              <a:t>implimented</a:t>
+            </a:r>
+            <a:r>
+              <a:rPr lang="en-US" dirty="0" smtClean="0"/>
+              <a:t> it. The alias command is just there to help me remember command alias and would probably be removed in a shippable version.</a:t>
+            </a:r>
+            <a:endParaRPr lang="en-US" dirty="0"/>
           </a:p>
         </p:txBody>
       </p:sp>
     </p:spTree>
     <p:extLst>
       <p:ext uri="{BB962C8B-B14F-4D97-AF65-F5344CB8AC3E}">
-        <p14:creationId xmlns:p14="http://schemas.microsoft.com/office/powerpoint/2010/main" val="494801980"/>
+        <p14:creationId xmlns:p14="http://schemas.microsoft.com/office/powerpoint/2010/main" val="3684726785"/>
       </p:ext>
     </p:extLst>
   </p:cSld>
@@ -4866,35 +9065,41 @@
           <a:p>
             <a:r>
               <a:rPr lang="en-US" dirty="0" smtClean="0"/>
-              <a:t>What went wrong with the chat client</a:t>
+              <a:t>Server Structure</a:t>
             </a:r>
             <a:endParaRPr lang="en-US" dirty="0"/>
           </a:p>
         </p:txBody>
       </p:sp>
-      <p:sp>
-        <p:nvSpPr>
-          <p:cNvPr id="3" name="Content Placeholder 2"/>
-          <p:cNvSpPr>
-            <a:spLocks noGrp="1"/>
-          </p:cNvSpPr>
+      <p:graphicFrame>
+        <p:nvGraphicFramePr>
+          <p:cNvPr id="4" name="Content Placeholder 3"/>
+          <p:cNvGraphicFramePr>
+            <a:graphicFrameLocks noGrp="1"/>
+          </p:cNvGraphicFramePr>
           <p:nvPr>
             <p:ph idx="1"/>
-          </p:nvPr>
-        </p:nvSpPr>
-        <p:spPr/>
-        <p:txBody>
-          <a:bodyPr/>
-          <a:lstStyle/>
-          <a:p>
-            <a:endParaRPr lang="en-US"/>
-          </a:p>
-        </p:txBody>
-      </p:sp>
+            <p:extLst>
+              <p:ext uri="{D42A27DB-BD31-4B8C-83A1-F6EECF244321}">
+                <p14:modId xmlns:p14="http://schemas.microsoft.com/office/powerpoint/2010/main" val="3157726595"/>
+              </p:ext>
+            </p:extLst>
+          </p:nvPr>
+        </p:nvGraphicFramePr>
+        <p:xfrm>
+          <a:off x="1203325" y="2011363"/>
+          <a:ext cx="9783763" cy="4206875"/>
+        </p:xfrm>
+        <a:graphic>
+          <a:graphicData uri="http://schemas.openxmlformats.org/drawingml/2006/diagram">
+            <dgm:relIds xmlns:dgm="http://schemas.openxmlformats.org/drawingml/2006/diagram" xmlns:r="http://schemas.openxmlformats.org/officeDocument/2006/relationships" r:dm="rId2" r:lo="rId3" r:qs="rId4" r:cs="rId5"/>
+          </a:graphicData>
+        </a:graphic>
+      </p:graphicFrame>
     </p:spTree>
     <p:extLst>
       <p:ext uri="{BB962C8B-B14F-4D97-AF65-F5344CB8AC3E}">
-        <p14:creationId xmlns:p14="http://schemas.microsoft.com/office/powerpoint/2010/main" val="1299466181"/>
+        <p14:creationId xmlns:p14="http://schemas.microsoft.com/office/powerpoint/2010/main" val="2983873089"/>
       </p:ext>
     </p:extLst>
   </p:cSld>
@@ -4945,7 +9150,7 @@
           <a:p>
             <a:r>
               <a:rPr lang="en-US" dirty="0" smtClean="0"/>
-              <a:t>Example: file Client/Server</a:t>
+              <a:t>Client Examples</a:t>
             </a:r>
             <a:endParaRPr lang="en-US" dirty="0"/>
           </a:p>
@@ -4966,14 +9171,62 @@
           <a:bodyPr/>
           <a:lstStyle/>
           <a:p>
-            <a:endParaRPr lang="en-US"/>
+            <a:pPr marL="0" indent="0">
+              <a:buNone/>
+            </a:pPr>
+            <a:r>
+              <a:rPr lang="en-US" dirty="0" smtClean="0"/>
+              <a:t>Currently I have two examples for Client and Server Interaction.</a:t>
+            </a:r>
+          </a:p>
+          <a:p>
+            <a:pPr marL="0" indent="0">
+              <a:buNone/>
+            </a:pPr>
+            <a:endParaRPr lang="en-US" dirty="0"/>
+          </a:p>
+          <a:p>
+            <a:pPr marL="0" indent="0">
+              <a:buNone/>
+            </a:pPr>
+            <a:r>
+              <a:rPr lang="en-US" dirty="0" smtClean="0"/>
+              <a:t>The first is my unfinished chat client/server. The barebones logic of this is complete but there are several problems with it, that I will go over later.</a:t>
+            </a:r>
+          </a:p>
+          <a:p>
+            <a:pPr marL="0" indent="0">
+              <a:buNone/>
+            </a:pPr>
+            <a:endParaRPr lang="en-US" dirty="0"/>
+          </a:p>
+          <a:p>
+            <a:pPr marL="0" indent="0">
+              <a:buNone/>
+            </a:pPr>
+            <a:r>
+              <a:rPr lang="en-US" dirty="0" smtClean="0"/>
+              <a:t>The other example is a “dumb” file transfer client/server that mimics </a:t>
+            </a:r>
+            <a:r>
+              <a:rPr lang="en-US" dirty="0" err="1" smtClean="0"/>
+              <a:t>tftp</a:t>
+            </a:r>
+            <a:r>
+              <a:rPr lang="en-US" dirty="0"/>
+              <a:t>.</a:t>
+            </a:r>
+            <a:r>
+              <a:rPr lang="en-US" dirty="0" smtClean="0"/>
+              <a:t> </a:t>
+            </a:r>
           </a:p>
         </p:txBody>
       </p:sp>
     </p:spTree>
     <p:extLst>
       <p:ext uri="{BB962C8B-B14F-4D97-AF65-F5344CB8AC3E}">
-        <p14:creationId xmlns:p14="http://schemas.microsoft.com/office/powerpoint/2010/main" val="3729591562"/>
+        <p14:creationId xmlns:p14="http://schemas.microsoft.com/office/powerpoint/2010/main" val="2627913268"/>
       </p:ext>
     </p:extLst>
   </p:cSld>
@@ -5017,42 +9270,102 @@
             <p:ph type="title"/>
           </p:nvPr>
         </p:nvSpPr>
-        <p:spPr/>
-        <p:txBody>
-          <a:bodyPr/>
+        <p:spPr>
+          <a:xfrm>
+            <a:off x="6019801" y="279400"/>
+            <a:ext cx="5652998" cy="1508760"/>
+          </a:xfrm>
+        </p:spPr>
+        <p:txBody>
+          <a:bodyPr>
+            <a:normAutofit fontScale="90000"/>
+          </a:bodyPr>
           <a:lstStyle/>
           <a:p>
             <a:r>
               <a:rPr lang="en-US" dirty="0" smtClean="0"/>
-              <a:t>What I learned from the project</a:t>
+              <a:t>		Example</a:t>
+            </a:r>
+            <a:r>
+              <a:rPr lang="en-US" dirty="0" smtClean="0"/>
+              <a:t>: </a:t>
+            </a:r>
+            <a:r>
+              <a:rPr lang="en-US" dirty="0" smtClean="0"/>
+              <a:t>	Chat </a:t>
+            </a:r>
+            <a:r>
+              <a:rPr lang="en-US" dirty="0" smtClean="0"/>
+              <a:t>client/server</a:t>
             </a:r>
             <a:endParaRPr lang="en-US" dirty="0"/>
           </a:p>
         </p:txBody>
       </p:sp>
-      <p:sp>
-        <p:nvSpPr>
-          <p:cNvPr id="3" name="Content Placeholder 2"/>
-          <p:cNvSpPr>
-            <a:spLocks noGrp="1"/>
-          </p:cNvSpPr>
-          <p:nvPr>
-            <p:ph idx="1"/>
-          </p:nvPr>
-        </p:nvSpPr>
-        <p:spPr/>
-        <p:txBody>
-          <a:bodyPr/>
+      <p:pic>
+        <p:nvPicPr>
+          <p:cNvPr id="8" name="Picture 7"/>
+          <p:cNvPicPr>
+            <a:picLocks noChangeAspect="1"/>
+          </p:cNvPicPr>
+          <p:nvPr/>
+        </p:nvPicPr>
+        <p:blipFill>
+          <a:blip r:embed="rId2">
+            <a:extLst>
+              <a:ext uri="{28A0092B-C50C-407E-A947-70E740481C1C}">
+                <a14:useLocalDpi xmlns:a14="http://schemas.microsoft.com/office/drawing/2010/main" val="0"/>
+              </a:ext>
+            </a:extLst>
+          </a:blip>
+          <a:stretch>
+            <a:fillRect/>
+          </a:stretch>
+        </p:blipFill>
+        <p:spPr>
+          <a:xfrm>
+            <a:off x="0" y="0"/>
+            <a:ext cx="6374909" cy="6858000"/>
+          </a:xfrm>
+          <a:prstGeom prst="rect">
+            <a:avLst/>
+          </a:prstGeom>
+        </p:spPr>
+      </p:pic>
+      <p:sp>
+        <p:nvSpPr>
+          <p:cNvPr id="9" name="TextBox 8"/>
+          <p:cNvSpPr txBox="1"/>
+          <p:nvPr/>
+        </p:nvSpPr>
+        <p:spPr>
+          <a:xfrm>
+            <a:off x="6959600" y="3953748"/>
+            <a:ext cx="4572277" cy="369332"/>
+          </a:xfrm>
+          <a:prstGeom prst="rect">
+            <a:avLst/>
+          </a:prstGeom>
+          <a:noFill/>
+        </p:spPr>
+        <p:txBody>
+          <a:bodyPr wrap="none" rtlCol="0">
+            <a:spAutoFit/>
+          </a:bodyPr>
           <a:lstStyle/>
           <a:p>
-            <a:endParaRPr lang="en-US"/>
+            <a:r>
+              <a:rPr lang="en-US" dirty="0" smtClean="0"/>
+              <a:t>Test of a few commands and creating a server.</a:t>
+            </a:r>
+            <a:endParaRPr lang="en-US" dirty="0"/>
           </a:p>
         </p:txBody>
       </p:sp>
     </p:spTree>
     <p:extLst>
       <p:ext uri="{BB962C8B-B14F-4D97-AF65-F5344CB8AC3E}">
-        <p14:creationId xmlns:p14="http://schemas.microsoft.com/office/powerpoint/2010/main" val="955233686"/>
+        <p14:creationId xmlns:p14="http://schemas.microsoft.com/office/powerpoint/2010/main" val="494801980"/>
       </p:ext>
     </p:extLst>
   </p:cSld>
@@ -5096,42 +9409,72 @@
             <p:ph type="title"/>
           </p:nvPr>
         </p:nvSpPr>
-        <p:spPr/>
-        <p:txBody>
-          <a:bodyPr/>
+        <p:spPr>
+          <a:xfrm>
+            <a:off x="6019801" y="279400"/>
+            <a:ext cx="5652998" cy="1508760"/>
+          </a:xfrm>
+        </p:spPr>
+        <p:txBody>
+          <a:bodyPr>
+            <a:normAutofit fontScale="90000"/>
+          </a:bodyPr>
           <a:lstStyle/>
           <a:p>
             <a:r>
               <a:rPr lang="en-US" dirty="0" smtClean="0"/>
-              <a:t>What’s good</a:t>
+              <a:t>		Example</a:t>
+            </a:r>
+            <a:r>
+              <a:rPr lang="en-US" dirty="0" smtClean="0"/>
+              <a:t>: </a:t>
+            </a:r>
+            <a:r>
+              <a:rPr lang="en-US" dirty="0" smtClean="0"/>
+              <a:t>	Chat </a:t>
+            </a:r>
+            <a:r>
+              <a:rPr lang="en-US" dirty="0" smtClean="0"/>
+              <a:t>client/server</a:t>
             </a:r>
             <a:endParaRPr lang="en-US" dirty="0"/>
           </a:p>
         </p:txBody>
       </p:sp>
-      <p:sp>
-        <p:nvSpPr>
-          <p:cNvPr id="3" name="Content Placeholder 2"/>
-          <p:cNvSpPr>
-            <a:spLocks noGrp="1"/>
-          </p:cNvSpPr>
-          <p:nvPr>
-            <p:ph idx="1"/>
-          </p:nvPr>
-        </p:nvSpPr>
-        <p:spPr/>
-        <p:txBody>
-          <a:bodyPr/>
-          <a:lstStyle/>
-          <a:p>
-            <a:endParaRPr lang="en-US"/>
-          </a:p>
-        </p:txBody>
-      </p:sp>
+      <p:pic>
+        <p:nvPicPr>
+          <p:cNvPr id="3" name="Picture 2"/>
+          <p:cNvPicPr>
+            <a:picLocks noChangeAspect="1"/>
+          </p:cNvPicPr>
+          <p:nvPr/>
+        </p:nvPicPr>
+        <p:blipFill>
+          <a:blip r:embed="rId2">
+            <a:extLst>
+              <a:ext uri="{28A0092B-C50C-407E-A947-70E740481C1C}">
+                <a14:useLocalDpi xmlns:a14="http://schemas.microsoft.com/office/drawing/2010/main" val="0"/>
+              </a:ext>
+            </a:extLst>
+          </a:blip>
+          <a:stretch>
+            <a:fillRect/>
+          </a:stretch>
+        </p:blipFill>
+        <p:spPr>
+          <a:xfrm>
+            <a:off x="0" y="317500"/>
+            <a:ext cx="12372448" cy="6540500"/>
+          </a:xfrm>
+          <a:prstGeom prst="rect">
+            <a:avLst/>
+          </a:prstGeom>
+        </p:spPr>
+      </p:pic>
     </p:spTree>
     <p:extLst>
       <p:ext uri="{BB962C8B-B14F-4D97-AF65-F5344CB8AC3E}">
-        <p14:creationId xmlns:p14="http://schemas.microsoft.com/office/powerpoint/2010/main" val="3647564198"/>
+        <p14:creationId xmlns:p14="http://schemas.microsoft.com/office/powerpoint/2010/main" val="3351145861"/>
       </p:ext>
     </p:extLst>
   </p:cSld>
@@ -5182,7 +9525,7 @@
           <a:p>
             <a:r>
               <a:rPr lang="en-US" dirty="0" smtClean="0"/>
-              <a:t>What I could of done better</a:t>
+              <a:t>WIRESHARK </a:t>
             </a:r>
             <a:endParaRPr lang="en-US" dirty="0"/>
           </a:p>
@@ -5210,20 +9553,13 @@
     </p:spTree>
     <p:extLst>
       <p:ext uri="{BB962C8B-B14F-4D97-AF65-F5344CB8AC3E}">
-        <p14:creationId xmlns:p14="http://schemas.microsoft.com/office/powerpoint/2010/main" val="216084975"/>
+        <p14:creationId xmlns:p14="http://schemas.microsoft.com/office/powerpoint/2010/main" val="1768704611"/>
       </p:ext>
     </p:extLst>
   </p:cSld>
   <p:clrMapOvr>
     <a:masterClrMapping/>
   </p:clrMapOvr>
-  <p:timing>
-    <p:tnLst>
-      <p:par>
-        <p:cTn id="1" dur="indefinite" restart="never" nodeType="tmRoot"/>
-      </p:par>
-    </p:tnLst>
-  </p:timing>
 </p:sld>
 </file>
 
@@ -5261,7 +9597,7 @@
           <a:p>
             <a:r>
               <a:rPr lang="en-US" dirty="0" smtClean="0"/>
-              <a:t>Other things that I’ve got out of this project</a:t>
+              <a:t>What went wrong with the chat client</a:t>
             </a:r>
             <a:endParaRPr lang="en-US" dirty="0"/>
           </a:p>
@@ -5282,14 +9618,54 @@
           <a:bodyPr/>
           <a:lstStyle/>
           <a:p>
-            <a:endParaRPr lang="en-US"/>
+            <a:pPr marL="0" indent="0">
+              <a:buNone/>
+            </a:pPr>
+            <a:r>
+              <a:rPr lang="en-US" dirty="0" smtClean="0"/>
+              <a:t>The original project was built around this idea but I ran into a couple road blocks.</a:t>
+            </a:r>
+          </a:p>
+          <a:p>
+            <a:pPr marL="0" indent="0">
+              <a:buNone/>
+            </a:pPr>
+            <a:r>
+              <a:rPr lang="en-US" dirty="0" smtClean="0"/>
+              <a:t>The Server was not built asynchronously, so while I could maintain multiple connections with the use of threading, it was impossible to update a single client about the information that another client was sending. </a:t>
+            </a:r>
+          </a:p>
+          <a:p>
+            <a:pPr marL="0" indent="0">
+              <a:buNone/>
+            </a:pPr>
+            <a:r>
+              <a:rPr lang="en-US" dirty="0" smtClean="0"/>
+              <a:t>In other words, the server could maintain multiple connections, but the clients wouldn’t be able to share information between each other.</a:t>
+            </a:r>
+            <a:endParaRPr lang="en-US" dirty="0"/>
+          </a:p>
+          <a:p>
+            <a:pPr marL="0" indent="0">
+              <a:buNone/>
+            </a:pPr>
+            <a:r>
+              <a:rPr lang="en-US" dirty="0" smtClean="0"/>
+              <a:t>If the client was adapted to handle connections asynchronously, it would probably work but the implementation is difficult and due to time constraints, I moved ahead.</a:t>
+            </a:r>
+          </a:p>
+          <a:p>
+            <a:pPr marL="0" indent="0">
+              <a:buNone/>
+            </a:pPr>
+            <a:endParaRPr lang="en-US" dirty="0"/>
           </a:p>
         </p:txBody>
       </p:sp>
     </p:spTree>
     <p:extLst>
       <p:ext uri="{BB962C8B-B14F-4D97-AF65-F5344CB8AC3E}">
-        <p14:creationId xmlns:p14="http://schemas.microsoft.com/office/powerpoint/2010/main" val="3014322157"/>
+        <p14:creationId xmlns:p14="http://schemas.microsoft.com/office/powerpoint/2010/main" val="1299466181"/>
       </p:ext>
     </p:extLst>
   </p:cSld>
@@ -5340,7 +9716,7 @@
           <a:p>
             <a:r>
               <a:rPr lang="en-US" dirty="0" smtClean="0"/>
-              <a:t>That’s it</a:t>
+              <a:t>Example: file Client/Server</a:t>
             </a:r>
             <a:endParaRPr lang="en-US" dirty="0"/>
           </a:p>
@@ -5361,14 +9737,313 @@
           <a:bodyPr/>
           <a:lstStyle/>
           <a:p>
-            <a:endParaRPr lang="en-US"/>
+            <a:pPr marL="0" indent="0">
+              <a:buNone/>
+            </a:pPr>
+            <a:r>
+              <a:rPr lang="en-US" dirty="0" smtClean="0"/>
+              <a:t>As an example of modularity, I decided to develop a file client/server as an example of how different server applications can be loaded in and configured.</a:t>
+            </a:r>
+          </a:p>
+          <a:p>
+            <a:pPr marL="0" indent="0">
+              <a:buNone/>
+            </a:pPr>
+            <a:endParaRPr lang="en-US" dirty="0"/>
+          </a:p>
+          <a:p>
+            <a:pPr marL="0" indent="0">
+              <a:buNone/>
+            </a:pPr>
+            <a:r>
+              <a:rPr lang="en-US" dirty="0" smtClean="0"/>
+              <a:t>The file Server is written in Python and is complied using </a:t>
+            </a:r>
+            <a:r>
+              <a:rPr lang="en-US" dirty="0" err="1" smtClean="0"/>
+              <a:t>IronPython</a:t>
+            </a:r>
+            <a:r>
+              <a:rPr lang="en-US" dirty="0" smtClean="0"/>
+              <a:t>, which is a .NET extension for python. </a:t>
+            </a:r>
+            <a:endParaRPr lang="en-US" dirty="0"/>
+          </a:p>
+          <a:p>
+            <a:pPr marL="0" indent="0">
+              <a:buNone/>
+            </a:pPr>
+            <a:endParaRPr lang="en-US" dirty="0" smtClean="0"/>
+          </a:p>
+          <a:p>
+            <a:pPr marL="0" indent="0">
+              <a:buNone/>
+            </a:pPr>
+            <a:r>
+              <a:rPr lang="en-US" dirty="0" smtClean="0"/>
+              <a:t>Overall, the file server is pretty “dumb”, and by dumb I mean that it doesn’t cover all different file encodings and might get caught of with different files. The server/client doesn’t really care about what is being sent, it only sends it and then gets ready to send/receive another</a:t>
+            </a:r>
+            <a:endParaRPr lang="en-US" dirty="0"/>
           </a:p>
         </p:txBody>
       </p:sp>
     </p:spTree>
     <p:extLst>
       <p:ext uri="{BB962C8B-B14F-4D97-AF65-F5344CB8AC3E}">
-        <p14:creationId xmlns:p14="http://schemas.microsoft.com/office/powerpoint/2010/main" val="588948151"/>
+        <p14:creationId xmlns:p14="http://schemas.microsoft.com/office/powerpoint/2010/main" val="3729591562"/>
+      </p:ext>
+    </p:extLst>
+  </p:cSld>
+  <p:clrMapOvr>
+    <a:masterClrMapping/>
+  </p:clrMapOvr>
+  <p:timing>
+    <p:tnLst>
+      <p:par>
+        <p:cTn id="1" dur="indefinite" restart="never" nodeType="tmRoot"/>
+      </p:par>
+    </p:tnLst>
+  </p:timing>
+</p:sld>
+</file>
+
+<file path=ppt/slides/slide28.xml><?xml version="1.0" encoding="utf-8"?>
+<p:sld xmlns:a="http://schemas.openxmlformats.org/drawingml/2006/main" xmlns:r="http://schemas.openxmlformats.org/officeDocument/2006/relationships" xmlns:p="http://schemas.openxmlformats.org/presentationml/2006/main">
+  <p:cSld>
+    <p:spTree>
+      <p:nvGrpSpPr>
+        <p:cNvPr id="1" name=""/>
+        <p:cNvGrpSpPr/>
+        <p:nvPr/>
+      </p:nvGrpSpPr>
+      <p:grpSpPr>
+        <a:xfrm>
+          <a:off x="0" y="0"/>
+          <a:ext cx="0" cy="0"/>
+          <a:chOff x="0" y="0"/>
+          <a:chExt cx="0" cy="0"/>
+        </a:xfrm>
+      </p:grpSpPr>
+      <p:sp>
+        <p:nvSpPr>
+          <p:cNvPr id="2" name="Title 1"/>
+          <p:cNvSpPr>
+            <a:spLocks noGrp="1"/>
+          </p:cNvSpPr>
+          <p:nvPr>
+            <p:ph type="title"/>
+          </p:nvPr>
+        </p:nvSpPr>
+        <p:spPr/>
+        <p:txBody>
+          <a:bodyPr/>
+          <a:lstStyle/>
+          <a:p>
+            <a:r>
+              <a:rPr lang="en-US" dirty="0" smtClean="0"/>
+              <a:t>Example: File Client/Server</a:t>
+            </a:r>
+            <a:endParaRPr lang="en-US" dirty="0"/>
+          </a:p>
+        </p:txBody>
+      </p:sp>
+      <p:sp>
+        <p:nvSpPr>
+          <p:cNvPr id="3" name="Content Placeholder 2"/>
+          <p:cNvSpPr>
+            <a:spLocks noGrp="1"/>
+          </p:cNvSpPr>
+          <p:nvPr>
+            <p:ph idx="1"/>
+          </p:nvPr>
+        </p:nvSpPr>
+        <p:spPr/>
+        <p:txBody>
+          <a:bodyPr/>
+          <a:lstStyle/>
+          <a:p>
+            <a:pPr marL="0" indent="0">
+              <a:buNone/>
+            </a:pPr>
+            <a:r>
+              <a:rPr lang="en-US" dirty="0" smtClean="0"/>
+              <a:t>After creating a server ( you would create it as a file server but its only possible to start it as a file server unless its specified programmatically because I have yet to implement the code that lets the user choose what type of server they want to create), the applications invokes a python script  and passes in arguments from C# to Python to initialize the server.</a:t>
+            </a:r>
+          </a:p>
+          <a:p>
+            <a:pPr marL="0" indent="0">
+              <a:buNone/>
+            </a:pPr>
+            <a:endParaRPr lang="en-US" dirty="0"/>
+          </a:p>
+          <a:p>
+            <a:pPr marL="0" indent="0">
+              <a:buNone/>
+            </a:pPr>
+            <a:r>
+              <a:rPr lang="en-US" dirty="0" smtClean="0"/>
+              <a:t>After the listener is </a:t>
+            </a:r>
+            <a:r>
+              <a:rPr lang="en-US" dirty="0" err="1" smtClean="0"/>
+              <a:t>binded</a:t>
+            </a:r>
+            <a:r>
+              <a:rPr lang="en-US" dirty="0" smtClean="0"/>
+              <a:t>, it waits for a client to connect. </a:t>
+            </a:r>
+            <a:endParaRPr lang="en-US" dirty="0"/>
+          </a:p>
+          <a:p>
+            <a:pPr marL="0" indent="0">
+              <a:buNone/>
+            </a:pPr>
+            <a:r>
+              <a:rPr lang="en-US" dirty="0" smtClean="0"/>
+              <a:t>Once the Client connects, it waits to receive something from the client. The way that the Client is set up is that the next thing that the server will receive is a command.</a:t>
+            </a:r>
+          </a:p>
+          <a:p>
+            <a:pPr marL="0" indent="0">
+              <a:buNone/>
+            </a:pPr>
+            <a:r>
+              <a:rPr lang="en-US" dirty="0" smtClean="0"/>
+              <a:t>There are three simple commands for the file server: GET, PUSH, LIST</a:t>
+            </a:r>
+          </a:p>
+        </p:txBody>
+      </p:sp>
+    </p:spTree>
+    <p:extLst>
+      <p:ext uri="{BB962C8B-B14F-4D97-AF65-F5344CB8AC3E}">
+        <p14:creationId xmlns:p14="http://schemas.microsoft.com/office/powerpoint/2010/main" val="2442096081"/>
+      </p:ext>
+    </p:extLst>
+  </p:cSld>
+  <p:clrMapOvr>
+    <a:masterClrMapping/>
+  </p:clrMapOvr>
+  <p:timing>
+    <p:tnLst>
+      <p:par>
+        <p:cTn id="1" dur="indefinite" restart="never" nodeType="tmRoot"/>
+      </p:par>
+    </p:tnLst>
+  </p:timing>
+</p:sld>
+</file>
+
+<file path=ppt/slides/slide29.xml><?xml version="1.0" encoding="utf-8"?>
+<p:sld xmlns:a="http://schemas.openxmlformats.org/drawingml/2006/main" xmlns:r="http://schemas.openxmlformats.org/officeDocument/2006/relationships" xmlns:p="http://schemas.openxmlformats.org/presentationml/2006/main">
+  <p:cSld>
+    <p:spTree>
+      <p:nvGrpSpPr>
+        <p:cNvPr id="1" name=""/>
+        <p:cNvGrpSpPr/>
+        <p:nvPr/>
+      </p:nvGrpSpPr>
+      <p:grpSpPr>
+        <a:xfrm>
+          <a:off x="0" y="0"/>
+          <a:ext cx="0" cy="0"/>
+          <a:chOff x="0" y="0"/>
+          <a:chExt cx="0" cy="0"/>
+        </a:xfrm>
+      </p:grpSpPr>
+      <p:sp>
+        <p:nvSpPr>
+          <p:cNvPr id="2" name="Title 1"/>
+          <p:cNvSpPr>
+            <a:spLocks noGrp="1"/>
+          </p:cNvSpPr>
+          <p:nvPr>
+            <p:ph type="title"/>
+          </p:nvPr>
+        </p:nvSpPr>
+        <p:spPr/>
+        <p:txBody>
+          <a:bodyPr/>
+          <a:lstStyle/>
+          <a:p>
+            <a:r>
+              <a:rPr lang="en-US" dirty="0" smtClean="0"/>
+              <a:t>Example: file client/server</a:t>
+            </a:r>
+            <a:endParaRPr lang="en-US" dirty="0"/>
+          </a:p>
+        </p:txBody>
+      </p:sp>
+      <p:sp>
+        <p:nvSpPr>
+          <p:cNvPr id="3" name="Content Placeholder 2"/>
+          <p:cNvSpPr>
+            <a:spLocks noGrp="1"/>
+          </p:cNvSpPr>
+          <p:nvPr>
+            <p:ph idx="1"/>
+          </p:nvPr>
+        </p:nvSpPr>
+        <p:spPr/>
+        <p:txBody>
+          <a:bodyPr>
+            <a:normAutofit lnSpcReduction="10000"/>
+          </a:bodyPr>
+          <a:lstStyle/>
+          <a:p>
+            <a:pPr marL="0" indent="0">
+              <a:buNone/>
+            </a:pPr>
+            <a:r>
+              <a:rPr lang="en-US" dirty="0" smtClean="0"/>
+              <a:t>When the server receives a PUT command, it waits to receive the name of the file.  The server decodes the incoming bytes and determines the file name and extension and then again waits to receive the file itself. The Server knows when to stop receiving when it gets a STOP code, which is something that the client sends to tell the server to wait for another command</a:t>
+            </a:r>
+          </a:p>
+          <a:p>
+            <a:pPr marL="0" indent="0">
+              <a:buNone/>
+            </a:pPr>
+            <a:endParaRPr lang="en-US" dirty="0" smtClean="0"/>
+          </a:p>
+          <a:p>
+            <a:pPr marL="0" indent="0">
+              <a:buNone/>
+            </a:pPr>
+            <a:r>
+              <a:rPr lang="en-US" dirty="0" smtClean="0"/>
+              <a:t>When the server receives a LIST command, it simply sends the result of the python method </a:t>
+            </a:r>
+            <a:r>
+              <a:rPr lang="en-US" dirty="0" err="1" smtClean="0"/>
+              <a:t>os.listdir</a:t>
+            </a:r>
+            <a:r>
+              <a:rPr lang="en-US" dirty="0" smtClean="0"/>
+              <a:t>() (each appends with an new line).</a:t>
+            </a:r>
+          </a:p>
+          <a:p>
+            <a:pPr marL="0" indent="0">
+              <a:buNone/>
+            </a:pPr>
+            <a:endParaRPr lang="en-US" dirty="0"/>
+          </a:p>
+          <a:p>
+            <a:pPr marL="0" indent="0">
+              <a:buNone/>
+            </a:pPr>
+            <a:r>
+              <a:rPr lang="en-US" dirty="0" smtClean="0"/>
+              <a:t>When the server receives a GET command, it waits for a filename or path to be send, looks for that file and then sends it, while the client decodes the message and waits for a stop code.</a:t>
+            </a:r>
+            <a:endParaRPr lang="en-US" dirty="0"/>
+          </a:p>
+        </p:txBody>
+      </p:sp>
+    </p:spTree>
+    <p:extLst>
+      <p:ext uri="{BB962C8B-B14F-4D97-AF65-F5344CB8AC3E}">
+        <p14:creationId xmlns:p14="http://schemas.microsoft.com/office/powerpoint/2010/main" val="1459652203"/>
       </p:ext>
     </p:extLst>
   </p:cSld>
@@ -5438,7 +10113,7 @@
         <p:spPr/>
         <p:txBody>
           <a:bodyPr>
-            <a:normAutofit/>
+            <a:normAutofit fontScale="92500" lnSpcReduction="20000"/>
           </a:bodyPr>
           <a:lstStyle/>
           <a:p>
@@ -5474,14 +10149,45 @@
               <a:rPr lang="en-US" sz="4000" dirty="0" smtClean="0"/>
               <a:t>Socket Programming </a:t>
             </a:r>
+            <a:endParaRPr lang="en-US" sz="4000" dirty="0" smtClean="0"/>
           </a:p>
           <a:p>
             <a:pPr marL="0" indent="0">
               <a:buNone/>
             </a:pPr>
+            <a:endParaRPr lang="en-US" sz="4000" dirty="0" smtClean="0"/>
+          </a:p>
+          <a:p>
+            <a:pPr marL="0" indent="0">
+              <a:buNone/>
+            </a:pPr>
             <a:r>
               <a:rPr lang="en-US" sz="1400" dirty="0" smtClean="0"/>
-              <a:t>The Project is current floating around 1500 lines of code but as I said, I still have to do some optimizations.</a:t>
+              <a:t>The Project is current floating around </a:t>
+            </a:r>
+            <a:r>
+              <a:rPr lang="en-US" sz="1400" dirty="0" smtClean="0"/>
+              <a:t>1700 </a:t>
+            </a:r>
+            <a:r>
+              <a:rPr lang="en-US" sz="1400" dirty="0" smtClean="0"/>
+              <a:t>lines of code </a:t>
+            </a:r>
+            <a:r>
+              <a:rPr lang="en-US" sz="1400" dirty="0" smtClean="0"/>
+              <a:t>(90% </a:t>
+            </a:r>
+            <a:r>
+              <a:rPr lang="en-US" sz="1400" dirty="0" err="1" smtClean="0"/>
+              <a:t>c#</a:t>
+            </a:r>
+            <a:r>
+              <a:rPr lang="en-US" sz="1400" dirty="0" smtClean="0"/>
+              <a:t> , 10% python) but </a:t>
+            </a:r>
+            <a:r>
+              <a:rPr lang="en-US" sz="1400" dirty="0" smtClean="0"/>
+              <a:t>as I said, I still have to do some optimizations.</a:t>
             </a:r>
             <a:r>
               <a:rPr lang="en-US" sz="4000" dirty="0" smtClean="0"/>
@@ -5495,6 +10201,1497 @@
     <p:extLst>
       <p:ext uri="{BB962C8B-B14F-4D97-AF65-F5344CB8AC3E}">
         <p14:creationId xmlns:p14="http://schemas.microsoft.com/office/powerpoint/2010/main" val="777815502"/>
+      </p:ext>
+    </p:extLst>
+  </p:cSld>
+  <p:clrMapOvr>
+    <a:masterClrMapping/>
+  </p:clrMapOvr>
+  <p:timing>
+    <p:tnLst>
+      <p:par>
+        <p:cTn id="1" dur="indefinite" restart="never" nodeType="tmRoot"/>
+      </p:par>
+    </p:tnLst>
+  </p:timing>
+</p:sld>
+</file>
+
+<file path=ppt/slides/slide30.xml><?xml version="1.0" encoding="utf-8"?>
+<p:sld xmlns:a="http://schemas.openxmlformats.org/drawingml/2006/main" xmlns:r="http://schemas.openxmlformats.org/officeDocument/2006/relationships" xmlns:p="http://schemas.openxmlformats.org/presentationml/2006/main">
+  <p:cSld>
+    <p:spTree>
+      <p:nvGrpSpPr>
+        <p:cNvPr id="1" name=""/>
+        <p:cNvGrpSpPr/>
+        <p:nvPr/>
+      </p:nvGrpSpPr>
+      <p:grpSpPr>
+        <a:xfrm>
+          <a:off x="0" y="0"/>
+          <a:ext cx="0" cy="0"/>
+          <a:chOff x="0" y="0"/>
+          <a:chExt cx="0" cy="0"/>
+        </a:xfrm>
+      </p:grpSpPr>
+      <p:sp>
+        <p:nvSpPr>
+          <p:cNvPr id="2" name="Title 1"/>
+          <p:cNvSpPr>
+            <a:spLocks noGrp="1"/>
+          </p:cNvSpPr>
+          <p:nvPr>
+            <p:ph type="title"/>
+          </p:nvPr>
+        </p:nvSpPr>
+        <p:spPr/>
+        <p:txBody>
+          <a:bodyPr/>
+          <a:lstStyle/>
+          <a:p>
+            <a:endParaRPr lang="en-US" dirty="0"/>
+          </a:p>
+        </p:txBody>
+      </p:sp>
+      <p:pic>
+        <p:nvPicPr>
+          <p:cNvPr id="5" name="Picture 4"/>
+          <p:cNvPicPr>
+            <a:picLocks noChangeAspect="1"/>
+          </p:cNvPicPr>
+          <p:nvPr/>
+        </p:nvPicPr>
+        <p:blipFill>
+          <a:blip r:embed="rId2">
+            <a:extLst>
+              <a:ext uri="{28A0092B-C50C-407E-A947-70E740481C1C}">
+                <a14:useLocalDpi xmlns:a14="http://schemas.microsoft.com/office/drawing/2010/main" val="0"/>
+              </a:ext>
+            </a:extLst>
+          </a:blip>
+          <a:stretch>
+            <a:fillRect/>
+          </a:stretch>
+        </p:blipFill>
+        <p:spPr>
+          <a:xfrm>
+            <a:off x="0" y="0"/>
+            <a:ext cx="6340593" cy="6858000"/>
+          </a:xfrm>
+          <a:prstGeom prst="rect">
+            <a:avLst/>
+          </a:prstGeom>
+        </p:spPr>
+      </p:pic>
+      <p:pic>
+        <p:nvPicPr>
+          <p:cNvPr id="6" name="Picture 5"/>
+          <p:cNvPicPr>
+            <a:picLocks noChangeAspect="1"/>
+          </p:cNvPicPr>
+          <p:nvPr/>
+        </p:nvPicPr>
+        <p:blipFill>
+          <a:blip r:embed="rId3">
+            <a:extLst>
+              <a:ext uri="{28A0092B-C50C-407E-A947-70E740481C1C}">
+                <a14:useLocalDpi xmlns:a14="http://schemas.microsoft.com/office/drawing/2010/main" val="0"/>
+              </a:ext>
+            </a:extLst>
+          </a:blip>
+          <a:stretch>
+            <a:fillRect/>
+          </a:stretch>
+        </p:blipFill>
+        <p:spPr>
+          <a:xfrm>
+            <a:off x="6340593" y="0"/>
+            <a:ext cx="5851407" cy="6858000"/>
+          </a:xfrm>
+          <a:prstGeom prst="rect">
+            <a:avLst/>
+          </a:prstGeom>
+        </p:spPr>
+      </p:pic>
+      <p:sp>
+        <p:nvSpPr>
+          <p:cNvPr id="7" name="TextBox 6"/>
+          <p:cNvSpPr txBox="1"/>
+          <p:nvPr/>
+        </p:nvSpPr>
+        <p:spPr>
+          <a:xfrm>
+            <a:off x="2717800" y="2070100"/>
+            <a:ext cx="288862" cy="369332"/>
+          </a:xfrm>
+          <a:prstGeom prst="rect">
+            <a:avLst/>
+          </a:prstGeom>
+          <a:noFill/>
+        </p:spPr>
+        <p:txBody>
+          <a:bodyPr wrap="none" rtlCol="0">
+            <a:spAutoFit/>
+          </a:bodyPr>
+          <a:lstStyle/>
+          <a:p>
+            <a:r>
+              <a:rPr lang="en-US" dirty="0" smtClean="0"/>
+              <a:t>1</a:t>
+            </a:r>
+            <a:endParaRPr lang="en-US" dirty="0"/>
+          </a:p>
+        </p:txBody>
+      </p:sp>
+      <p:sp>
+        <p:nvSpPr>
+          <p:cNvPr id="8" name="TextBox 7"/>
+          <p:cNvSpPr txBox="1"/>
+          <p:nvPr/>
+        </p:nvSpPr>
+        <p:spPr>
+          <a:xfrm>
+            <a:off x="8811364" y="2781300"/>
+            <a:ext cx="303288" cy="369332"/>
+          </a:xfrm>
+          <a:prstGeom prst="rect">
+            <a:avLst/>
+          </a:prstGeom>
+          <a:noFill/>
+        </p:spPr>
+        <p:txBody>
+          <a:bodyPr wrap="none" rtlCol="0">
+            <a:spAutoFit/>
+          </a:bodyPr>
+          <a:lstStyle/>
+          <a:p>
+            <a:r>
+              <a:rPr lang="en-US" dirty="0" smtClean="0"/>
+              <a:t>2</a:t>
+            </a:r>
+            <a:endParaRPr lang="en-US" dirty="0"/>
+          </a:p>
+        </p:txBody>
+      </p:sp>
+      <p:sp>
+        <p:nvSpPr>
+          <p:cNvPr id="9" name="TextBox 8"/>
+          <p:cNvSpPr txBox="1"/>
+          <p:nvPr/>
+        </p:nvSpPr>
+        <p:spPr>
+          <a:xfrm>
+            <a:off x="3625744" y="3956136"/>
+            <a:ext cx="2095767" cy="369332"/>
+          </a:xfrm>
+          <a:prstGeom prst="rect">
+            <a:avLst/>
+          </a:prstGeom>
+          <a:noFill/>
+        </p:spPr>
+        <p:txBody>
+          <a:bodyPr wrap="none" rtlCol="0">
+            <a:spAutoFit/>
+          </a:bodyPr>
+          <a:lstStyle/>
+          <a:p>
+            <a:r>
+              <a:rPr lang="en-US" dirty="0" smtClean="0"/>
+              <a:t>Receiving  cat.jpg -&gt;</a:t>
+            </a:r>
+            <a:endParaRPr lang="en-US" dirty="0"/>
+          </a:p>
+        </p:txBody>
+      </p:sp>
+    </p:spTree>
+    <p:extLst>
+      <p:ext uri="{BB962C8B-B14F-4D97-AF65-F5344CB8AC3E}">
+        <p14:creationId xmlns:p14="http://schemas.microsoft.com/office/powerpoint/2010/main" val="378368717"/>
+      </p:ext>
+    </p:extLst>
+  </p:cSld>
+  <p:clrMapOvr>
+    <a:masterClrMapping/>
+  </p:clrMapOvr>
+  <p:timing>
+    <p:tnLst>
+      <p:par>
+        <p:cTn id="1" dur="indefinite" restart="never" nodeType="tmRoot"/>
+      </p:par>
+    </p:tnLst>
+  </p:timing>
+</p:sld>
+</file>
+
+<file path=ppt/slides/slide31.xml><?xml version="1.0" encoding="utf-8"?>
+<p:sld xmlns:a="http://schemas.openxmlformats.org/drawingml/2006/main" xmlns:r="http://schemas.openxmlformats.org/officeDocument/2006/relationships" xmlns:p="http://schemas.openxmlformats.org/presentationml/2006/main">
+  <p:cSld>
+    <p:spTree>
+      <p:nvGrpSpPr>
+        <p:cNvPr id="1" name=""/>
+        <p:cNvGrpSpPr/>
+        <p:nvPr/>
+      </p:nvGrpSpPr>
+      <p:grpSpPr>
+        <a:xfrm>
+          <a:off x="0" y="0"/>
+          <a:ext cx="0" cy="0"/>
+          <a:chOff x="0" y="0"/>
+          <a:chExt cx="0" cy="0"/>
+        </a:xfrm>
+      </p:grpSpPr>
+      <p:sp>
+        <p:nvSpPr>
+          <p:cNvPr id="2" name="Title 1"/>
+          <p:cNvSpPr>
+            <a:spLocks noGrp="1"/>
+          </p:cNvSpPr>
+          <p:nvPr>
+            <p:ph type="title"/>
+          </p:nvPr>
+        </p:nvSpPr>
+        <p:spPr/>
+        <p:txBody>
+          <a:bodyPr/>
+          <a:lstStyle/>
+          <a:p>
+            <a:r>
+              <a:rPr lang="en-US" dirty="0" smtClean="0"/>
+              <a:t>Example: File Client/Server</a:t>
+            </a:r>
+            <a:endParaRPr lang="en-US" dirty="0"/>
+          </a:p>
+        </p:txBody>
+      </p:sp>
+      <p:pic>
+        <p:nvPicPr>
+          <p:cNvPr id="4" name="Picture 3"/>
+          <p:cNvPicPr>
+            <a:picLocks noChangeAspect="1"/>
+          </p:cNvPicPr>
+          <p:nvPr/>
+        </p:nvPicPr>
+        <p:blipFill>
+          <a:blip r:embed="rId2">
+            <a:extLst>
+              <a:ext uri="{28A0092B-C50C-407E-A947-70E740481C1C}">
+                <a14:useLocalDpi xmlns:a14="http://schemas.microsoft.com/office/drawing/2010/main" val="0"/>
+              </a:ext>
+            </a:extLst>
+          </a:blip>
+          <a:stretch>
+            <a:fillRect/>
+          </a:stretch>
+        </p:blipFill>
+        <p:spPr>
+          <a:xfrm>
+            <a:off x="164669" y="2065278"/>
+            <a:ext cx="7155102" cy="982722"/>
+          </a:xfrm>
+          <a:prstGeom prst="rect">
+            <a:avLst/>
+          </a:prstGeom>
+        </p:spPr>
+      </p:pic>
+      <p:sp>
+        <p:nvSpPr>
+          <p:cNvPr id="5" name="TextBox 4"/>
+          <p:cNvSpPr txBox="1"/>
+          <p:nvPr/>
+        </p:nvSpPr>
+        <p:spPr>
+          <a:xfrm>
+            <a:off x="8229600" y="2286000"/>
+            <a:ext cx="1864934" cy="369332"/>
+          </a:xfrm>
+          <a:prstGeom prst="rect">
+            <a:avLst/>
+          </a:prstGeom>
+          <a:noFill/>
+        </p:spPr>
+        <p:txBody>
+          <a:bodyPr wrap="none" rtlCol="0">
+            <a:spAutoFit/>
+          </a:bodyPr>
+          <a:lstStyle/>
+          <a:p>
+            <a:r>
+              <a:rPr lang="en-US" dirty="0" smtClean="0"/>
+              <a:t>Receiving Test.txt</a:t>
+            </a:r>
+            <a:endParaRPr lang="en-US" dirty="0"/>
+          </a:p>
+        </p:txBody>
+      </p:sp>
+      <p:sp>
+        <p:nvSpPr>
+          <p:cNvPr id="6" name="TextBox 5"/>
+          <p:cNvSpPr txBox="1"/>
+          <p:nvPr/>
+        </p:nvSpPr>
+        <p:spPr>
+          <a:xfrm>
+            <a:off x="8470900" y="4762500"/>
+            <a:ext cx="2690160" cy="369332"/>
+          </a:xfrm>
+          <a:prstGeom prst="rect">
+            <a:avLst/>
+          </a:prstGeom>
+          <a:noFill/>
+        </p:spPr>
+        <p:txBody>
+          <a:bodyPr wrap="none" rtlCol="0">
+            <a:spAutoFit/>
+          </a:bodyPr>
+          <a:lstStyle/>
+          <a:p>
+            <a:r>
+              <a:rPr lang="en-US" dirty="0" smtClean="0"/>
+              <a:t>Receiving </a:t>
+            </a:r>
+            <a:r>
+              <a:rPr lang="en-US" dirty="0" err="1" smtClean="0"/>
+              <a:t>fireworks.webm</a:t>
+            </a:r>
+            <a:endParaRPr lang="en-US" dirty="0"/>
+          </a:p>
+        </p:txBody>
+      </p:sp>
+      <p:pic>
+        <p:nvPicPr>
+          <p:cNvPr id="7" name="Picture 6"/>
+          <p:cNvPicPr>
+            <a:picLocks noChangeAspect="1"/>
+          </p:cNvPicPr>
+          <p:nvPr/>
+        </p:nvPicPr>
+        <p:blipFill>
+          <a:blip r:embed="rId3">
+            <a:extLst>
+              <a:ext uri="{28A0092B-C50C-407E-A947-70E740481C1C}">
+                <a14:useLocalDpi xmlns:a14="http://schemas.microsoft.com/office/drawing/2010/main" val="0"/>
+              </a:ext>
+            </a:extLst>
+          </a:blip>
+          <a:stretch>
+            <a:fillRect/>
+          </a:stretch>
+        </p:blipFill>
+        <p:spPr>
+          <a:xfrm>
+            <a:off x="347216" y="3732559"/>
+            <a:ext cx="6392167" cy="2429214"/>
+          </a:xfrm>
+          <a:prstGeom prst="rect">
+            <a:avLst/>
+          </a:prstGeom>
+        </p:spPr>
+      </p:pic>
+    </p:spTree>
+    <p:extLst>
+      <p:ext uri="{BB962C8B-B14F-4D97-AF65-F5344CB8AC3E}">
+        <p14:creationId xmlns:p14="http://schemas.microsoft.com/office/powerpoint/2010/main" val="2509052883"/>
+      </p:ext>
+    </p:extLst>
+  </p:cSld>
+  <p:clrMapOvr>
+    <a:masterClrMapping/>
+  </p:clrMapOvr>
+  <p:timing>
+    <p:tnLst>
+      <p:par>
+        <p:cTn id="1" dur="indefinite" restart="never" nodeType="tmRoot"/>
+      </p:par>
+    </p:tnLst>
+  </p:timing>
+</p:sld>
+</file>
+
+<file path=ppt/slides/slide32.xml><?xml version="1.0" encoding="utf-8"?>
+<p:sld xmlns:a="http://schemas.openxmlformats.org/drawingml/2006/main" xmlns:r="http://schemas.openxmlformats.org/officeDocument/2006/relationships" xmlns:p="http://schemas.openxmlformats.org/presentationml/2006/main">
+  <p:cSld>
+    <p:spTree>
+      <p:nvGrpSpPr>
+        <p:cNvPr id="1" name=""/>
+        <p:cNvGrpSpPr/>
+        <p:nvPr/>
+      </p:nvGrpSpPr>
+      <p:grpSpPr>
+        <a:xfrm>
+          <a:off x="0" y="0"/>
+          <a:ext cx="0" cy="0"/>
+          <a:chOff x="0" y="0"/>
+          <a:chExt cx="0" cy="0"/>
+        </a:xfrm>
+      </p:grpSpPr>
+      <p:sp>
+        <p:nvSpPr>
+          <p:cNvPr id="2" name="Title 1"/>
+          <p:cNvSpPr>
+            <a:spLocks noGrp="1"/>
+          </p:cNvSpPr>
+          <p:nvPr>
+            <p:ph type="title"/>
+          </p:nvPr>
+        </p:nvSpPr>
+        <p:spPr/>
+        <p:txBody>
+          <a:bodyPr/>
+          <a:lstStyle/>
+          <a:p>
+            <a:r>
+              <a:rPr lang="en-US" dirty="0" smtClean="0"/>
+              <a:t>Example: FILE Client/server</a:t>
+            </a:r>
+            <a:endParaRPr lang="en-US" dirty="0"/>
+          </a:p>
+        </p:txBody>
+      </p:sp>
+      <p:pic>
+        <p:nvPicPr>
+          <p:cNvPr id="4" name="Picture 3"/>
+          <p:cNvPicPr>
+            <a:picLocks noChangeAspect="1"/>
+          </p:cNvPicPr>
+          <p:nvPr/>
+        </p:nvPicPr>
+        <p:blipFill>
+          <a:blip r:embed="rId2">
+            <a:extLst>
+              <a:ext uri="{28A0092B-C50C-407E-A947-70E740481C1C}">
+                <a14:useLocalDpi xmlns:a14="http://schemas.microsoft.com/office/drawing/2010/main" val="0"/>
+              </a:ext>
+            </a:extLst>
+          </a:blip>
+          <a:stretch>
+            <a:fillRect/>
+          </a:stretch>
+        </p:blipFill>
+        <p:spPr>
+          <a:xfrm>
+            <a:off x="1989111" y="2379418"/>
+            <a:ext cx="8211696" cy="3496163"/>
+          </a:xfrm>
+          <a:prstGeom prst="rect">
+            <a:avLst/>
+          </a:prstGeom>
+        </p:spPr>
+      </p:pic>
+    </p:spTree>
+    <p:extLst>
+      <p:ext uri="{BB962C8B-B14F-4D97-AF65-F5344CB8AC3E}">
+        <p14:creationId xmlns:p14="http://schemas.microsoft.com/office/powerpoint/2010/main" val="3807646704"/>
+      </p:ext>
+    </p:extLst>
+  </p:cSld>
+  <p:clrMapOvr>
+    <a:masterClrMapping/>
+  </p:clrMapOvr>
+  <p:timing>
+    <p:tnLst>
+      <p:par>
+        <p:cTn id="1" dur="indefinite" restart="never" nodeType="tmRoot"/>
+      </p:par>
+    </p:tnLst>
+  </p:timing>
+</p:sld>
+</file>
+
+<file path=ppt/slides/slide33.xml><?xml version="1.0" encoding="utf-8"?>
+<p:sld xmlns:a="http://schemas.openxmlformats.org/drawingml/2006/main" xmlns:r="http://schemas.openxmlformats.org/officeDocument/2006/relationships" xmlns:p="http://schemas.openxmlformats.org/presentationml/2006/main">
+  <p:cSld>
+    <p:spTree>
+      <p:nvGrpSpPr>
+        <p:cNvPr id="1" name=""/>
+        <p:cNvGrpSpPr/>
+        <p:nvPr/>
+      </p:nvGrpSpPr>
+      <p:grpSpPr>
+        <a:xfrm>
+          <a:off x="0" y="0"/>
+          <a:ext cx="0" cy="0"/>
+          <a:chOff x="0" y="0"/>
+          <a:chExt cx="0" cy="0"/>
+        </a:xfrm>
+      </p:grpSpPr>
+      <p:sp>
+        <p:nvSpPr>
+          <p:cNvPr id="2" name="Title 1"/>
+          <p:cNvSpPr>
+            <a:spLocks noGrp="1"/>
+          </p:cNvSpPr>
+          <p:nvPr>
+            <p:ph type="title"/>
+          </p:nvPr>
+        </p:nvSpPr>
+        <p:spPr/>
+        <p:txBody>
+          <a:bodyPr/>
+          <a:lstStyle/>
+          <a:p>
+            <a:r>
+              <a:rPr lang="en-US" dirty="0"/>
+              <a:t>Example: FILE </a:t>
+            </a:r>
+            <a:r>
+              <a:rPr lang="en-US" dirty="0" smtClean="0"/>
+              <a:t>Client/server</a:t>
+            </a:r>
+            <a:endParaRPr lang="en-US" dirty="0"/>
+          </a:p>
+        </p:txBody>
+      </p:sp>
+      <p:pic>
+        <p:nvPicPr>
+          <p:cNvPr id="6" name="Picture 5"/>
+          <p:cNvPicPr>
+            <a:picLocks noChangeAspect="1"/>
+          </p:cNvPicPr>
+          <p:nvPr/>
+        </p:nvPicPr>
+        <p:blipFill>
+          <a:blip r:embed="rId2">
+            <a:extLst>
+              <a:ext uri="{28A0092B-C50C-407E-A947-70E740481C1C}">
+                <a14:useLocalDpi xmlns:a14="http://schemas.microsoft.com/office/drawing/2010/main" val="0"/>
+              </a:ext>
+            </a:extLst>
+          </a:blip>
+          <a:stretch>
+            <a:fillRect/>
+          </a:stretch>
+        </p:blipFill>
+        <p:spPr>
+          <a:xfrm>
+            <a:off x="1579479" y="1904309"/>
+            <a:ext cx="9030960" cy="4953691"/>
+          </a:xfrm>
+          <a:prstGeom prst="rect">
+            <a:avLst/>
+          </a:prstGeom>
+        </p:spPr>
+      </p:pic>
+    </p:spTree>
+    <p:extLst>
+      <p:ext uri="{BB962C8B-B14F-4D97-AF65-F5344CB8AC3E}">
+        <p14:creationId xmlns:p14="http://schemas.microsoft.com/office/powerpoint/2010/main" val="1321770190"/>
+      </p:ext>
+    </p:extLst>
+  </p:cSld>
+  <p:clrMapOvr>
+    <a:masterClrMapping/>
+  </p:clrMapOvr>
+  <p:timing>
+    <p:tnLst>
+      <p:par>
+        <p:cTn id="1" dur="indefinite" restart="never" nodeType="tmRoot"/>
+      </p:par>
+    </p:tnLst>
+  </p:timing>
+</p:sld>
+</file>
+
+<file path=ppt/slides/slide34.xml><?xml version="1.0" encoding="utf-8"?>
+<p:sld xmlns:a="http://schemas.openxmlformats.org/drawingml/2006/main" xmlns:r="http://schemas.openxmlformats.org/officeDocument/2006/relationships" xmlns:p="http://schemas.openxmlformats.org/presentationml/2006/main">
+  <p:cSld>
+    <p:spTree>
+      <p:nvGrpSpPr>
+        <p:cNvPr id="1" name=""/>
+        <p:cNvGrpSpPr/>
+        <p:nvPr/>
+      </p:nvGrpSpPr>
+      <p:grpSpPr>
+        <a:xfrm>
+          <a:off x="0" y="0"/>
+          <a:ext cx="0" cy="0"/>
+          <a:chOff x="0" y="0"/>
+          <a:chExt cx="0" cy="0"/>
+        </a:xfrm>
+      </p:grpSpPr>
+      <p:sp>
+        <p:nvSpPr>
+          <p:cNvPr id="2" name="Title 1"/>
+          <p:cNvSpPr>
+            <a:spLocks noGrp="1"/>
+          </p:cNvSpPr>
+          <p:nvPr>
+            <p:ph type="title"/>
+          </p:nvPr>
+        </p:nvSpPr>
+        <p:spPr/>
+        <p:txBody>
+          <a:bodyPr/>
+          <a:lstStyle/>
+          <a:p>
+            <a:r>
+              <a:rPr lang="en-US" dirty="0" smtClean="0"/>
+              <a:t>What I </a:t>
+            </a:r>
+            <a:r>
+              <a:rPr lang="en-US" dirty="0" smtClean="0"/>
+              <a:t>Applied/learned </a:t>
+            </a:r>
+            <a:r>
+              <a:rPr lang="en-US" dirty="0" smtClean="0"/>
+              <a:t>from the project</a:t>
+            </a:r>
+            <a:endParaRPr lang="en-US" dirty="0"/>
+          </a:p>
+        </p:txBody>
+      </p:sp>
+      <p:sp>
+        <p:nvSpPr>
+          <p:cNvPr id="3" name="Content Placeholder 2"/>
+          <p:cNvSpPr>
+            <a:spLocks noGrp="1"/>
+          </p:cNvSpPr>
+          <p:nvPr>
+            <p:ph idx="1"/>
+          </p:nvPr>
+        </p:nvSpPr>
+        <p:spPr/>
+        <p:txBody>
+          <a:bodyPr>
+            <a:normAutofit fontScale="92500" lnSpcReduction="10000"/>
+          </a:bodyPr>
+          <a:lstStyle/>
+          <a:p>
+            <a:r>
+              <a:rPr lang="en-US" dirty="0" smtClean="0"/>
+              <a:t>Reinforcement of advanced Object Oriented Principles and Designs</a:t>
+            </a:r>
+          </a:p>
+          <a:p>
+            <a:r>
+              <a:rPr lang="en-US" dirty="0" smtClean="0"/>
+              <a:t>Creating Exceptions in C#</a:t>
+            </a:r>
+          </a:p>
+          <a:p>
+            <a:r>
+              <a:rPr lang="en-US" dirty="0" smtClean="0"/>
+              <a:t>Creating Events in C#</a:t>
+            </a:r>
+          </a:p>
+          <a:p>
+            <a:r>
+              <a:rPr lang="en-US" dirty="0" smtClean="0"/>
+              <a:t>Socket Programming in C# and Python</a:t>
+            </a:r>
+          </a:p>
+          <a:p>
+            <a:r>
+              <a:rPr lang="en-US" dirty="0" smtClean="0"/>
+              <a:t>Creating a Command system / REPL in C# and python</a:t>
+            </a:r>
+          </a:p>
+          <a:p>
+            <a:r>
+              <a:rPr lang="en-US" dirty="0" smtClean="0"/>
+              <a:t>Creating a basic GUI in WPF</a:t>
+            </a:r>
+          </a:p>
+          <a:p>
+            <a:r>
+              <a:rPr lang="en-US" dirty="0" smtClean="0"/>
+              <a:t>Directory manipulation in C#</a:t>
+            </a:r>
+            <a:endParaRPr lang="en-US" dirty="0" smtClean="0"/>
+          </a:p>
+          <a:p>
+            <a:r>
+              <a:rPr lang="en-US" dirty="0" smtClean="0"/>
+              <a:t>Passing data between forms in WPF</a:t>
+            </a:r>
+          </a:p>
+          <a:p>
+            <a:r>
+              <a:rPr lang="en-US" dirty="0" smtClean="0"/>
+              <a:t>Using  </a:t>
+            </a:r>
+            <a:r>
+              <a:rPr lang="en-US" dirty="0" err="1" smtClean="0"/>
+              <a:t>System.Net</a:t>
+            </a:r>
+            <a:r>
+              <a:rPr lang="en-US" dirty="0" smtClean="0"/>
+              <a:t> / socket (python library)</a:t>
+            </a:r>
+          </a:p>
+          <a:p>
+            <a:r>
+              <a:rPr lang="en-US" dirty="0" smtClean="0"/>
+              <a:t>Structuring a medium sized project</a:t>
+            </a:r>
+            <a:endParaRPr lang="en-US" dirty="0"/>
+          </a:p>
+        </p:txBody>
+      </p:sp>
+    </p:spTree>
+    <p:extLst>
+      <p:ext uri="{BB962C8B-B14F-4D97-AF65-F5344CB8AC3E}">
+        <p14:creationId xmlns:p14="http://schemas.microsoft.com/office/powerpoint/2010/main" val="955233686"/>
+      </p:ext>
+    </p:extLst>
+  </p:cSld>
+  <p:clrMapOvr>
+    <a:masterClrMapping/>
+  </p:clrMapOvr>
+  <p:timing>
+    <p:tnLst>
+      <p:par>
+        <p:cTn id="1" dur="indefinite" restart="never" nodeType="tmRoot"/>
+      </p:par>
+    </p:tnLst>
+  </p:timing>
+</p:sld>
+</file>
+
+<file path=ppt/slides/slide35.xml><?xml version="1.0" encoding="utf-8"?>
+<p:sld xmlns:a="http://schemas.openxmlformats.org/drawingml/2006/main" xmlns:r="http://schemas.openxmlformats.org/officeDocument/2006/relationships" xmlns:p="http://schemas.openxmlformats.org/presentationml/2006/main">
+  <p:cSld>
+    <p:spTree>
+      <p:nvGrpSpPr>
+        <p:cNvPr id="1" name=""/>
+        <p:cNvGrpSpPr/>
+        <p:nvPr/>
+      </p:nvGrpSpPr>
+      <p:grpSpPr>
+        <a:xfrm>
+          <a:off x="0" y="0"/>
+          <a:ext cx="0" cy="0"/>
+          <a:chOff x="0" y="0"/>
+          <a:chExt cx="0" cy="0"/>
+        </a:xfrm>
+      </p:grpSpPr>
+      <p:sp>
+        <p:nvSpPr>
+          <p:cNvPr id="2" name="Title 1"/>
+          <p:cNvSpPr>
+            <a:spLocks noGrp="1"/>
+          </p:cNvSpPr>
+          <p:nvPr>
+            <p:ph type="title"/>
+          </p:nvPr>
+        </p:nvSpPr>
+        <p:spPr/>
+        <p:txBody>
+          <a:bodyPr/>
+          <a:lstStyle/>
+          <a:p>
+            <a:r>
+              <a:rPr lang="en-US" dirty="0"/>
+              <a:t>What I Applied/learned from the </a:t>
+            </a:r>
+            <a:r>
+              <a:rPr lang="en-US" dirty="0" smtClean="0"/>
+              <a:t>project (CONT.)</a:t>
+            </a:r>
+            <a:endParaRPr lang="en-US" dirty="0"/>
+          </a:p>
+        </p:txBody>
+      </p:sp>
+      <p:sp>
+        <p:nvSpPr>
+          <p:cNvPr id="3" name="Content Placeholder 2"/>
+          <p:cNvSpPr>
+            <a:spLocks noGrp="1"/>
+          </p:cNvSpPr>
+          <p:nvPr>
+            <p:ph idx="1"/>
+          </p:nvPr>
+        </p:nvSpPr>
+        <p:spPr/>
+        <p:txBody>
+          <a:bodyPr/>
+          <a:lstStyle/>
+          <a:p>
+            <a:r>
+              <a:rPr lang="en-US" dirty="0" smtClean="0"/>
+              <a:t>Interfaces in C#</a:t>
+            </a:r>
+          </a:p>
+          <a:p>
+            <a:r>
+              <a:rPr lang="en-US" dirty="0" smtClean="0"/>
+              <a:t>Using </a:t>
+            </a:r>
+            <a:r>
+              <a:rPr lang="en-US" dirty="0" err="1" smtClean="0"/>
+              <a:t>IronPython</a:t>
+            </a:r>
+            <a:endParaRPr lang="en-US" dirty="0" smtClean="0"/>
+          </a:p>
+          <a:p>
+            <a:r>
+              <a:rPr lang="en-US" dirty="0" smtClean="0"/>
+              <a:t>Invoking Python scripts with </a:t>
+            </a:r>
+            <a:r>
+              <a:rPr lang="en-US" dirty="0" err="1" smtClean="0"/>
+              <a:t>aruguments</a:t>
+            </a:r>
+            <a:r>
+              <a:rPr lang="en-US" dirty="0" smtClean="0"/>
+              <a:t> in C#</a:t>
+            </a:r>
+          </a:p>
+          <a:p>
+            <a:r>
+              <a:rPr lang="en-US" dirty="0" err="1" smtClean="0"/>
+              <a:t>Enums</a:t>
+            </a:r>
+            <a:r>
+              <a:rPr lang="en-US" dirty="0" smtClean="0"/>
+              <a:t> in C#</a:t>
+            </a:r>
+          </a:p>
+          <a:p>
+            <a:r>
+              <a:rPr lang="en-US" dirty="0" smtClean="0"/>
+              <a:t>Threading in C# and Python</a:t>
+            </a:r>
+          </a:p>
+          <a:p>
+            <a:r>
+              <a:rPr lang="en-US" dirty="0" smtClean="0"/>
+              <a:t>Encoding and Decoding in Python</a:t>
+            </a:r>
+          </a:p>
+          <a:p>
+            <a:r>
+              <a:rPr lang="en-US" dirty="0" smtClean="0"/>
+              <a:t>Sending and Receiving files in Python</a:t>
+            </a:r>
+          </a:p>
+          <a:p>
+            <a:r>
+              <a:rPr lang="en-US" dirty="0" smtClean="0"/>
+              <a:t>The joys and wonders of trying to decode a utf-16 file in utf-8</a:t>
+            </a:r>
+            <a:endParaRPr lang="en-US" dirty="0"/>
+          </a:p>
+        </p:txBody>
+      </p:sp>
+    </p:spTree>
+    <p:extLst>
+      <p:ext uri="{BB962C8B-B14F-4D97-AF65-F5344CB8AC3E}">
+        <p14:creationId xmlns:p14="http://schemas.microsoft.com/office/powerpoint/2010/main" val="1883492774"/>
+      </p:ext>
+    </p:extLst>
+  </p:cSld>
+  <p:clrMapOvr>
+    <a:masterClrMapping/>
+  </p:clrMapOvr>
+  <p:timing>
+    <p:tnLst>
+      <p:par>
+        <p:cTn id="1" dur="indefinite" restart="never" nodeType="tmRoot"/>
+      </p:par>
+    </p:tnLst>
+  </p:timing>
+</p:sld>
+</file>
+
+<file path=ppt/slides/slide36.xml><?xml version="1.0" encoding="utf-8"?>
+<p:sld xmlns:a="http://schemas.openxmlformats.org/drawingml/2006/main" xmlns:r="http://schemas.openxmlformats.org/officeDocument/2006/relationships" xmlns:p="http://schemas.openxmlformats.org/presentationml/2006/main">
+  <p:cSld>
+    <p:spTree>
+      <p:nvGrpSpPr>
+        <p:cNvPr id="1" name=""/>
+        <p:cNvGrpSpPr/>
+        <p:nvPr/>
+      </p:nvGrpSpPr>
+      <p:grpSpPr>
+        <a:xfrm>
+          <a:off x="0" y="0"/>
+          <a:ext cx="0" cy="0"/>
+          <a:chOff x="0" y="0"/>
+          <a:chExt cx="0" cy="0"/>
+        </a:xfrm>
+      </p:grpSpPr>
+      <p:sp>
+        <p:nvSpPr>
+          <p:cNvPr id="2" name="Title 1"/>
+          <p:cNvSpPr>
+            <a:spLocks noGrp="1"/>
+          </p:cNvSpPr>
+          <p:nvPr>
+            <p:ph type="title"/>
+          </p:nvPr>
+        </p:nvSpPr>
+        <p:spPr/>
+        <p:txBody>
+          <a:bodyPr/>
+          <a:lstStyle/>
+          <a:p>
+            <a:r>
+              <a:rPr lang="en-US" dirty="0" smtClean="0"/>
+              <a:t>What’s Next</a:t>
+            </a:r>
+            <a:endParaRPr lang="en-US" dirty="0"/>
+          </a:p>
+        </p:txBody>
+      </p:sp>
+      <p:sp>
+        <p:nvSpPr>
+          <p:cNvPr id="3" name="Content Placeholder 2"/>
+          <p:cNvSpPr>
+            <a:spLocks noGrp="1"/>
+          </p:cNvSpPr>
+          <p:nvPr>
+            <p:ph idx="1"/>
+          </p:nvPr>
+        </p:nvSpPr>
+        <p:spPr/>
+        <p:txBody>
+          <a:bodyPr/>
+          <a:lstStyle/>
+          <a:p>
+            <a:pPr marL="0" indent="0">
+              <a:buNone/>
+            </a:pPr>
+            <a:r>
+              <a:rPr lang="en-US" dirty="0" smtClean="0"/>
+              <a:t>Moving ahead with this project I’ll start by looking at the server core and cutting back on some classes reliance on other classes. The project might have some unnecessary lines of code and I think I could probably go back and refactor them. From there I would like to implement a more dynamic command system that uses </a:t>
+            </a:r>
+            <a:r>
+              <a:rPr lang="en-US" dirty="0" err="1" smtClean="0"/>
+              <a:t>ICommand.cs</a:t>
+            </a:r>
+            <a:r>
+              <a:rPr lang="en-US" dirty="0" smtClean="0"/>
+              <a:t> more thoroughly.</a:t>
+            </a:r>
+            <a:r>
+              <a:rPr lang="en-US" dirty="0"/>
+              <a:t> </a:t>
+            </a:r>
+            <a:r>
+              <a:rPr lang="en-US" dirty="0" smtClean="0"/>
+              <a:t>Another thing that I would like to do is fix the Chat client because I would love to see how it would work. The file client/server needs some error checking to be done, but it mainly serves as an example.</a:t>
+            </a:r>
+            <a:r>
+              <a:rPr lang="en-US" dirty="0"/>
+              <a:t> </a:t>
+            </a:r>
+            <a:r>
+              <a:rPr lang="en-US" dirty="0" smtClean="0"/>
+              <a:t>Finally I would like to create more examples to test the limits of the application.</a:t>
+            </a:r>
+          </a:p>
+        </p:txBody>
+      </p:sp>
+    </p:spTree>
+    <p:extLst>
+      <p:ext uri="{BB962C8B-B14F-4D97-AF65-F5344CB8AC3E}">
+        <p14:creationId xmlns:p14="http://schemas.microsoft.com/office/powerpoint/2010/main" val="1059190994"/>
+      </p:ext>
+    </p:extLst>
+  </p:cSld>
+  <p:clrMapOvr>
+    <a:masterClrMapping/>
+  </p:clrMapOvr>
+  <p:timing>
+    <p:tnLst>
+      <p:par>
+        <p:cTn id="1" dur="indefinite" restart="never" nodeType="tmRoot"/>
+      </p:par>
+    </p:tnLst>
+  </p:timing>
+</p:sld>
+</file>
+
+<file path=ppt/slides/slide37.xml><?xml version="1.0" encoding="utf-8"?>
+<p:sld xmlns:a="http://schemas.openxmlformats.org/drawingml/2006/main" xmlns:r="http://schemas.openxmlformats.org/officeDocument/2006/relationships" xmlns:p="http://schemas.openxmlformats.org/presentationml/2006/main">
+  <p:cSld>
+    <p:spTree>
+      <p:nvGrpSpPr>
+        <p:cNvPr id="1" name=""/>
+        <p:cNvGrpSpPr/>
+        <p:nvPr/>
+      </p:nvGrpSpPr>
+      <p:grpSpPr>
+        <a:xfrm>
+          <a:off x="0" y="0"/>
+          <a:ext cx="0" cy="0"/>
+          <a:chOff x="0" y="0"/>
+          <a:chExt cx="0" cy="0"/>
+        </a:xfrm>
+      </p:grpSpPr>
+      <p:sp>
+        <p:nvSpPr>
+          <p:cNvPr id="2" name="Title 1"/>
+          <p:cNvSpPr>
+            <a:spLocks noGrp="1"/>
+          </p:cNvSpPr>
+          <p:nvPr>
+            <p:ph type="title"/>
+          </p:nvPr>
+        </p:nvSpPr>
+        <p:spPr/>
+        <p:txBody>
+          <a:bodyPr/>
+          <a:lstStyle/>
+          <a:p>
+            <a:r>
+              <a:rPr lang="en-US" dirty="0" smtClean="0"/>
+              <a:t>How I developed this project</a:t>
+            </a:r>
+            <a:endParaRPr lang="en-US" dirty="0"/>
+          </a:p>
+        </p:txBody>
+      </p:sp>
+      <p:sp>
+        <p:nvSpPr>
+          <p:cNvPr id="3" name="Content Placeholder 2"/>
+          <p:cNvSpPr>
+            <a:spLocks noGrp="1"/>
+          </p:cNvSpPr>
+          <p:nvPr>
+            <p:ph idx="1"/>
+          </p:nvPr>
+        </p:nvSpPr>
+        <p:spPr/>
+        <p:txBody>
+          <a:bodyPr/>
+          <a:lstStyle/>
+          <a:p>
+            <a:pPr marL="0" indent="0">
+              <a:buNone/>
+            </a:pPr>
+            <a:r>
+              <a:rPr lang="en-US" dirty="0" smtClean="0"/>
+              <a:t>Tools:</a:t>
+            </a:r>
+          </a:p>
+          <a:p>
+            <a:pPr marL="0" indent="0">
+              <a:buNone/>
+            </a:pPr>
+            <a:r>
+              <a:rPr lang="en-US" dirty="0"/>
+              <a:t>	</a:t>
+            </a:r>
+            <a:r>
+              <a:rPr lang="en-US" dirty="0" smtClean="0"/>
+              <a:t>Visual Studio 2013 – Writing C# code and using WPF</a:t>
+            </a:r>
+          </a:p>
+          <a:p>
+            <a:pPr marL="0" indent="0">
+              <a:buNone/>
+            </a:pPr>
+            <a:r>
+              <a:rPr lang="en-US" dirty="0"/>
+              <a:t>	</a:t>
+            </a:r>
+            <a:r>
+              <a:rPr lang="en-US" dirty="0" err="1" smtClean="0"/>
+              <a:t>Emacs</a:t>
+            </a:r>
+            <a:r>
+              <a:rPr lang="en-US" dirty="0" smtClean="0"/>
+              <a:t> – Writing Python Code</a:t>
+            </a:r>
+          </a:p>
+          <a:p>
+            <a:pPr marL="0" indent="0">
+              <a:buNone/>
+            </a:pPr>
+            <a:r>
+              <a:rPr lang="en-US" dirty="0"/>
+              <a:t>	</a:t>
+            </a:r>
+            <a:r>
+              <a:rPr lang="en-US" dirty="0" smtClean="0"/>
+              <a:t>Wireshark – Diagnostics</a:t>
+            </a:r>
+          </a:p>
+          <a:p>
+            <a:pPr marL="0" indent="0">
+              <a:buNone/>
+            </a:pPr>
+            <a:r>
+              <a:rPr lang="en-US" dirty="0"/>
+              <a:t>	</a:t>
+            </a:r>
+            <a:r>
+              <a:rPr lang="en-US" dirty="0" err="1" smtClean="0"/>
+              <a:t>Git</a:t>
+            </a:r>
+            <a:r>
+              <a:rPr lang="en-US" dirty="0" smtClean="0"/>
+              <a:t> – Version Control (via </a:t>
+            </a:r>
+            <a:r>
+              <a:rPr lang="en-US" dirty="0" smtClean="0">
+                <a:hlinkClick r:id="rId2"/>
+              </a:rPr>
+              <a:t>https://github.com/</a:t>
+            </a:r>
+            <a:r>
+              <a:rPr lang="en-US" dirty="0" smtClean="0"/>
+              <a:t> )</a:t>
+            </a:r>
+          </a:p>
+          <a:p>
+            <a:pPr marL="0" indent="0">
+              <a:buNone/>
+            </a:pPr>
+            <a:r>
+              <a:rPr lang="en-US" dirty="0" smtClean="0"/>
+              <a:t>I mainly worked on this project when I had spare time or felt like it, this means I didn’t follow any development process to complete it.</a:t>
+            </a:r>
+            <a:endParaRPr lang="en-US" dirty="0"/>
+          </a:p>
+        </p:txBody>
+      </p:sp>
+    </p:spTree>
+    <p:extLst>
+      <p:ext uri="{BB962C8B-B14F-4D97-AF65-F5344CB8AC3E}">
+        <p14:creationId xmlns:p14="http://schemas.microsoft.com/office/powerpoint/2010/main" val="194960084"/>
+      </p:ext>
+    </p:extLst>
+  </p:cSld>
+  <p:clrMapOvr>
+    <a:masterClrMapping/>
+  </p:clrMapOvr>
+  <p:timing>
+    <p:tnLst>
+      <p:par>
+        <p:cTn id="1" dur="indefinite" restart="never" nodeType="tmRoot"/>
+      </p:par>
+    </p:tnLst>
+  </p:timing>
+</p:sld>
+</file>
+
+<file path=ppt/slides/slide38.xml><?xml version="1.0" encoding="utf-8"?>
+<p:sld xmlns:a="http://schemas.openxmlformats.org/drawingml/2006/main" xmlns:r="http://schemas.openxmlformats.org/officeDocument/2006/relationships" xmlns:p="http://schemas.openxmlformats.org/presentationml/2006/main">
+  <p:cSld>
+    <p:spTree>
+      <p:nvGrpSpPr>
+        <p:cNvPr id="1" name=""/>
+        <p:cNvGrpSpPr/>
+        <p:nvPr/>
+      </p:nvGrpSpPr>
+      <p:grpSpPr>
+        <a:xfrm>
+          <a:off x="0" y="0"/>
+          <a:ext cx="0" cy="0"/>
+          <a:chOff x="0" y="0"/>
+          <a:chExt cx="0" cy="0"/>
+        </a:xfrm>
+      </p:grpSpPr>
+      <p:sp>
+        <p:nvSpPr>
+          <p:cNvPr id="2" name="Title 1"/>
+          <p:cNvSpPr>
+            <a:spLocks noGrp="1"/>
+          </p:cNvSpPr>
+          <p:nvPr>
+            <p:ph type="title"/>
+          </p:nvPr>
+        </p:nvSpPr>
+        <p:spPr/>
+        <p:txBody>
+          <a:bodyPr/>
+          <a:lstStyle/>
+          <a:p>
+            <a:r>
+              <a:rPr lang="en-US" dirty="0" smtClean="0"/>
+              <a:t>Other things that I’ve got out of this project</a:t>
+            </a:r>
+            <a:endParaRPr lang="en-US" dirty="0"/>
+          </a:p>
+        </p:txBody>
+      </p:sp>
+      <p:sp>
+        <p:nvSpPr>
+          <p:cNvPr id="3" name="Content Placeholder 2"/>
+          <p:cNvSpPr>
+            <a:spLocks noGrp="1"/>
+          </p:cNvSpPr>
+          <p:nvPr>
+            <p:ph idx="1"/>
+          </p:nvPr>
+        </p:nvSpPr>
+        <p:spPr>
+          <a:xfrm>
+            <a:off x="1202919" y="2011680"/>
+            <a:ext cx="9784080" cy="4655820"/>
+          </a:xfrm>
+        </p:spPr>
+        <p:txBody>
+          <a:bodyPr>
+            <a:normAutofit/>
+          </a:bodyPr>
+          <a:lstStyle/>
+          <a:p>
+            <a:pPr marL="285750" indent="-285750">
+              <a:buFont typeface="Arial" panose="020B0604020202020204" pitchFamily="34" charset="0"/>
+              <a:buChar char="•"/>
+            </a:pPr>
+            <a:r>
+              <a:rPr lang="en-US" sz="2000" dirty="0"/>
+              <a:t>IP to location calculator in C#.</a:t>
+            </a:r>
+          </a:p>
+          <a:p>
+            <a:pPr marL="285750" indent="-285750">
+              <a:buFont typeface="Arial" panose="020B0604020202020204" pitchFamily="34" charset="0"/>
+              <a:buChar char="•"/>
+            </a:pPr>
+            <a:r>
+              <a:rPr lang="en-US" sz="2000" dirty="0"/>
+              <a:t>A Graphing program that graphs ping statistics in C# and R.</a:t>
+            </a:r>
+          </a:p>
+          <a:p>
+            <a:pPr marL="285750" indent="-285750">
+              <a:buFont typeface="Arial" panose="020B0604020202020204" pitchFamily="34" charset="0"/>
+              <a:buChar char="•"/>
+            </a:pPr>
+            <a:r>
+              <a:rPr lang="en-US" sz="2000" dirty="0"/>
+              <a:t>A clone of “A Dark Room” in Python.</a:t>
+            </a:r>
+          </a:p>
+          <a:p>
+            <a:pPr marL="285750" indent="-285750">
+              <a:buFont typeface="Arial" panose="020B0604020202020204" pitchFamily="34" charset="0"/>
+              <a:buChar char="•"/>
+            </a:pPr>
+            <a:r>
+              <a:rPr lang="en-US" sz="2000" dirty="0"/>
+              <a:t>A multilayer deep learning neural network perceptron in Python, R and C</a:t>
+            </a:r>
+            <a:r>
+              <a:rPr lang="en-US" sz="2000" dirty="0" smtClean="0"/>
+              <a:t>#. (2)</a:t>
+            </a:r>
+            <a:endParaRPr lang="en-US" sz="2000" dirty="0"/>
+          </a:p>
+          <a:p>
+            <a:pPr marL="285750" indent="-285750">
+              <a:buFont typeface="Arial" panose="020B0604020202020204" pitchFamily="34" charset="0"/>
+              <a:buChar char="•"/>
+            </a:pPr>
+            <a:r>
+              <a:rPr lang="en-US" sz="2000" dirty="0"/>
+              <a:t>A browser session transfer in Python (uses sockets. Yay.).</a:t>
+            </a:r>
+          </a:p>
+          <a:p>
+            <a:pPr marL="285750" indent="-285750">
+              <a:buFont typeface="Arial" panose="020B0604020202020204" pitchFamily="34" charset="0"/>
+              <a:buChar char="•"/>
+            </a:pPr>
+            <a:r>
+              <a:rPr lang="en-US" sz="2000" dirty="0"/>
+              <a:t>A </a:t>
+            </a:r>
+            <a:r>
+              <a:rPr lang="en-US" sz="2000" dirty="0" err="1"/>
+              <a:t>reddit</a:t>
+            </a:r>
+            <a:r>
+              <a:rPr lang="en-US" sz="2000" dirty="0"/>
+              <a:t> image downloader in Python.</a:t>
+            </a:r>
+          </a:p>
+          <a:p>
+            <a:pPr marL="285750" indent="-285750">
+              <a:buFont typeface="Arial" panose="020B0604020202020204" pitchFamily="34" charset="0"/>
+              <a:buChar char="•"/>
+            </a:pPr>
+            <a:r>
+              <a:rPr lang="en-US" sz="2000" dirty="0"/>
+              <a:t>A </a:t>
+            </a:r>
+            <a:r>
+              <a:rPr lang="en-US" sz="2000" dirty="0" err="1"/>
+              <a:t>Imgur</a:t>
+            </a:r>
+            <a:r>
+              <a:rPr lang="en-US" sz="2000" dirty="0"/>
+              <a:t> album/image downloader in Python.</a:t>
+            </a:r>
+          </a:p>
+          <a:p>
+            <a:pPr marL="285750" indent="-285750">
+              <a:buFont typeface="Arial" panose="020B0604020202020204" pitchFamily="34" charset="0"/>
+              <a:buChar char="•"/>
+            </a:pPr>
+            <a:r>
+              <a:rPr lang="en-US" sz="2000" dirty="0"/>
+              <a:t>An </a:t>
+            </a:r>
+            <a:r>
+              <a:rPr lang="en-US" sz="2000" dirty="0" err="1"/>
+              <a:t>OldSchool</a:t>
+            </a:r>
+            <a:r>
+              <a:rPr lang="en-US" sz="2000" dirty="0"/>
+              <a:t> </a:t>
+            </a:r>
+            <a:r>
+              <a:rPr lang="en-US" sz="2000" dirty="0" err="1"/>
+              <a:t>RuneScape</a:t>
+            </a:r>
+            <a:r>
+              <a:rPr lang="en-US" sz="2000" dirty="0"/>
+              <a:t> Grand Exchange price API in Python.</a:t>
+            </a:r>
+          </a:p>
+          <a:p>
+            <a:pPr marL="285750" indent="-285750">
+              <a:buFont typeface="Arial" panose="020B0604020202020204" pitchFamily="34" charset="0"/>
+              <a:buChar char="•"/>
+            </a:pPr>
+            <a:r>
+              <a:rPr lang="en-US" sz="2000" dirty="0"/>
+              <a:t>YouTube playlist amalgamator in Python, HTML/CSS. </a:t>
+            </a:r>
+          </a:p>
+          <a:p>
+            <a:pPr marL="285750" indent="-285750">
+              <a:buFont typeface="Arial" panose="020B0604020202020204" pitchFamily="34" charset="0"/>
+              <a:buChar char="•"/>
+            </a:pPr>
+            <a:r>
+              <a:rPr lang="en-US" sz="2000" dirty="0"/>
+              <a:t>Dozens of Scripts written in Python, Haskell and </a:t>
+            </a:r>
+            <a:r>
+              <a:rPr lang="en-US" sz="2000" dirty="0" err="1"/>
+              <a:t>Emacs</a:t>
+            </a:r>
+            <a:r>
+              <a:rPr lang="en-US" sz="2000" dirty="0"/>
+              <a:t> Lisp.</a:t>
+            </a:r>
+          </a:p>
+          <a:p>
+            <a:pPr marL="0" indent="0">
+              <a:buNone/>
+            </a:pPr>
+            <a:endParaRPr lang="en-US" dirty="0"/>
+          </a:p>
+        </p:txBody>
+      </p:sp>
+    </p:spTree>
+    <p:extLst>
+      <p:ext uri="{BB962C8B-B14F-4D97-AF65-F5344CB8AC3E}">
+        <p14:creationId xmlns:p14="http://schemas.microsoft.com/office/powerpoint/2010/main" val="3014322157"/>
+      </p:ext>
+    </p:extLst>
+  </p:cSld>
+  <p:clrMapOvr>
+    <a:masterClrMapping/>
+  </p:clrMapOvr>
+  <p:timing>
+    <p:tnLst>
+      <p:par>
+        <p:cTn id="1" dur="indefinite" restart="never" nodeType="tmRoot"/>
+      </p:par>
+    </p:tnLst>
+  </p:timing>
+</p:sld>
+</file>
+
+<file path=ppt/slides/slide39.xml><?xml version="1.0" encoding="utf-8"?>
+<p:sld xmlns:a="http://schemas.openxmlformats.org/drawingml/2006/main" xmlns:r="http://schemas.openxmlformats.org/officeDocument/2006/relationships" xmlns:p="http://schemas.openxmlformats.org/presentationml/2006/main">
+  <p:cSld>
+    <p:spTree>
+      <p:nvGrpSpPr>
+        <p:cNvPr id="1" name=""/>
+        <p:cNvGrpSpPr/>
+        <p:nvPr/>
+      </p:nvGrpSpPr>
+      <p:grpSpPr>
+        <a:xfrm>
+          <a:off x="0" y="0"/>
+          <a:ext cx="0" cy="0"/>
+          <a:chOff x="0" y="0"/>
+          <a:chExt cx="0" cy="0"/>
+        </a:xfrm>
+      </p:grpSpPr>
+      <p:sp>
+        <p:nvSpPr>
+          <p:cNvPr id="2" name="Title 1"/>
+          <p:cNvSpPr>
+            <a:spLocks noGrp="1"/>
+          </p:cNvSpPr>
+          <p:nvPr>
+            <p:ph type="title"/>
+          </p:nvPr>
+        </p:nvSpPr>
+        <p:spPr/>
+        <p:txBody>
+          <a:bodyPr/>
+          <a:lstStyle/>
+          <a:p>
+            <a:r>
+              <a:rPr lang="en-US" dirty="0" smtClean="0"/>
+              <a:t>That’s it</a:t>
+            </a:r>
+            <a:endParaRPr lang="en-US" dirty="0"/>
+          </a:p>
+        </p:txBody>
+      </p:sp>
+      <p:sp>
+        <p:nvSpPr>
+          <p:cNvPr id="3" name="Content Placeholder 2"/>
+          <p:cNvSpPr>
+            <a:spLocks noGrp="1"/>
+          </p:cNvSpPr>
+          <p:nvPr>
+            <p:ph idx="1"/>
+          </p:nvPr>
+        </p:nvSpPr>
+        <p:spPr/>
+        <p:txBody>
+          <a:bodyPr/>
+          <a:lstStyle/>
+          <a:p>
+            <a:pPr marL="0" indent="0">
+              <a:buNone/>
+            </a:pPr>
+            <a:r>
+              <a:rPr lang="en-US" dirty="0" smtClean="0"/>
+              <a:t>The link to the source</a:t>
+            </a:r>
+          </a:p>
+          <a:p>
+            <a:pPr marL="0" indent="0">
+              <a:buNone/>
+            </a:pPr>
+            <a:r>
+              <a:rPr lang="en-US" dirty="0">
+                <a:hlinkClick r:id="rId2"/>
+              </a:rPr>
+              <a:t>https://</a:t>
+            </a:r>
+            <a:r>
+              <a:rPr lang="en-US" dirty="0" smtClean="0">
+                <a:hlinkClick r:id="rId2"/>
+              </a:rPr>
+              <a:t>github.com/Blankpanda/chat_client</a:t>
+            </a:r>
+            <a:r>
+              <a:rPr lang="en-US" dirty="0" smtClean="0"/>
+              <a:t> </a:t>
+            </a:r>
+            <a:endParaRPr lang="en-US" dirty="0"/>
+          </a:p>
+        </p:txBody>
+      </p:sp>
+    </p:spTree>
+    <p:extLst>
+      <p:ext uri="{BB962C8B-B14F-4D97-AF65-F5344CB8AC3E}">
+        <p14:creationId xmlns:p14="http://schemas.microsoft.com/office/powerpoint/2010/main" val="588948151"/>
       </p:ext>
     </p:extLst>
   </p:cSld>
@@ -5727,8 +11924,42 @@
             </a:r>
             <a:r>
               <a:rPr lang="en-US" sz="3000" dirty="0" smtClean="0"/>
-              <a:t>            File Server Module</a:t>
-            </a:r>
+              <a:t>            File Server </a:t>
+            </a:r>
+            <a:r>
+              <a:rPr lang="en-US" sz="3000" dirty="0" smtClean="0"/>
+              <a:t>Module</a:t>
+            </a:r>
+          </a:p>
+          <a:p>
+            <a:pPr lvl="1"/>
+            <a:endParaRPr lang="en-US" sz="3000" dirty="0"/>
+          </a:p>
+          <a:p>
+            <a:pPr marL="228600" lvl="1" indent="0">
+              <a:buNone/>
+            </a:pPr>
+            <a:r>
+              <a:rPr lang="en-US" sz="3000" dirty="0" smtClean="0"/>
+              <a:t>The project utilizes the </a:t>
+            </a:r>
+            <a:r>
+              <a:rPr lang="en-US" sz="3000" dirty="0" err="1" smtClean="0"/>
+              <a:t>IronPython</a:t>
+            </a:r>
+            <a:r>
+              <a:rPr lang="en-US" sz="3000" dirty="0" smtClean="0"/>
+              <a:t> library which allows python interlope with </a:t>
+            </a:r>
+            <a:r>
+              <a:rPr lang="en-US" sz="3000" dirty="0" err="1" smtClean="0"/>
+              <a:t>.net</a:t>
+            </a:r>
+            <a:r>
+              <a:rPr lang="en-US" sz="3000" dirty="0" smtClean="0"/>
+              <a:t>.</a:t>
+            </a:r>
+            <a:endParaRPr lang="en-US" sz="3000" dirty="0" smtClean="0"/>
           </a:p>
         </p:txBody>
       </p:sp>
@@ -5827,7 +12058,19 @@
             </a:pPr>
             <a:r>
               <a:rPr lang="en-US" dirty="0" smtClean="0"/>
-              <a:t>The server waits for a connection and when one is established, it waits until the connection to send something. The server parse the values and sends back based off the specification of the application</a:t>
+              <a:t>The server waits for a connection and when one is established, it waits until the connection </a:t>
+            </a:r>
+            <a:r>
+              <a:rPr lang="en-US" dirty="0" smtClean="0"/>
+              <a:t>send something. </a:t>
+            </a:r>
+            <a:r>
+              <a:rPr lang="en-US" dirty="0" smtClean="0"/>
+              <a:t>The server parse the values and sends back based </a:t>
+            </a:r>
+            <a:r>
+              <a:rPr lang="en-US" dirty="0" smtClean="0"/>
+              <a:t>off depending what the server does.</a:t>
             </a:r>
             <a:endParaRPr lang="en-US" dirty="0"/>
           </a:p>
@@ -5978,7 +12221,15 @@
             </a:pPr>
             <a:r>
               <a:rPr lang="en-US" sz="2400" dirty="0" smtClean="0"/>
-              <a:t>these both represent the Local Endpoint which is used to determine if the socket is a listener or a handler.		</a:t>
+              <a:t>these both represent the Local Endpoint which </a:t>
+            </a:r>
+            <a:r>
+              <a:rPr lang="en-US" sz="2400" dirty="0" smtClean="0"/>
+              <a:t>represents where incoming data is going.</a:t>
+            </a:r>
+            <a:r>
+              <a:rPr lang="en-US" sz="2400" dirty="0" smtClean="0"/>
+              <a:t>	</a:t>
             </a:r>
             <a:endParaRPr lang="en-US" sz="3200" dirty="0"/>
           </a:p>
@@ -6081,15 +12332,11 @@
             </a:pPr>
             <a:r>
               <a:rPr lang="en-US" dirty="0" smtClean="0"/>
-              <a:t>Once the listener has been </a:t>
-            </a:r>
-            <a:r>
-              <a:rPr lang="en-US" dirty="0" err="1" smtClean="0"/>
-              <a:t>binded</a:t>
-            </a:r>
-            <a:r>
-              <a:rPr lang="en-US" dirty="0" smtClean="0"/>
-              <a:t>, we can simply start listening for inbound connections by initializing it with a backlog.</a:t>
+              <a:t>Once we bind the listener (to the local endpoint), </a:t>
+            </a:r>
+            <a:r>
+              <a:rPr lang="en-US" dirty="0" smtClean="0"/>
+              <a:t>we can simply start listening for inbound connections by initializing it with a backlog.</a:t>
             </a:r>
           </a:p>
           <a:p>
@@ -6107,7 +12354,15 @@
             </a:pPr>
             <a:r>
               <a:rPr lang="en-US" dirty="0" smtClean="0"/>
-              <a:t>In order to parse the data that a client sends, we create a new socket  that is usually named handler. The handler is the result of a listen accepting a connection.</a:t>
+              <a:t>In order to parse the data that a client sends, we create a new socket  that is usually named handler. The handler is the result of a </a:t>
+            </a:r>
+            <a:r>
+              <a:rPr lang="en-US" dirty="0" smtClean="0"/>
+              <a:t>listener </a:t>
+            </a:r>
+            <a:r>
+              <a:rPr lang="en-US" dirty="0" smtClean="0"/>
+              <a:t>accepting a connection.</a:t>
             </a:r>
           </a:p>
           <a:p>
@@ -6116,7 +12371,15 @@
             </a:pPr>
             <a:r>
               <a:rPr lang="en-US" dirty="0" smtClean="0"/>
-              <a:t>From there the handler maintains the connection between the Remote Endpoint.</a:t>
+              <a:t>From there the handler maintains the connection between </a:t>
+            </a:r>
+            <a:r>
+              <a:rPr lang="en-US" dirty="0" smtClean="0"/>
+              <a:t>a Remote </a:t>
+            </a:r>
+            <a:r>
+              <a:rPr lang="en-US" dirty="0" smtClean="0"/>
+              <a:t>Endpoint.</a:t>
             </a:r>
           </a:p>
           <a:p>
@@ -6125,8 +12388,13 @@
             </a:pPr>
             <a:r>
               <a:rPr lang="en-US" dirty="0" smtClean="0"/>
-              <a:t>We wrap this action of receiving in an infinite loop so that the client can continually send data.</a:t>
-            </a:r>
+              <a:t>We wrap this action of receiving in an infinite loop so that the client can continually send </a:t>
+            </a:r>
+            <a:r>
+              <a:rPr lang="en-US" dirty="0" smtClean="0"/>
+              <a:t>data and we break out when the client is done.</a:t>
+            </a:r>
+            <a:endParaRPr lang="en-US" dirty="0" smtClean="0"/>
           </a:p>
         </p:txBody>
       </p:sp>
